--- a/R_tutorial_1.pptx
+++ b/R_tutorial_1.pptx
@@ -11,20 +11,19 @@
     <p:sldId id="260" r:id="rId5"/>
     <p:sldId id="259" r:id="rId6"/>
     <p:sldId id="261" r:id="rId7"/>
-    <p:sldId id="271" r:id="rId8"/>
-    <p:sldId id="262" r:id="rId9"/>
-    <p:sldId id="268" r:id="rId10"/>
-    <p:sldId id="273" r:id="rId11"/>
-    <p:sldId id="274" r:id="rId12"/>
-    <p:sldId id="263" r:id="rId13"/>
-    <p:sldId id="264" r:id="rId14"/>
-    <p:sldId id="265" r:id="rId15"/>
-    <p:sldId id="269" r:id="rId16"/>
-    <p:sldId id="267" r:id="rId17"/>
-    <p:sldId id="275" r:id="rId18"/>
-    <p:sldId id="276" r:id="rId19"/>
-    <p:sldId id="272" r:id="rId20"/>
-    <p:sldId id="270" r:id="rId21"/>
+    <p:sldId id="262" r:id="rId8"/>
+    <p:sldId id="268" r:id="rId9"/>
+    <p:sldId id="273" r:id="rId10"/>
+    <p:sldId id="274" r:id="rId11"/>
+    <p:sldId id="263" r:id="rId12"/>
+    <p:sldId id="264" r:id="rId13"/>
+    <p:sldId id="265" r:id="rId14"/>
+    <p:sldId id="269" r:id="rId15"/>
+    <p:sldId id="267" r:id="rId16"/>
+    <p:sldId id="275" r:id="rId17"/>
+    <p:sldId id="276" r:id="rId18"/>
+    <p:sldId id="272" r:id="rId19"/>
+    <p:sldId id="270" r:id="rId20"/>
   </p:sldIdLst>
   <p:sldSz cx="12192000" cy="6858000"/>
   <p:notesSz cx="6858000" cy="9144000"/>
@@ -131,6 +130,81 @@
 </p:presentation>
 </file>
 
+<file path=ppt/revisionInfo.xml><?xml version="1.0" encoding="utf-8"?>
+<p1510:revInfo xmlns:a="http://schemas.openxmlformats.org/drawingml/2006/main" xmlns:r="http://schemas.openxmlformats.org/officeDocument/2006/relationships" xmlns:p1510="http://schemas.microsoft.com/office/powerpoint/2015/10/main">
+  <p1510:revLst>
+    <p1510:client id="{A5BA4BEB-EABB-244B-B65D-4DE6E159EEF1}" v="3" dt="2020-02-26T10:43:03.155"/>
+  </p1510:revLst>
+</p1510:revInfo>
+</file>
+
+<file path=ppt/changesInfos/changesInfo1.xml><?xml version="1.0" encoding="utf-8"?>
+<pc:chgInfo xmlns:a="http://schemas.openxmlformats.org/drawingml/2006/main" xmlns:r="http://schemas.openxmlformats.org/officeDocument/2006/relationships" xmlns:ac="http://schemas.microsoft.com/office/drawing/2013/main/command" xmlns:pc="http://schemas.microsoft.com/office/powerpoint/2013/main/command">
+  <pc:docChgLst>
+    <pc:chgData name="Aaron McInnes" userId="171bdf0d-4e2d-4ff0-8f57-fda72b0a8d25" providerId="ADAL" clId="{A5BA4BEB-EABB-244B-B65D-4DE6E159EEF1}"/>
+    <pc:docChg chg="undo custSel delSld modSld">
+      <pc:chgData name="Aaron McInnes" userId="171bdf0d-4e2d-4ff0-8f57-fda72b0a8d25" providerId="ADAL" clId="{A5BA4BEB-EABB-244B-B65D-4DE6E159EEF1}" dt="2020-02-26T10:47:11.267" v="323" actId="1076"/>
+      <pc:docMkLst>
+        <pc:docMk/>
+      </pc:docMkLst>
+      <pc:sldChg chg="modSp">
+        <pc:chgData name="Aaron McInnes" userId="171bdf0d-4e2d-4ff0-8f57-fda72b0a8d25" providerId="ADAL" clId="{A5BA4BEB-EABB-244B-B65D-4DE6E159EEF1}" dt="2020-02-26T10:31:12.327" v="161" actId="27636"/>
+        <pc:sldMkLst>
+          <pc:docMk/>
+          <pc:sldMk cId="2068052463" sldId="259"/>
+        </pc:sldMkLst>
+        <pc:spChg chg="mod">
+          <ac:chgData name="Aaron McInnes" userId="171bdf0d-4e2d-4ff0-8f57-fda72b0a8d25" providerId="ADAL" clId="{A5BA4BEB-EABB-244B-B65D-4DE6E159EEF1}" dt="2020-02-26T10:31:12.327" v="161" actId="27636"/>
+          <ac:spMkLst>
+            <pc:docMk/>
+            <pc:sldMk cId="2068052463" sldId="259"/>
+            <ac:spMk id="3" creationId="{5494A240-4A41-40EC-A9C5-83AA540C7C4E}"/>
+          </ac:spMkLst>
+        </pc:spChg>
+      </pc:sldChg>
+      <pc:sldChg chg="addSp modSp">
+        <pc:chgData name="Aaron McInnes" userId="171bdf0d-4e2d-4ff0-8f57-fda72b0a8d25" providerId="ADAL" clId="{A5BA4BEB-EABB-244B-B65D-4DE6E159EEF1}" dt="2020-02-26T10:47:11.267" v="323" actId="1076"/>
+        <pc:sldMkLst>
+          <pc:docMk/>
+          <pc:sldMk cId="220585460" sldId="261"/>
+        </pc:sldMkLst>
+        <pc:spChg chg="mod">
+          <ac:chgData name="Aaron McInnes" userId="171bdf0d-4e2d-4ff0-8f57-fda72b0a8d25" providerId="ADAL" clId="{A5BA4BEB-EABB-244B-B65D-4DE6E159EEF1}" dt="2020-02-26T10:43:58.545" v="316" actId="12"/>
+          <ac:spMkLst>
+            <pc:docMk/>
+            <pc:sldMk cId="220585460" sldId="261"/>
+            <ac:spMk id="3" creationId="{123E4244-E62D-4720-B96C-D774CDD6F8F4}"/>
+          </ac:spMkLst>
+        </pc:spChg>
+        <pc:picChg chg="add mod">
+          <ac:chgData name="Aaron McInnes" userId="171bdf0d-4e2d-4ff0-8f57-fda72b0a8d25" providerId="ADAL" clId="{A5BA4BEB-EABB-244B-B65D-4DE6E159EEF1}" dt="2020-02-26T10:47:11.267" v="323" actId="1076"/>
+          <ac:picMkLst>
+            <pc:docMk/>
+            <pc:sldMk cId="220585460" sldId="261"/>
+            <ac:picMk id="5" creationId="{912FA367-E135-D544-832C-142FE7DF6A18}"/>
+          </ac:picMkLst>
+        </pc:picChg>
+        <pc:cxnChg chg="add mod">
+          <ac:chgData name="Aaron McInnes" userId="171bdf0d-4e2d-4ff0-8f57-fda72b0a8d25" providerId="ADAL" clId="{A5BA4BEB-EABB-244B-B65D-4DE6E159EEF1}" dt="2020-02-26T10:43:29.767" v="313" actId="692"/>
+          <ac:cxnSpMkLst>
+            <pc:docMk/>
+            <pc:sldMk cId="220585460" sldId="261"/>
+            <ac:cxnSpMk id="7" creationId="{44D949A7-35F8-6148-902D-6EB73124C5C5}"/>
+          </ac:cxnSpMkLst>
+        </pc:cxnChg>
+      </pc:sldChg>
+      <pc:sldChg chg="del">
+        <pc:chgData name="Aaron McInnes" userId="171bdf0d-4e2d-4ff0-8f57-fda72b0a8d25" providerId="ADAL" clId="{A5BA4BEB-EABB-244B-B65D-4DE6E159EEF1}" dt="2020-02-26T10:44:20.542" v="317" actId="2696"/>
+        <pc:sldMkLst>
+          <pc:docMk/>
+          <pc:sldMk cId="1174005422" sldId="271"/>
+        </pc:sldMkLst>
+      </pc:sldChg>
+    </pc:docChg>
+  </pc:docChgLst>
+</pc:chgInfo>
+</file>
+
 <file path=ppt/slideLayouts/slideLayout1.xml><?xml version="1.0" encoding="utf-8"?>
 <p:sldLayout xmlns:a="http://schemas.openxmlformats.org/drawingml/2006/main" xmlns:r="http://schemas.openxmlformats.org/officeDocument/2006/relationships" xmlns:p="http://schemas.openxmlformats.org/presentationml/2006/main" type="title" preserve="1">
   <p:cSld name="Title Slide">
@@ -280,7 +354,7 @@
           <a:p>
             <a:fld id="{0C753030-17C6-4693-9FE3-73F4A74D7B15}" type="datetimeFigureOut">
               <a:rPr lang="en-AU" smtClean="0"/>
-              <a:t>26/02/2020</a:t>
+              <a:t>26/2/20</a:t>
             </a:fld>
             <a:endParaRPr lang="en-AU"/>
           </a:p>
@@ -480,7 +554,7 @@
           <a:p>
             <a:fld id="{0C753030-17C6-4693-9FE3-73F4A74D7B15}" type="datetimeFigureOut">
               <a:rPr lang="en-AU" smtClean="0"/>
-              <a:t>26/02/2020</a:t>
+              <a:t>26/2/20</a:t>
             </a:fld>
             <a:endParaRPr lang="en-AU"/>
           </a:p>
@@ -690,7 +764,7 @@
           <a:p>
             <a:fld id="{0C753030-17C6-4693-9FE3-73F4A74D7B15}" type="datetimeFigureOut">
               <a:rPr lang="en-AU" smtClean="0"/>
-              <a:t>26/02/2020</a:t>
+              <a:t>26/2/20</a:t>
             </a:fld>
             <a:endParaRPr lang="en-AU"/>
           </a:p>
@@ -890,7 +964,7 @@
           <a:p>
             <a:fld id="{0C753030-17C6-4693-9FE3-73F4A74D7B15}" type="datetimeFigureOut">
               <a:rPr lang="en-AU" smtClean="0"/>
-              <a:t>26/02/2020</a:t>
+              <a:t>26/2/20</a:t>
             </a:fld>
             <a:endParaRPr lang="en-AU"/>
           </a:p>
@@ -1166,7 +1240,7 @@
           <a:p>
             <a:fld id="{0C753030-17C6-4693-9FE3-73F4A74D7B15}" type="datetimeFigureOut">
               <a:rPr lang="en-AU" smtClean="0"/>
-              <a:t>26/02/2020</a:t>
+              <a:t>26/2/20</a:t>
             </a:fld>
             <a:endParaRPr lang="en-AU"/>
           </a:p>
@@ -1434,7 +1508,7 @@
           <a:p>
             <a:fld id="{0C753030-17C6-4693-9FE3-73F4A74D7B15}" type="datetimeFigureOut">
               <a:rPr lang="en-AU" smtClean="0"/>
-              <a:t>26/02/2020</a:t>
+              <a:t>26/2/20</a:t>
             </a:fld>
             <a:endParaRPr lang="en-AU"/>
           </a:p>
@@ -1849,7 +1923,7 @@
           <a:p>
             <a:fld id="{0C753030-17C6-4693-9FE3-73F4A74D7B15}" type="datetimeFigureOut">
               <a:rPr lang="en-AU" smtClean="0"/>
-              <a:t>26/02/2020</a:t>
+              <a:t>26/2/20</a:t>
             </a:fld>
             <a:endParaRPr lang="en-AU"/>
           </a:p>
@@ -1991,7 +2065,7 @@
           <a:p>
             <a:fld id="{0C753030-17C6-4693-9FE3-73F4A74D7B15}" type="datetimeFigureOut">
               <a:rPr lang="en-AU" smtClean="0"/>
-              <a:t>26/02/2020</a:t>
+              <a:t>26/2/20</a:t>
             </a:fld>
             <a:endParaRPr lang="en-AU"/>
           </a:p>
@@ -2104,7 +2178,7 @@
           <a:p>
             <a:fld id="{0C753030-17C6-4693-9FE3-73F4A74D7B15}" type="datetimeFigureOut">
               <a:rPr lang="en-AU" smtClean="0"/>
-              <a:t>26/02/2020</a:t>
+              <a:t>26/2/20</a:t>
             </a:fld>
             <a:endParaRPr lang="en-AU"/>
           </a:p>
@@ -2417,7 +2491,7 @@
           <a:p>
             <a:fld id="{0C753030-17C6-4693-9FE3-73F4A74D7B15}" type="datetimeFigureOut">
               <a:rPr lang="en-AU" smtClean="0"/>
-              <a:t>26/02/2020</a:t>
+              <a:t>26/2/20</a:t>
             </a:fld>
             <a:endParaRPr lang="en-AU"/>
           </a:p>
@@ -2706,7 +2780,7 @@
           <a:p>
             <a:fld id="{0C753030-17C6-4693-9FE3-73F4A74D7B15}" type="datetimeFigureOut">
               <a:rPr lang="en-AU" smtClean="0"/>
-              <a:t>26/02/2020</a:t>
+              <a:t>26/2/20</a:t>
             </a:fld>
             <a:endParaRPr lang="en-AU"/>
           </a:p>
@@ -2949,7 +3023,7 @@
           <a:p>
             <a:fld id="{0C753030-17C6-4693-9FE3-73F4A74D7B15}" type="datetimeFigureOut">
               <a:rPr lang="en-AU" smtClean="0"/>
-              <a:t>26/02/2020</a:t>
+              <a:t>26/2/20</a:t>
             </a:fld>
             <a:endParaRPr lang="en-AU"/>
           </a:p>
@@ -3466,159 +3540,6 @@
           <p:cNvPr id="2" name="Title 1">
             <a:extLst>
               <a:ext uri="{FF2B5EF4-FFF2-40B4-BE49-F238E27FC236}">
-                <a16:creationId xmlns:a16="http://schemas.microsoft.com/office/drawing/2014/main" id="{E4359541-0CF8-4E9A-8088-A87AD2EEAC21}"/>
-              </a:ext>
-            </a:extLst>
-          </p:cNvPr>
-          <p:cNvSpPr>
-            <a:spLocks noGrp="1"/>
-          </p:cNvSpPr>
-          <p:nvPr>
-            <p:ph type="title"/>
-          </p:nvPr>
-        </p:nvSpPr>
-        <p:spPr/>
-        <p:txBody>
-          <a:bodyPr/>
-          <a:lstStyle/>
-          <a:p>
-            <a:r>
-              <a:rPr lang="en-AU" dirty="0"/>
-              <a:t>Console Basics</a:t>
-            </a:r>
-          </a:p>
-        </p:txBody>
-      </p:sp>
-      <p:sp>
-        <p:nvSpPr>
-          <p:cNvPr id="3" name="Content Placeholder 2">
-            <a:extLst>
-              <a:ext uri="{FF2B5EF4-FFF2-40B4-BE49-F238E27FC236}">
-                <a16:creationId xmlns:a16="http://schemas.microsoft.com/office/drawing/2014/main" id="{1D29F35F-2E1E-4280-BD8A-530153A5645F}"/>
-              </a:ext>
-            </a:extLst>
-          </p:cNvPr>
-          <p:cNvSpPr>
-            <a:spLocks noGrp="1"/>
-          </p:cNvSpPr>
-          <p:nvPr>
-            <p:ph idx="1"/>
-          </p:nvPr>
-        </p:nvSpPr>
-        <p:spPr/>
-        <p:txBody>
-          <a:bodyPr/>
-          <a:lstStyle/>
-          <a:p>
-            <a:r>
-              <a:rPr lang="en-AU" dirty="0"/>
-              <a:t>Can use as calculator</a:t>
-            </a:r>
-          </a:p>
-          <a:p>
-            <a:pPr lvl="1"/>
-            <a:r>
-              <a:rPr lang="en-AU" dirty="0"/>
-              <a:t>Try 1+1, enter</a:t>
-            </a:r>
-          </a:p>
-          <a:p>
-            <a:pPr lvl="1"/>
-            <a:endParaRPr lang="en-AU" dirty="0"/>
-          </a:p>
-          <a:p>
-            <a:r>
-              <a:rPr lang="en-AU" dirty="0"/>
-              <a:t>Variables – a container for information</a:t>
-            </a:r>
-          </a:p>
-          <a:p>
-            <a:pPr lvl="1"/>
-            <a:r>
-              <a:rPr lang="en-AU" dirty="0"/>
-              <a:t>Try storing numbers in variable – they can have any name</a:t>
-            </a:r>
-          </a:p>
-          <a:p>
-            <a:pPr lvl="2"/>
-            <a:r>
-              <a:rPr lang="en-AU" dirty="0"/>
-              <a:t>E.g. Hello &lt;- 50</a:t>
-            </a:r>
-          </a:p>
-          <a:p>
-            <a:pPr lvl="2"/>
-            <a:r>
-              <a:rPr lang="en-AU" dirty="0"/>
-              <a:t>See variable is in the environment</a:t>
-            </a:r>
-          </a:p>
-          <a:p>
-            <a:pPr lvl="2"/>
-            <a:r>
-              <a:rPr lang="en-AU" dirty="0"/>
-              <a:t>Can do math operations on variables (e.g. Hello + 20)</a:t>
-            </a:r>
-          </a:p>
-          <a:p>
-            <a:pPr lvl="2"/>
-            <a:r>
-              <a:rPr lang="en-AU" dirty="0"/>
-              <a:t>Can also store words in variables as well.</a:t>
-            </a:r>
-          </a:p>
-          <a:p>
-            <a:pPr lvl="2"/>
-            <a:endParaRPr lang="en-AU" dirty="0"/>
-          </a:p>
-          <a:p>
-            <a:endParaRPr lang="en-AU" dirty="0"/>
-          </a:p>
-          <a:p>
-            <a:pPr lvl="1"/>
-            <a:endParaRPr lang="en-AU" dirty="0"/>
-          </a:p>
-          <a:p>
-            <a:pPr lvl="1"/>
-            <a:endParaRPr lang="en-AU" dirty="0"/>
-          </a:p>
-        </p:txBody>
-      </p:sp>
-    </p:spTree>
-    <p:extLst>
-      <p:ext uri="{BB962C8B-B14F-4D97-AF65-F5344CB8AC3E}">
-        <p14:creationId xmlns:p14="http://schemas.microsoft.com/office/powerpoint/2010/main" val="2579472875"/>
-      </p:ext>
-    </p:extLst>
-  </p:cSld>
-  <p:clrMapOvr>
-    <a:masterClrMapping/>
-  </p:clrMapOvr>
-</p:sld>
-</file>
-
-<file path=ppt/slides/slide11.xml><?xml version="1.0" encoding="utf-8"?>
-<p:sld xmlns:a="http://schemas.openxmlformats.org/drawingml/2006/main" xmlns:r="http://schemas.openxmlformats.org/officeDocument/2006/relationships" xmlns:p="http://schemas.openxmlformats.org/presentationml/2006/main">
-  <p:cSld>
-    <p:spTree>
-      <p:nvGrpSpPr>
-        <p:cNvPr id="1" name=""/>
-        <p:cNvGrpSpPr/>
-        <p:nvPr/>
-      </p:nvGrpSpPr>
-      <p:grpSpPr>
-        <a:xfrm>
-          <a:off x="0" y="0"/>
-          <a:ext cx="0" cy="0"/>
-          <a:chOff x="0" y="0"/>
-          <a:chExt cx="0" cy="0"/>
-        </a:xfrm>
-      </p:grpSpPr>
-      <p:sp>
-        <p:nvSpPr>
-          <p:cNvPr id="2" name="Title 1">
-            <a:extLst>
-              <a:ext uri="{FF2B5EF4-FFF2-40B4-BE49-F238E27FC236}">
                 <a16:creationId xmlns:a16="http://schemas.microsoft.com/office/drawing/2014/main" id="{91EADA11-EA03-4E90-BAC6-FA3125FBEE0A}"/>
               </a:ext>
             </a:extLst>
@@ -3752,7 +3673,7 @@
 </p:sld>
 </file>
 
-<file path=ppt/slides/slide12.xml><?xml version="1.0" encoding="utf-8"?>
+<file path=ppt/slides/slide11.xml><?xml version="1.0" encoding="utf-8"?>
 <p:sld xmlns:a="http://schemas.openxmlformats.org/drawingml/2006/main" xmlns:r="http://schemas.openxmlformats.org/officeDocument/2006/relationships" xmlns:p="http://schemas.openxmlformats.org/presentationml/2006/main">
   <p:cSld>
     <p:spTree>
@@ -4177,7 +4098,7 @@
 </p:sld>
 </file>
 
-<file path=ppt/slides/slide13.xml><?xml version="1.0" encoding="utf-8"?>
+<file path=ppt/slides/slide12.xml><?xml version="1.0" encoding="utf-8"?>
 <p:sld xmlns:a="http://schemas.openxmlformats.org/drawingml/2006/main" xmlns:r="http://schemas.openxmlformats.org/officeDocument/2006/relationships" xmlns:p="http://schemas.openxmlformats.org/presentationml/2006/main">
   <p:cSld>
     <p:spTree>
@@ -4578,6 +4499,234 @@
 </p:sld>
 </file>
 
+<file path=ppt/slides/slide13.xml><?xml version="1.0" encoding="utf-8"?>
+<p:sld xmlns:a="http://schemas.openxmlformats.org/drawingml/2006/main" xmlns:r="http://schemas.openxmlformats.org/officeDocument/2006/relationships" xmlns:p="http://schemas.openxmlformats.org/presentationml/2006/main">
+  <p:cSld>
+    <p:spTree>
+      <p:nvGrpSpPr>
+        <p:cNvPr id="1" name=""/>
+        <p:cNvGrpSpPr/>
+        <p:nvPr/>
+      </p:nvGrpSpPr>
+      <p:grpSpPr>
+        <a:xfrm>
+          <a:off x="0" y="0"/>
+          <a:ext cx="0" cy="0"/>
+          <a:chOff x="0" y="0"/>
+          <a:chExt cx="0" cy="0"/>
+        </a:xfrm>
+      </p:grpSpPr>
+      <p:sp>
+        <p:nvSpPr>
+          <p:cNvPr id="2" name="Title 1">
+            <a:extLst>
+              <a:ext uri="{FF2B5EF4-FFF2-40B4-BE49-F238E27FC236}">
+                <a16:creationId xmlns:a16="http://schemas.microsoft.com/office/drawing/2014/main" id="{439429DA-557E-4109-A162-4B80498AB99C}"/>
+              </a:ext>
+            </a:extLst>
+          </p:cNvPr>
+          <p:cNvSpPr>
+            <a:spLocks noGrp="1"/>
+          </p:cNvSpPr>
+          <p:nvPr>
+            <p:ph type="title"/>
+          </p:nvPr>
+        </p:nvSpPr>
+        <p:spPr/>
+        <p:txBody>
+          <a:bodyPr/>
+          <a:lstStyle/>
+          <a:p>
+            <a:r>
+              <a:rPr lang="en-AU" dirty="0"/>
+              <a:t>How to Open Excel File</a:t>
+            </a:r>
+          </a:p>
+        </p:txBody>
+      </p:sp>
+      <p:sp>
+        <p:nvSpPr>
+          <p:cNvPr id="3" name="Content Placeholder 2">
+            <a:extLst>
+              <a:ext uri="{FF2B5EF4-FFF2-40B4-BE49-F238E27FC236}">
+                <a16:creationId xmlns:a16="http://schemas.microsoft.com/office/drawing/2014/main" id="{154021D3-59CF-4FC8-8B22-E13ECDC41C88}"/>
+              </a:ext>
+            </a:extLst>
+          </p:cNvPr>
+          <p:cNvSpPr>
+            <a:spLocks noGrp="1"/>
+          </p:cNvSpPr>
+          <p:nvPr>
+            <p:ph idx="1"/>
+          </p:nvPr>
+        </p:nvSpPr>
+        <p:spPr/>
+        <p:txBody>
+          <a:bodyPr>
+            <a:normAutofit lnSpcReduction="10000"/>
+          </a:bodyPr>
+          <a:lstStyle/>
+          <a:p>
+            <a:r>
+              <a:rPr lang="en-AU" dirty="0"/>
+              <a:t>Tell R what file to open</a:t>
+            </a:r>
+          </a:p>
+          <a:p>
+            <a:pPr lvl="1"/>
+            <a:r>
+              <a:rPr lang="en-AU" sz="1600" dirty="0" err="1"/>
+              <a:t>data_folder</a:t>
+            </a:r>
+            <a:r>
+              <a:rPr lang="en-AU" sz="1600" dirty="0"/>
+              <a:t> &lt;- “</a:t>
+            </a:r>
+            <a:r>
+              <a:rPr lang="en-US" sz="1600" dirty="0"/>
+              <a:t>E:/Cognition_emotion_group_2020/R_tutorial_1/data_is_here/</a:t>
+            </a:r>
+            <a:r>
+              <a:rPr lang="en-AU" sz="1600" dirty="0"/>
+              <a:t>”</a:t>
+            </a:r>
+          </a:p>
+          <a:p>
+            <a:pPr lvl="1"/>
+            <a:r>
+              <a:rPr lang="en-AU" sz="1600" dirty="0" err="1"/>
+              <a:t>data_file</a:t>
+            </a:r>
+            <a:r>
+              <a:rPr lang="en-AU" sz="1600" dirty="0"/>
+              <a:t> &lt;- “example_data.xlsx”</a:t>
+            </a:r>
+          </a:p>
+          <a:p>
+            <a:r>
+              <a:rPr lang="en-AU" sz="2000" dirty="0"/>
+              <a:t>You are creating two variables, with folder path and filename information</a:t>
+            </a:r>
+          </a:p>
+          <a:p>
+            <a:endParaRPr lang="en-AU" sz="2000" dirty="0"/>
+          </a:p>
+          <a:p>
+            <a:r>
+              <a:rPr lang="en-AU" sz="2000" dirty="0"/>
+              <a:t>Combine the folder path and file name to get the full path, ‘paste0()’ lets you combine character strings</a:t>
+            </a:r>
+          </a:p>
+          <a:p>
+            <a:pPr lvl="1"/>
+            <a:r>
+              <a:rPr lang="en-AU" sz="1600" dirty="0" err="1"/>
+              <a:t>full_path</a:t>
+            </a:r>
+            <a:r>
+              <a:rPr lang="en-AU" sz="1600" dirty="0"/>
+              <a:t> &lt;- paste0(</a:t>
+            </a:r>
+            <a:r>
+              <a:rPr lang="en-AU" sz="1600" dirty="0" err="1"/>
+              <a:t>data_folder,data_file</a:t>
+            </a:r>
+            <a:r>
+              <a:rPr lang="en-AU" sz="1600" dirty="0"/>
+              <a:t>)</a:t>
+            </a:r>
+          </a:p>
+          <a:p>
+            <a:pPr marL="0" indent="0">
+              <a:buNone/>
+            </a:pPr>
+            <a:endParaRPr lang="en-AU" sz="2000" dirty="0"/>
+          </a:p>
+          <a:p>
+            <a:r>
+              <a:rPr lang="en-AU" sz="2000" dirty="0"/>
+              <a:t>Load in the file you picked using read.xlsx </a:t>
+            </a:r>
+            <a:r>
+              <a:rPr lang="en-AU" sz="2000" dirty="0">
+                <a:highlight>
+                  <a:srgbClr val="FFFF00"/>
+                </a:highlight>
+              </a:rPr>
+              <a:t>function</a:t>
+            </a:r>
+          </a:p>
+          <a:p>
+            <a:pPr lvl="1"/>
+            <a:r>
+              <a:rPr lang="en-AU" sz="1600" dirty="0"/>
+              <a:t>Data2use &lt;- read.xlsx(</a:t>
+            </a:r>
+            <a:r>
+              <a:rPr lang="en-AU" sz="1600" dirty="0" err="1"/>
+              <a:t>full_path</a:t>
+            </a:r>
+            <a:r>
+              <a:rPr lang="en-AU" sz="1600" dirty="0"/>
+              <a:t>)</a:t>
+            </a:r>
+          </a:p>
+          <a:p>
+            <a:pPr lvl="1"/>
+            <a:r>
+              <a:rPr lang="en-AU" sz="1600" dirty="0"/>
+              <a:t>Data2use &lt;- read.xlsx(“</a:t>
+            </a:r>
+            <a:r>
+              <a:rPr lang="en-US" sz="1600" dirty="0"/>
+              <a:t>E:/Cognition_emotion_group_2020/R_tutorial_1/data_is_here/</a:t>
+            </a:r>
+            <a:r>
+              <a:rPr lang="en-AU" sz="1600" dirty="0"/>
+              <a:t>example_data.xlsx</a:t>
+            </a:r>
+            <a:r>
+              <a:rPr lang="en-US" sz="1600" dirty="0"/>
+              <a:t>”)</a:t>
+            </a:r>
+          </a:p>
+          <a:p>
+            <a:pPr lvl="1"/>
+            <a:r>
+              <a:rPr lang="en-AU" sz="1600" dirty="0"/>
+              <a:t>Data2use &lt;- read.xlsx(paste0(</a:t>
+            </a:r>
+            <a:r>
+              <a:rPr lang="en-AU" sz="1600" dirty="0" err="1"/>
+              <a:t>data_folder,data_file</a:t>
+            </a:r>
+            <a:r>
+              <a:rPr lang="en-AU" sz="1600" dirty="0"/>
+              <a:t>))</a:t>
+            </a:r>
+          </a:p>
+          <a:p>
+            <a:pPr lvl="1"/>
+            <a:endParaRPr lang="en-AU" sz="1600" dirty="0"/>
+          </a:p>
+          <a:p>
+            <a:endParaRPr lang="en-AU" sz="2000" dirty="0"/>
+          </a:p>
+        </p:txBody>
+      </p:sp>
+    </p:spTree>
+    <p:extLst>
+      <p:ext uri="{BB962C8B-B14F-4D97-AF65-F5344CB8AC3E}">
+        <p14:creationId xmlns:p14="http://schemas.microsoft.com/office/powerpoint/2010/main" val="3354613688"/>
+      </p:ext>
+    </p:extLst>
+  </p:cSld>
+  <p:clrMapOvr>
+    <a:masterClrMapping/>
+  </p:clrMapOvr>
+</p:sld>
+</file>
+
 <file path=ppt/slides/slide14.xml><?xml version="1.0" encoding="utf-8"?>
 <p:sld xmlns:a="http://schemas.openxmlformats.org/drawingml/2006/main" xmlns:r="http://schemas.openxmlformats.org/officeDocument/2006/relationships" xmlns:p="http://schemas.openxmlformats.org/presentationml/2006/main">
   <p:cSld>
@@ -4600,7 +4749,7 @@
           <p:cNvPr id="2" name="Title 1">
             <a:extLst>
               <a:ext uri="{FF2B5EF4-FFF2-40B4-BE49-F238E27FC236}">
-                <a16:creationId xmlns:a16="http://schemas.microsoft.com/office/drawing/2014/main" id="{439429DA-557E-4109-A162-4B80498AB99C}"/>
+                <a16:creationId xmlns:a16="http://schemas.microsoft.com/office/drawing/2014/main" id="{452A2C73-EDA1-4352-91D6-C334C2FB64D4}"/>
               </a:ext>
             </a:extLst>
           </p:cNvPr>
@@ -4618,7 +4767,7 @@
           <a:p>
             <a:r>
               <a:rPr lang="en-AU" dirty="0"/>
-              <a:t>How to Open Excel File</a:t>
+              <a:t>Lets look at the data</a:t>
             </a:r>
           </a:p>
         </p:txBody>
@@ -4628,7 +4777,7 @@
           <p:cNvPr id="3" name="Content Placeholder 2">
             <a:extLst>
               <a:ext uri="{FF2B5EF4-FFF2-40B4-BE49-F238E27FC236}">
-                <a16:creationId xmlns:a16="http://schemas.microsoft.com/office/drawing/2014/main" id="{154021D3-59CF-4FC8-8B22-E13ECDC41C88}"/>
+                <a16:creationId xmlns:a16="http://schemas.microsoft.com/office/drawing/2014/main" id="{860156D5-7D7F-4B22-B291-7366E25C15D2}"/>
               </a:ext>
             </a:extLst>
           </p:cNvPr>
@@ -4642,161 +4791,86 @@
         <p:spPr/>
         <p:txBody>
           <a:bodyPr>
-            <a:normAutofit lnSpcReduction="10000"/>
+            <a:normAutofit/>
           </a:bodyPr>
           <a:lstStyle/>
           <a:p>
             <a:r>
               <a:rPr lang="en-AU" dirty="0"/>
-              <a:t>Tell R what file to open</a:t>
+              <a:t>Double click variable in environment</a:t>
+            </a:r>
+          </a:p>
+          <a:p>
+            <a:r>
+              <a:rPr lang="en-AU" dirty="0"/>
+              <a:t>This is a </a:t>
+            </a:r>
+            <a:r>
+              <a:rPr lang="en-AU" u="sng" dirty="0"/>
+              <a:t>Data Frame </a:t>
+            </a:r>
+            <a:r>
+              <a:rPr lang="en-AU" dirty="0"/>
+              <a:t>– basically a table, many variables</a:t>
+            </a:r>
+          </a:p>
+          <a:p>
+            <a:r>
+              <a:rPr lang="en-AU" dirty="0"/>
+              <a:t>Explain dataset</a:t>
             </a:r>
           </a:p>
           <a:p>
             <a:pPr lvl="1"/>
             <a:r>
-              <a:rPr lang="en-AU" sz="1600" dirty="0" err="1"/>
-              <a:t>data_folder</a:t>
-            </a:r>
-            <a:r>
-              <a:rPr lang="en-AU" sz="1600" dirty="0"/>
-              <a:t> &lt;- “</a:t>
-            </a:r>
-            <a:r>
-              <a:rPr lang="en-US" sz="1600" dirty="0"/>
-              <a:t>E:/Cognition_emotion_group_2020/R_tutorial_1/data_is_here/</a:t>
-            </a:r>
-            <a:r>
-              <a:rPr lang="en-AU" sz="1600" dirty="0"/>
-              <a:t>”</a:t>
+              <a:rPr lang="en-AU" dirty="0"/>
+              <a:t>Go/no-go task</a:t>
             </a:r>
           </a:p>
           <a:p>
             <a:pPr lvl="1"/>
             <a:r>
-              <a:rPr lang="en-AU" sz="1600" dirty="0" err="1"/>
-              <a:t>data_file</a:t>
-            </a:r>
-            <a:r>
-              <a:rPr lang="en-AU" sz="1600" dirty="0"/>
-              <a:t> &lt;- “example_data.xlsx”</a:t>
-            </a:r>
-          </a:p>
-          <a:p>
-            <a:r>
-              <a:rPr lang="en-AU" sz="2000" dirty="0"/>
-              <a:t>You are creating two variables, with folder path and filename information</a:t>
-            </a:r>
-          </a:p>
-          <a:p>
-            <a:endParaRPr lang="en-AU" sz="2000" dirty="0"/>
-          </a:p>
-          <a:p>
-            <a:r>
-              <a:rPr lang="en-AU" sz="2000" dirty="0"/>
-              <a:t>Combine the folder path and file name to get the full path, ‘paste0()’ lets you combine character strings</a:t>
+              <a:rPr lang="en-AU" dirty="0"/>
+              <a:t>Data from 5 participants, with 5 trials each</a:t>
             </a:r>
           </a:p>
           <a:p>
             <a:pPr lvl="1"/>
             <a:r>
-              <a:rPr lang="en-AU" sz="1600" dirty="0" err="1"/>
-              <a:t>full_path</a:t>
-            </a:r>
-            <a:r>
-              <a:rPr lang="en-AU" sz="1600" dirty="0"/>
-              <a:t> &lt;- paste0(</a:t>
-            </a:r>
-            <a:r>
-              <a:rPr lang="en-AU" sz="1600" dirty="0" err="1"/>
-              <a:t>data_folder,data_file</a:t>
-            </a:r>
-            <a:r>
-              <a:rPr lang="en-AU" sz="1600" dirty="0"/>
-              <a:t>)</a:t>
-            </a:r>
-          </a:p>
-          <a:p>
-            <a:pPr marL="0" indent="0">
-              <a:buNone/>
-            </a:pPr>
-            <a:endParaRPr lang="en-AU" sz="2000" dirty="0"/>
-          </a:p>
-          <a:p>
-            <a:r>
-              <a:rPr lang="en-AU" sz="2000" dirty="0"/>
-              <a:t>Load in the file you picked using read.xlsx </a:t>
-            </a:r>
-            <a:r>
-              <a:rPr lang="en-AU" sz="2000" dirty="0">
-                <a:highlight>
-                  <a:srgbClr val="FFFF00"/>
-                </a:highlight>
-              </a:rPr>
-              <a:t>function</a:t>
+              <a:rPr lang="en-AU" dirty="0"/>
+              <a:t>The condition and RT for each trial are in separate variables (columns)</a:t>
+            </a:r>
+          </a:p>
+          <a:p>
+            <a:r>
+              <a:rPr lang="en-AU" dirty="0"/>
+              <a:t>R likes it long</a:t>
             </a:r>
           </a:p>
           <a:p>
             <a:pPr lvl="1"/>
             <a:r>
-              <a:rPr lang="en-AU" sz="1600" dirty="0"/>
-              <a:t>Data2use &lt;- read.xlsx(</a:t>
-            </a:r>
-            <a:r>
-              <a:rPr lang="en-AU" sz="1600" dirty="0" err="1"/>
-              <a:t>full_path</a:t>
-            </a:r>
-            <a:r>
-              <a:rPr lang="en-AU" sz="1600" dirty="0"/>
-              <a:t>)</a:t>
+              <a:rPr lang="en-AU" dirty="0"/>
+              <a:t>Each observation is a separate row</a:t>
             </a:r>
           </a:p>
           <a:p>
             <a:pPr lvl="1"/>
             <a:r>
-              <a:rPr lang="en-AU" sz="1600" dirty="0"/>
-              <a:t>Data2use &lt;- read.xlsx(“</a:t>
-            </a:r>
-            <a:r>
-              <a:rPr lang="en-US" sz="1600" dirty="0"/>
-              <a:t>E:/Cognition_emotion_group_2020/R_tutorial_1/data_is_here/</a:t>
-            </a:r>
-            <a:r>
-              <a:rPr lang="en-AU" sz="1600" dirty="0"/>
-              <a:t>example_data.xlsx</a:t>
-            </a:r>
-            <a:r>
-              <a:rPr lang="en-US" sz="1600" dirty="0"/>
-              <a:t>”)</a:t>
+              <a:rPr lang="en-AU" dirty="0"/>
+              <a:t>Each variable is a row</a:t>
             </a:r>
           </a:p>
           <a:p>
             <a:pPr lvl="1"/>
-            <a:r>
-              <a:rPr lang="en-AU" sz="1600" dirty="0"/>
-              <a:t>Data2use &lt;- read.xlsx(paste0(</a:t>
-            </a:r>
-            <a:r>
-              <a:rPr lang="en-AU" sz="1600" dirty="0" err="1"/>
-              <a:t>data_folder,data_file</a:t>
-            </a:r>
-            <a:r>
-              <a:rPr lang="en-AU" sz="1600" dirty="0"/>
-              <a:t>))</a:t>
-            </a:r>
-          </a:p>
-          <a:p>
-            <a:pPr lvl="1"/>
-            <a:endParaRPr lang="en-AU" sz="1600" dirty="0"/>
-          </a:p>
-          <a:p>
-            <a:endParaRPr lang="en-AU" sz="2000" dirty="0"/>
+            <a:endParaRPr lang="en-AU" dirty="0"/>
           </a:p>
         </p:txBody>
       </p:sp>
     </p:spTree>
     <p:extLst>
       <p:ext uri="{BB962C8B-B14F-4D97-AF65-F5344CB8AC3E}">
-        <p14:creationId xmlns:p14="http://schemas.microsoft.com/office/powerpoint/2010/main" val="3354613688"/>
+        <p14:creationId xmlns:p14="http://schemas.microsoft.com/office/powerpoint/2010/main" val="744886909"/>
       </p:ext>
     </p:extLst>
   </p:cSld>
@@ -4828,7 +4902,7 @@
           <p:cNvPr id="2" name="Title 1">
             <a:extLst>
               <a:ext uri="{FF2B5EF4-FFF2-40B4-BE49-F238E27FC236}">
-                <a16:creationId xmlns:a16="http://schemas.microsoft.com/office/drawing/2014/main" id="{452A2C73-EDA1-4352-91D6-C334C2FB64D4}"/>
+                <a16:creationId xmlns:a16="http://schemas.microsoft.com/office/drawing/2014/main" id="{754B6190-C57F-4B61-8810-C145F0256326}"/>
               </a:ext>
             </a:extLst>
           </p:cNvPr>
@@ -4846,7 +4920,7 @@
           <a:p>
             <a:r>
               <a:rPr lang="en-AU" dirty="0"/>
-              <a:t>Lets look at the data</a:t>
+              <a:t>But our data is not long…</a:t>
             </a:r>
           </a:p>
         </p:txBody>
@@ -4856,7 +4930,7 @@
           <p:cNvPr id="3" name="Content Placeholder 2">
             <a:extLst>
               <a:ext uri="{FF2B5EF4-FFF2-40B4-BE49-F238E27FC236}">
-                <a16:creationId xmlns:a16="http://schemas.microsoft.com/office/drawing/2014/main" id="{860156D5-7D7F-4B22-B291-7366E25C15D2}"/>
+                <a16:creationId xmlns:a16="http://schemas.microsoft.com/office/drawing/2014/main" id="{1E221B02-D23E-4949-A373-A37A0A56CCB5}"/>
               </a:ext>
             </a:extLst>
           </p:cNvPr>
@@ -4869,87 +4943,64 @@
         </p:nvSpPr>
         <p:spPr/>
         <p:txBody>
-          <a:bodyPr>
-            <a:normAutofit/>
-          </a:bodyPr>
-          <a:lstStyle/>
-          <a:p>
-            <a:r>
-              <a:rPr lang="en-AU" dirty="0"/>
-              <a:t>Double click variable in environment</a:t>
-            </a:r>
-          </a:p>
-          <a:p>
-            <a:r>
-              <a:rPr lang="en-AU" dirty="0"/>
-              <a:t>This is a </a:t>
-            </a:r>
-            <a:r>
-              <a:rPr lang="en-AU" u="sng" dirty="0"/>
-              <a:t>Data Frame </a:t>
-            </a:r>
-            <a:r>
-              <a:rPr lang="en-AU" dirty="0"/>
-              <a:t>– basically a table, many variables</a:t>
-            </a:r>
-          </a:p>
-          <a:p>
-            <a:r>
-              <a:rPr lang="en-AU" dirty="0"/>
-              <a:t>Explain dataset</a:t>
+          <a:bodyPr/>
+          <a:lstStyle/>
+          <a:p>
+            <a:r>
+              <a:rPr lang="en-AU" dirty="0"/>
+              <a:t>Converting from wide to long</a:t>
+            </a:r>
+          </a:p>
+          <a:p>
+            <a:r>
+              <a:rPr lang="en-AU" dirty="0" err="1"/>
+              <a:t>tidyr</a:t>
+            </a:r>
+            <a:r>
+              <a:rPr lang="en-AU" dirty="0"/>
+              <a:t> package</a:t>
             </a:r>
           </a:p>
           <a:p>
             <a:pPr lvl="1"/>
             <a:r>
               <a:rPr lang="en-AU" dirty="0"/>
-              <a:t>Go/no-go task</a:t>
-            </a:r>
-          </a:p>
-          <a:p>
-            <a:pPr lvl="1"/>
-            <a:r>
-              <a:rPr lang="en-AU" dirty="0"/>
-              <a:t>Data from 5 participants, with 5 trials each</a:t>
-            </a:r>
-          </a:p>
-          <a:p>
-            <a:pPr lvl="1"/>
-            <a:r>
-              <a:rPr lang="en-AU" dirty="0"/>
-              <a:t>The condition and RT for each trial are in separate variables (columns)</a:t>
-            </a:r>
-          </a:p>
-          <a:p>
-            <a:r>
-              <a:rPr lang="en-AU" dirty="0"/>
-              <a:t>R likes it long</a:t>
-            </a:r>
-          </a:p>
-          <a:p>
-            <a:pPr lvl="1"/>
-            <a:r>
-              <a:rPr lang="en-AU" dirty="0"/>
-              <a:t>Each observation is a separate row</a:t>
-            </a:r>
-          </a:p>
-          <a:p>
-            <a:pPr lvl="1"/>
-            <a:r>
-              <a:rPr lang="en-AU" dirty="0"/>
-              <a:t>Each variable is a row</a:t>
-            </a:r>
+              <a:t>Gather()</a:t>
+            </a:r>
+          </a:p>
+          <a:p>
+            <a:pPr lvl="2"/>
+            <a:r>
+              <a:rPr lang="en-AU" sz="1200" dirty="0">
+                <a:hlinkClick r:id="rId2"/>
+              </a:rPr>
+              <a:t>http://www.cookbook-r.com/Manipulating_data/Converting_data_between_wide_and_long_format/</a:t>
+            </a:r>
+            <a:endParaRPr lang="en-AU" sz="1200" dirty="0"/>
           </a:p>
           <a:p>
             <a:pPr lvl="1"/>
             <a:endParaRPr lang="en-AU" dirty="0"/>
+          </a:p>
+          <a:p>
+            <a:r>
+              <a:rPr lang="en-AU" dirty="0"/>
+              <a:t>Convert from long to wide</a:t>
+            </a:r>
+          </a:p>
+          <a:p>
+            <a:pPr lvl="1"/>
+            <a:r>
+              <a:rPr lang="en-AU" dirty="0"/>
+              <a:t>Spread()</a:t>
+            </a:r>
           </a:p>
         </p:txBody>
       </p:sp>
     </p:spTree>
     <p:extLst>
       <p:ext uri="{BB962C8B-B14F-4D97-AF65-F5344CB8AC3E}">
-        <p14:creationId xmlns:p14="http://schemas.microsoft.com/office/powerpoint/2010/main" val="744886909"/>
+        <p14:creationId xmlns:p14="http://schemas.microsoft.com/office/powerpoint/2010/main" val="1433425710"/>
       </p:ext>
     </p:extLst>
   </p:cSld>
@@ -4981,7 +5032,7 @@
           <p:cNvPr id="2" name="Title 1">
             <a:extLst>
               <a:ext uri="{FF2B5EF4-FFF2-40B4-BE49-F238E27FC236}">
-                <a16:creationId xmlns:a16="http://schemas.microsoft.com/office/drawing/2014/main" id="{754B6190-C57F-4B61-8810-C145F0256326}"/>
+                <a16:creationId xmlns:a16="http://schemas.microsoft.com/office/drawing/2014/main" id="{B93A8185-13B2-4A8E-86C8-4E329B3D9E20}"/>
               </a:ext>
             </a:extLst>
           </p:cNvPr>
@@ -4999,7 +5050,7 @@
           <a:p>
             <a:r>
               <a:rPr lang="en-AU" dirty="0"/>
-              <a:t>But our data is not long…</a:t>
+              <a:t>Exercise: Lets open our own data</a:t>
             </a:r>
           </a:p>
         </p:txBody>
@@ -5009,7 +5060,7 @@
           <p:cNvPr id="3" name="Content Placeholder 2">
             <a:extLst>
               <a:ext uri="{FF2B5EF4-FFF2-40B4-BE49-F238E27FC236}">
-                <a16:creationId xmlns:a16="http://schemas.microsoft.com/office/drawing/2014/main" id="{1E221B02-D23E-4949-A373-A37A0A56CCB5}"/>
+                <a16:creationId xmlns:a16="http://schemas.microsoft.com/office/drawing/2014/main" id="{42CC81CF-F66D-4C68-84B4-8A405FE5BDA6}"/>
               </a:ext>
             </a:extLst>
           </p:cNvPr>
@@ -5022,56 +5073,68 @@
         </p:nvSpPr>
         <p:spPr/>
         <p:txBody>
-          <a:bodyPr/>
-          <a:lstStyle/>
-          <a:p>
-            <a:r>
-              <a:rPr lang="en-AU" dirty="0"/>
-              <a:t>Converting from wide to long</a:t>
-            </a:r>
-          </a:p>
-          <a:p>
-            <a:r>
-              <a:rPr lang="en-AU" dirty="0" err="1"/>
-              <a:t>tidyr</a:t>
-            </a:r>
-            <a:r>
-              <a:rPr lang="en-AU" dirty="0"/>
-              <a:t> package</a:t>
+          <a:bodyPr>
+            <a:normAutofit lnSpcReduction="10000"/>
+          </a:bodyPr>
+          <a:lstStyle/>
+          <a:p>
+            <a:r>
+              <a:rPr lang="en-AU" dirty="0"/>
+              <a:t>Use read.xlsx() function to open your own file</a:t>
+            </a:r>
+          </a:p>
+          <a:p>
+            <a:r>
+              <a:rPr lang="en-AU" dirty="0"/>
+              <a:t>Use gather() to convert to long format (if not already long)</a:t>
+            </a:r>
+          </a:p>
+          <a:p>
+            <a:r>
+              <a:rPr lang="en-AU" dirty="0"/>
+              <a:t>If data is long, use spread() to convert to wide-format</a:t>
+            </a:r>
+          </a:p>
+          <a:p>
+            <a:endParaRPr lang="en-AU" dirty="0"/>
+          </a:p>
+          <a:p>
+            <a:r>
+              <a:rPr lang="en-AU" dirty="0"/>
+              <a:t>If different sheets, single file</a:t>
             </a:r>
           </a:p>
           <a:p>
             <a:pPr lvl="1"/>
             <a:r>
               <a:rPr lang="en-AU" dirty="0"/>
-              <a:t>Gather()</a:t>
-            </a:r>
-          </a:p>
-          <a:p>
-            <a:pPr lvl="2"/>
-            <a:r>
-              <a:rPr lang="en-AU" sz="1200" dirty="0">
-                <a:hlinkClick r:id="rId2"/>
-              </a:rPr>
-              <a:t>http://www.cookbook-r.com/Manipulating_data/Converting_data_between_wide_and_long_format/</a:t>
-            </a:r>
-            <a:endParaRPr lang="en-AU" sz="1200" dirty="0"/>
+              <a:t>There is code</a:t>
+            </a:r>
+          </a:p>
+          <a:p>
+            <a:r>
+              <a:rPr lang="en-AU" dirty="0"/>
+              <a:t>If different excel files</a:t>
+            </a:r>
           </a:p>
           <a:p>
             <a:pPr lvl="1"/>
-            <a:endParaRPr lang="en-AU" dirty="0"/>
-          </a:p>
-          <a:p>
-            <a:r>
-              <a:rPr lang="en-AU" dirty="0"/>
-              <a:t>Convert from long to wide</a:t>
+            <a:r>
+              <a:rPr lang="en-AU" dirty="0"/>
+              <a:t>There is code</a:t>
+            </a:r>
+          </a:p>
+          <a:p>
+            <a:r>
+              <a:rPr lang="en-AU" dirty="0"/>
+              <a:t>If something else</a:t>
             </a:r>
           </a:p>
           <a:p>
             <a:pPr lvl="1"/>
             <a:r>
               <a:rPr lang="en-AU" dirty="0"/>
-              <a:t>Spread()</a:t>
+              <a:t>ask</a:t>
             </a:r>
           </a:p>
         </p:txBody>
@@ -5079,7 +5142,7 @@
     </p:spTree>
     <p:extLst>
       <p:ext uri="{BB962C8B-B14F-4D97-AF65-F5344CB8AC3E}">
-        <p14:creationId xmlns:p14="http://schemas.microsoft.com/office/powerpoint/2010/main" val="1433425710"/>
+        <p14:creationId xmlns:p14="http://schemas.microsoft.com/office/powerpoint/2010/main" val="2576553617"/>
       </p:ext>
     </p:extLst>
   </p:cSld>
@@ -5111,7 +5174,7 @@
           <p:cNvPr id="2" name="Title 1">
             <a:extLst>
               <a:ext uri="{FF2B5EF4-FFF2-40B4-BE49-F238E27FC236}">
-                <a16:creationId xmlns:a16="http://schemas.microsoft.com/office/drawing/2014/main" id="{B93A8185-13B2-4A8E-86C8-4E329B3D9E20}"/>
+                <a16:creationId xmlns:a16="http://schemas.microsoft.com/office/drawing/2014/main" id="{74A9E1B4-4D1D-45BC-AFFD-F8B66E47494E}"/>
               </a:ext>
             </a:extLst>
           </p:cNvPr>
@@ -5129,7 +5192,7 @@
           <a:p>
             <a:r>
               <a:rPr lang="en-AU" dirty="0"/>
-              <a:t>Exercise: Lets open our own data</a:t>
+              <a:t>That’s it for today</a:t>
             </a:r>
           </a:p>
         </p:txBody>
@@ -5139,7 +5202,7 @@
           <p:cNvPr id="3" name="Content Placeholder 2">
             <a:extLst>
               <a:ext uri="{FF2B5EF4-FFF2-40B4-BE49-F238E27FC236}">
-                <a16:creationId xmlns:a16="http://schemas.microsoft.com/office/drawing/2014/main" id="{42CC81CF-F66D-4C68-84B4-8A405FE5BDA6}"/>
+                <a16:creationId xmlns:a16="http://schemas.microsoft.com/office/drawing/2014/main" id="{B09C53CF-43CF-4AF1-A4F8-90ABC008209D}"/>
               </a:ext>
             </a:extLst>
           </p:cNvPr>
@@ -5152,76 +5215,17 @@
         </p:nvSpPr>
         <p:spPr/>
         <p:txBody>
-          <a:bodyPr>
-            <a:normAutofit lnSpcReduction="10000"/>
-          </a:bodyPr>
-          <a:lstStyle/>
-          <a:p>
-            <a:r>
-              <a:rPr lang="en-AU" dirty="0"/>
-              <a:t>Use read.xlsx() function to open your own file</a:t>
-            </a:r>
-          </a:p>
-          <a:p>
-            <a:r>
-              <a:rPr lang="en-AU" dirty="0"/>
-              <a:t>Use gather() to convert to long format (if not already long)</a:t>
-            </a:r>
-          </a:p>
-          <a:p>
-            <a:r>
-              <a:rPr lang="en-AU" dirty="0"/>
-              <a:t>If data is long, use spread() to convert to wide-format</a:t>
-            </a:r>
-          </a:p>
-          <a:p>
-            <a:endParaRPr lang="en-AU" dirty="0"/>
-          </a:p>
-          <a:p>
-            <a:r>
-              <a:rPr lang="en-AU" dirty="0"/>
-              <a:t>If different sheets, single file</a:t>
-            </a:r>
-          </a:p>
-          <a:p>
-            <a:pPr lvl="1"/>
-            <a:r>
-              <a:rPr lang="en-AU" dirty="0"/>
-              <a:t>There is code</a:t>
-            </a:r>
-          </a:p>
-          <a:p>
-            <a:r>
-              <a:rPr lang="en-AU" dirty="0"/>
-              <a:t>If different excel files</a:t>
-            </a:r>
-          </a:p>
-          <a:p>
-            <a:pPr lvl="1"/>
-            <a:r>
-              <a:rPr lang="en-AU" dirty="0"/>
-              <a:t>There is code</a:t>
-            </a:r>
-          </a:p>
-          <a:p>
-            <a:r>
-              <a:rPr lang="en-AU" dirty="0"/>
-              <a:t>If something else</a:t>
-            </a:r>
-          </a:p>
-          <a:p>
-            <a:pPr lvl="1"/>
-            <a:r>
-              <a:rPr lang="en-AU" dirty="0"/>
-              <a:t>ask</a:t>
-            </a:r>
+          <a:bodyPr/>
+          <a:lstStyle/>
+          <a:p>
+            <a:endParaRPr lang="en-AU"/>
           </a:p>
         </p:txBody>
       </p:sp>
     </p:spTree>
     <p:extLst>
       <p:ext uri="{BB962C8B-B14F-4D97-AF65-F5344CB8AC3E}">
-        <p14:creationId xmlns:p14="http://schemas.microsoft.com/office/powerpoint/2010/main" val="2576553617"/>
+        <p14:creationId xmlns:p14="http://schemas.microsoft.com/office/powerpoint/2010/main" val="3751797523"/>
       </p:ext>
     </p:extLst>
   </p:cSld>
@@ -5253,7 +5257,7 @@
           <p:cNvPr id="2" name="Title 1">
             <a:extLst>
               <a:ext uri="{FF2B5EF4-FFF2-40B4-BE49-F238E27FC236}">
-                <a16:creationId xmlns:a16="http://schemas.microsoft.com/office/drawing/2014/main" id="{74A9E1B4-4D1D-45BC-AFFD-F8B66E47494E}"/>
+                <a16:creationId xmlns:a16="http://schemas.microsoft.com/office/drawing/2014/main" id="{5F490C42-F2E9-4D44-9D1C-A1C58BAB0AB9}"/>
               </a:ext>
             </a:extLst>
           </p:cNvPr>
@@ -5270,8 +5274,12 @@
           <a:lstStyle/>
           <a:p>
             <a:r>
-              <a:rPr lang="en-AU" dirty="0"/>
-              <a:t>That’s it for today</a:t>
+              <a:rPr lang="en-AU" dirty="0" err="1"/>
+              <a:t>Cheatsheet</a:t>
+            </a:r>
+            <a:r>
+              <a:rPr lang="en-AU" dirty="0"/>
+              <a:t> - Hotkeys</a:t>
             </a:r>
           </a:p>
         </p:txBody>
@@ -5281,7 +5289,7 @@
           <p:cNvPr id="3" name="Content Placeholder 2">
             <a:extLst>
               <a:ext uri="{FF2B5EF4-FFF2-40B4-BE49-F238E27FC236}">
-                <a16:creationId xmlns:a16="http://schemas.microsoft.com/office/drawing/2014/main" id="{B09C53CF-43CF-4AF1-A4F8-90ABC008209D}"/>
+                <a16:creationId xmlns:a16="http://schemas.microsoft.com/office/drawing/2014/main" id="{4180C3C0-45B8-4005-99ED-5D6333009708}"/>
               </a:ext>
             </a:extLst>
           </p:cNvPr>
@@ -5297,14 +5305,64 @@
           <a:bodyPr/>
           <a:lstStyle/>
           <a:p>
-            <a:endParaRPr lang="en-AU"/>
+            <a:r>
+              <a:rPr lang="en-AU" dirty="0"/>
+              <a:t>Hotkeys – useful ones</a:t>
+            </a:r>
+          </a:p>
+          <a:p>
+            <a:pPr lvl="1"/>
+            <a:r>
+              <a:rPr lang="en-AU" dirty="0" err="1"/>
+              <a:t>Ctrl+Enter</a:t>
+            </a:r>
+            <a:r>
+              <a:rPr lang="en-AU" dirty="0"/>
+              <a:t> – Runs single line of code</a:t>
+            </a:r>
+          </a:p>
+          <a:p>
+            <a:pPr lvl="1"/>
+            <a:r>
+              <a:rPr lang="en-AU" dirty="0"/>
+              <a:t>Alt + minus – arrow (&lt;-) – equivalent to ‘=‘</a:t>
+            </a:r>
+          </a:p>
+          <a:p>
+            <a:pPr lvl="1"/>
+            <a:r>
+              <a:rPr lang="en-AU" dirty="0"/>
+              <a:t># - ignores stuff</a:t>
+            </a:r>
+          </a:p>
+          <a:p>
+            <a:pPr lvl="1"/>
+            <a:r>
+              <a:rPr lang="en-AU" dirty="0" err="1"/>
+              <a:t>Ctrl+Shift+C</a:t>
+            </a:r>
+            <a:r>
+              <a:rPr lang="en-AU" dirty="0"/>
+              <a:t> – comment/uncomment out line of code</a:t>
+            </a:r>
+          </a:p>
+          <a:p>
+            <a:pPr lvl="1"/>
+            <a:r>
+              <a:rPr lang="en-AU" dirty="0" err="1"/>
+              <a:t>Ctrl+Shift+Enter</a:t>
+            </a:r>
+            <a:r>
+              <a:rPr lang="en-AU" dirty="0"/>
+              <a:t> – Runs whole script</a:t>
+            </a:r>
           </a:p>
         </p:txBody>
       </p:sp>
     </p:spTree>
     <p:extLst>
       <p:ext uri="{BB962C8B-B14F-4D97-AF65-F5344CB8AC3E}">
-        <p14:creationId xmlns:p14="http://schemas.microsoft.com/office/powerpoint/2010/main" val="3751797523"/>
+        <p14:creationId xmlns:p14="http://schemas.microsoft.com/office/powerpoint/2010/main" val="2868945148"/>
       </p:ext>
     </p:extLst>
   </p:cSld>
@@ -5336,7 +5394,7 @@
           <p:cNvPr id="2" name="Title 1">
             <a:extLst>
               <a:ext uri="{FF2B5EF4-FFF2-40B4-BE49-F238E27FC236}">
-                <a16:creationId xmlns:a16="http://schemas.microsoft.com/office/drawing/2014/main" id="{5F490C42-F2E9-4D44-9D1C-A1C58BAB0AB9}"/>
+                <a16:creationId xmlns:a16="http://schemas.microsoft.com/office/drawing/2014/main" id="{452A2C73-EDA1-4352-91D6-C334C2FB64D4}"/>
               </a:ext>
             </a:extLst>
           </p:cNvPr>
@@ -5353,87 +5411,126 @@
           <a:lstStyle/>
           <a:p>
             <a:r>
+              <a:rPr lang="en-AU" dirty="0"/>
+              <a:t>Cheat sheet - Useful Function</a:t>
+            </a:r>
+          </a:p>
+        </p:txBody>
+      </p:sp>
+      <p:sp>
+        <p:nvSpPr>
+          <p:cNvPr id="3" name="Content Placeholder 2">
+            <a:extLst>
+              <a:ext uri="{FF2B5EF4-FFF2-40B4-BE49-F238E27FC236}">
+                <a16:creationId xmlns:a16="http://schemas.microsoft.com/office/drawing/2014/main" id="{860156D5-7D7F-4B22-B291-7366E25C15D2}"/>
+              </a:ext>
+            </a:extLst>
+          </p:cNvPr>
+          <p:cNvSpPr>
+            <a:spLocks noGrp="1"/>
+          </p:cNvSpPr>
+          <p:nvPr>
+            <p:ph idx="1"/>
+          </p:nvPr>
+        </p:nvSpPr>
+        <p:spPr/>
+        <p:txBody>
+          <a:bodyPr>
+            <a:normAutofit fontScale="77500" lnSpcReduction="20000"/>
+          </a:bodyPr>
+          <a:lstStyle/>
+          <a:p>
+            <a:r>
+              <a:rPr lang="en-AU" dirty="0"/>
+              <a:t>paste0() or paste(), </a:t>
+            </a:r>
+            <a:r>
               <a:rPr lang="en-AU" dirty="0" err="1"/>
-              <a:t>Cheatsheet</a:t>
-            </a:r>
-            <a:r>
-              <a:rPr lang="en-AU" dirty="0"/>
-              <a:t> - Hotkeys</a:t>
-            </a:r>
-          </a:p>
-        </p:txBody>
-      </p:sp>
-      <p:sp>
-        <p:nvSpPr>
-          <p:cNvPr id="3" name="Content Placeholder 2">
-            <a:extLst>
-              <a:ext uri="{FF2B5EF4-FFF2-40B4-BE49-F238E27FC236}">
-                <a16:creationId xmlns:a16="http://schemas.microsoft.com/office/drawing/2014/main" id="{4180C3C0-45B8-4005-99ED-5D6333009708}"/>
-              </a:ext>
-            </a:extLst>
-          </p:cNvPr>
-          <p:cNvSpPr>
-            <a:spLocks noGrp="1"/>
-          </p:cNvSpPr>
-          <p:nvPr>
-            <p:ph idx="1"/>
-          </p:nvPr>
-        </p:nvSpPr>
-        <p:spPr/>
-        <p:txBody>
-          <a:bodyPr/>
-          <a:lstStyle/>
-          <a:p>
-            <a:r>
-              <a:rPr lang="en-AU" dirty="0"/>
-              <a:t>Hotkeys – useful ones</a:t>
+              <a:t>cbind</a:t>
+            </a:r>
+            <a:r>
+              <a:rPr lang="en-AU" dirty="0"/>
+              <a:t>() and </a:t>
+            </a:r>
+            <a:r>
+              <a:rPr lang="en-AU" dirty="0" err="1"/>
+              <a:t>rbind</a:t>
+            </a:r>
+            <a:r>
+              <a:rPr lang="en-AU" dirty="0"/>
+              <a:t>()</a:t>
             </a:r>
           </a:p>
           <a:p>
             <a:pPr lvl="1"/>
             <a:r>
-              <a:rPr lang="en-AU" dirty="0" err="1"/>
-              <a:t>Ctrl+Enter</a:t>
-            </a:r>
-            <a:r>
-              <a:rPr lang="en-AU" dirty="0"/>
-              <a:t> – Runs single line of code</a:t>
+              <a:rPr lang="en-AU" dirty="0"/>
+              <a:t>Lets you stick things together</a:t>
+            </a:r>
+          </a:p>
+          <a:p>
+            <a:r>
+              <a:rPr lang="en-AU" dirty="0"/>
+              <a:t>Substring()</a:t>
             </a:r>
           </a:p>
           <a:p>
             <a:pPr lvl="1"/>
             <a:r>
               <a:rPr lang="en-AU" dirty="0"/>
-              <a:t>Alt + minus – arrow (&lt;-) – equivalent to ‘=‘</a:t>
+              <a:t>Extract part of a word – good for getting subject id from filenames</a:t>
+            </a:r>
+          </a:p>
+          <a:p>
+            <a:r>
+              <a:rPr lang="en-AU" dirty="0"/>
+              <a:t>Unique()</a:t>
             </a:r>
           </a:p>
           <a:p>
             <a:pPr lvl="1"/>
             <a:r>
               <a:rPr lang="en-AU" dirty="0"/>
-              <a:t># - ignores stuff</a:t>
+              <a:t>Gets unique values from variable – good for checking participants or factors in large datasets</a:t>
+            </a:r>
+          </a:p>
+          <a:p>
+            <a:r>
+              <a:rPr lang="en-AU" dirty="0"/>
+              <a:t>Length() and dim()</a:t>
             </a:r>
           </a:p>
           <a:p>
             <a:pPr lvl="1"/>
             <a:r>
-              <a:rPr lang="en-AU" dirty="0" err="1"/>
-              <a:t>Ctrl+Shift+C</a:t>
-            </a:r>
-            <a:r>
-              <a:rPr lang="en-AU" dirty="0"/>
-              <a:t> – comment/uncomment out line of code</a:t>
+              <a:rPr lang="en-AU" dirty="0"/>
+              <a:t>Shows you size of variable – good for troubleshooting – check if right number of trials/participants or whatever are there</a:t>
+            </a:r>
+          </a:p>
+          <a:p>
+            <a:r>
+              <a:rPr lang="en-AU" dirty="0"/>
+              <a:t>Subset()</a:t>
             </a:r>
           </a:p>
           <a:p>
             <a:pPr lvl="1"/>
             <a:r>
-              <a:rPr lang="en-AU" dirty="0" err="1"/>
-              <a:t>Ctrl+Shift+Enter</a:t>
-            </a:r>
-            <a:r>
-              <a:rPr lang="en-AU" dirty="0"/>
-              <a:t> – Runs whole script</a:t>
+              <a:rPr lang="en-AU" dirty="0"/>
+              <a:t>Extract a smaller part of bigger dataset – good for follow-up analyses (e.g. only want to analyse a certain condition of the data).</a:t>
+            </a:r>
+          </a:p>
+          <a:p>
+            <a:r>
+              <a:rPr lang="en-AU" dirty="0"/>
+              <a:t>Aggregate()</a:t>
+            </a:r>
+          </a:p>
+          <a:p>
+            <a:pPr lvl="1"/>
+            <a:r>
+              <a:rPr lang="en-AU" dirty="0"/>
+              <a:t>Can use to calculate mean values per participant and condition.</a:t>
             </a:r>
           </a:p>
         </p:txBody>
@@ -5441,7 +5538,7 @@
     </p:spTree>
     <p:extLst>
       <p:ext uri="{BB962C8B-B14F-4D97-AF65-F5344CB8AC3E}">
-        <p14:creationId xmlns:p14="http://schemas.microsoft.com/office/powerpoint/2010/main" val="2868945148"/>
+        <p14:creationId xmlns:p14="http://schemas.microsoft.com/office/powerpoint/2010/main" val="3826243999"/>
       </p:ext>
     </p:extLst>
   </p:cSld>
@@ -5546,182 +5643,6 @@
     <p:extLst>
       <p:ext uri="{BB962C8B-B14F-4D97-AF65-F5344CB8AC3E}">
         <p14:creationId xmlns:p14="http://schemas.microsoft.com/office/powerpoint/2010/main" val="1324256162"/>
-      </p:ext>
-    </p:extLst>
-  </p:cSld>
-  <p:clrMapOvr>
-    <a:masterClrMapping/>
-  </p:clrMapOvr>
-</p:sld>
-</file>
-
-<file path=ppt/slides/slide20.xml><?xml version="1.0" encoding="utf-8"?>
-<p:sld xmlns:a="http://schemas.openxmlformats.org/drawingml/2006/main" xmlns:r="http://schemas.openxmlformats.org/officeDocument/2006/relationships" xmlns:p="http://schemas.openxmlformats.org/presentationml/2006/main">
-  <p:cSld>
-    <p:spTree>
-      <p:nvGrpSpPr>
-        <p:cNvPr id="1" name=""/>
-        <p:cNvGrpSpPr/>
-        <p:nvPr/>
-      </p:nvGrpSpPr>
-      <p:grpSpPr>
-        <a:xfrm>
-          <a:off x="0" y="0"/>
-          <a:ext cx="0" cy="0"/>
-          <a:chOff x="0" y="0"/>
-          <a:chExt cx="0" cy="0"/>
-        </a:xfrm>
-      </p:grpSpPr>
-      <p:sp>
-        <p:nvSpPr>
-          <p:cNvPr id="2" name="Title 1">
-            <a:extLst>
-              <a:ext uri="{FF2B5EF4-FFF2-40B4-BE49-F238E27FC236}">
-                <a16:creationId xmlns:a16="http://schemas.microsoft.com/office/drawing/2014/main" id="{452A2C73-EDA1-4352-91D6-C334C2FB64D4}"/>
-              </a:ext>
-            </a:extLst>
-          </p:cNvPr>
-          <p:cNvSpPr>
-            <a:spLocks noGrp="1"/>
-          </p:cNvSpPr>
-          <p:nvPr>
-            <p:ph type="title"/>
-          </p:nvPr>
-        </p:nvSpPr>
-        <p:spPr/>
-        <p:txBody>
-          <a:bodyPr/>
-          <a:lstStyle/>
-          <a:p>
-            <a:r>
-              <a:rPr lang="en-AU" dirty="0"/>
-              <a:t>Cheat sheet - Useful Function</a:t>
-            </a:r>
-          </a:p>
-        </p:txBody>
-      </p:sp>
-      <p:sp>
-        <p:nvSpPr>
-          <p:cNvPr id="3" name="Content Placeholder 2">
-            <a:extLst>
-              <a:ext uri="{FF2B5EF4-FFF2-40B4-BE49-F238E27FC236}">
-                <a16:creationId xmlns:a16="http://schemas.microsoft.com/office/drawing/2014/main" id="{860156D5-7D7F-4B22-B291-7366E25C15D2}"/>
-              </a:ext>
-            </a:extLst>
-          </p:cNvPr>
-          <p:cNvSpPr>
-            <a:spLocks noGrp="1"/>
-          </p:cNvSpPr>
-          <p:nvPr>
-            <p:ph idx="1"/>
-          </p:nvPr>
-        </p:nvSpPr>
-        <p:spPr/>
-        <p:txBody>
-          <a:bodyPr>
-            <a:normAutofit fontScale="77500" lnSpcReduction="20000"/>
-          </a:bodyPr>
-          <a:lstStyle/>
-          <a:p>
-            <a:r>
-              <a:rPr lang="en-AU" dirty="0"/>
-              <a:t>paste0() or paste(), </a:t>
-            </a:r>
-            <a:r>
-              <a:rPr lang="en-AU" dirty="0" err="1"/>
-              <a:t>cbind</a:t>
-            </a:r>
-            <a:r>
-              <a:rPr lang="en-AU" dirty="0"/>
-              <a:t>() and </a:t>
-            </a:r>
-            <a:r>
-              <a:rPr lang="en-AU" dirty="0" err="1"/>
-              <a:t>rbind</a:t>
-            </a:r>
-            <a:r>
-              <a:rPr lang="en-AU" dirty="0"/>
-              <a:t>()</a:t>
-            </a:r>
-          </a:p>
-          <a:p>
-            <a:pPr lvl="1"/>
-            <a:r>
-              <a:rPr lang="en-AU" dirty="0"/>
-              <a:t>Lets you stick things together</a:t>
-            </a:r>
-          </a:p>
-          <a:p>
-            <a:r>
-              <a:rPr lang="en-AU" dirty="0"/>
-              <a:t>Substring()</a:t>
-            </a:r>
-          </a:p>
-          <a:p>
-            <a:pPr lvl="1"/>
-            <a:r>
-              <a:rPr lang="en-AU" dirty="0"/>
-              <a:t>Extract part of a word – good for getting subject id from filenames</a:t>
-            </a:r>
-          </a:p>
-          <a:p>
-            <a:r>
-              <a:rPr lang="en-AU" dirty="0"/>
-              <a:t>Unique()</a:t>
-            </a:r>
-          </a:p>
-          <a:p>
-            <a:pPr lvl="1"/>
-            <a:r>
-              <a:rPr lang="en-AU" dirty="0"/>
-              <a:t>Gets unique values from variable – good for checking participants or factors in large datasets</a:t>
-            </a:r>
-          </a:p>
-          <a:p>
-            <a:r>
-              <a:rPr lang="en-AU" dirty="0"/>
-              <a:t>Length() and dim()</a:t>
-            </a:r>
-          </a:p>
-          <a:p>
-            <a:pPr lvl="1"/>
-            <a:r>
-              <a:rPr lang="en-AU" dirty="0"/>
-              <a:t>Shows you size of variable – good for troubleshooting – check if right number of trials/participants or whatever are there</a:t>
-            </a:r>
-          </a:p>
-          <a:p>
-            <a:r>
-              <a:rPr lang="en-AU" dirty="0"/>
-              <a:t>Subset()</a:t>
-            </a:r>
-          </a:p>
-          <a:p>
-            <a:pPr lvl="1"/>
-            <a:r>
-              <a:rPr lang="en-AU" dirty="0"/>
-              <a:t>Extract a smaller part of bigger dataset – good for follow-up analyses (e.g. only want to analyse a certain condition of the data).</a:t>
-            </a:r>
-          </a:p>
-          <a:p>
-            <a:r>
-              <a:rPr lang="en-AU" dirty="0"/>
-              <a:t>Aggregate()</a:t>
-            </a:r>
-          </a:p>
-          <a:p>
-            <a:pPr lvl="1"/>
-            <a:r>
-              <a:rPr lang="en-AU" dirty="0"/>
-              <a:t>Can use to calculate mean values per participant and condition.</a:t>
-            </a:r>
-          </a:p>
-        </p:txBody>
-      </p:sp>
-    </p:spTree>
-    <p:extLst>
-      <p:ext uri="{BB962C8B-B14F-4D97-AF65-F5344CB8AC3E}">
-        <p14:creationId xmlns:p14="http://schemas.microsoft.com/office/powerpoint/2010/main" val="3826243999"/>
       </p:ext>
     </p:extLst>
   </p:cSld>
@@ -6022,7 +5943,9 @@
         </p:nvSpPr>
         <p:spPr/>
         <p:txBody>
-          <a:bodyPr/>
+          <a:bodyPr>
+            <a:normAutofit fontScale="92500" lnSpcReduction="10000"/>
+          </a:bodyPr>
           <a:lstStyle/>
           <a:p>
             <a:pPr marL="0" indent="0">
@@ -6160,6 +6083,42 @@
               <a:rPr lang="en-AU" dirty="0"/>
               <a:t>, install with default settings.</a:t>
             </a:r>
+          </a:p>
+          <a:p>
+            <a:r>
+              <a:rPr lang="en-AU" dirty="0"/>
+              <a:t>For Mac</a:t>
+            </a:r>
+          </a:p>
+          <a:p>
+            <a:pPr lvl="1"/>
+            <a:r>
+              <a:rPr lang="en-AU" dirty="0"/>
+              <a:t>Download and run R-3.6.2.pkg (or most recent version)</a:t>
+            </a:r>
+            <a:endParaRPr lang="en-AU" dirty="0">
+              <a:highlight>
+                <a:srgbClr val="FFFF00"/>
+              </a:highlight>
+            </a:endParaRPr>
+          </a:p>
+          <a:p>
+            <a:pPr lvl="1"/>
+            <a:r>
+              <a:rPr lang="en-AU" dirty="0"/>
+              <a:t>Install with default settings</a:t>
+            </a:r>
+            <a:endParaRPr lang="en-AU" dirty="0">
+              <a:highlight>
+                <a:srgbClr val="FFFF00"/>
+              </a:highlight>
+            </a:endParaRPr>
+          </a:p>
+          <a:p>
+            <a:pPr marL="457200" lvl="1" indent="0">
+              <a:buNone/>
+            </a:pPr>
+            <a:endParaRPr lang="en-AU" dirty="0"/>
           </a:p>
         </p:txBody>
       </p:sp>
@@ -6239,7 +6198,9 @@
         </p:nvSpPr>
         <p:spPr/>
         <p:txBody>
-          <a:bodyPr/>
+          <a:bodyPr>
+            <a:normAutofit fontScale="92500" lnSpcReduction="20000"/>
+          </a:bodyPr>
           <a:lstStyle/>
           <a:p>
             <a:pPr marL="0" indent="0">
@@ -6334,15 +6295,132 @@
                   <a:srgbClr val="FFFF00"/>
                 </a:highlight>
               </a:rPr>
-              <a:t>Run the .exe </a:t>
+              <a:t>Windows:</a:t>
+            </a:r>
+          </a:p>
+          <a:p>
+            <a:r>
+              <a:rPr lang="en-AU" dirty="0">
+                <a:highlight>
+                  <a:srgbClr val="FFFF00"/>
+                </a:highlight>
+              </a:rPr>
+              <a:t>	Run the .exe </a:t>
             </a:r>
             <a:r>
               <a:rPr lang="en-AU" dirty="0"/>
               <a:t>file, using default settings</a:t>
             </a:r>
           </a:p>
-        </p:txBody>
-      </p:sp>
+          <a:p>
+            <a:pPr marL="0" indent="0">
+              <a:buNone/>
+            </a:pPr>
+            <a:r>
+              <a:rPr lang="en-AU" dirty="0"/>
+              <a:t>Mac:</a:t>
+            </a:r>
+          </a:p>
+          <a:p>
+            <a:r>
+              <a:rPr lang="en-AU" dirty="0"/>
+              <a:t>	Run the .dmg file </a:t>
+            </a:r>
+          </a:p>
+          <a:p>
+            <a:r>
+              <a:rPr lang="en-AU" dirty="0"/>
+              <a:t>	Drag the </a:t>
+            </a:r>
+            <a:r>
+              <a:rPr lang="en-AU" dirty="0" err="1"/>
+              <a:t>Rstudio</a:t>
+            </a:r>
+            <a:r>
+              <a:rPr lang="en-AU" dirty="0"/>
+              <a:t> icon to your “Applications” folder</a:t>
+            </a:r>
+          </a:p>
+        </p:txBody>
+      </p:sp>
+      <p:pic>
+        <p:nvPicPr>
+          <p:cNvPr id="5" name="Picture 4" descr="A screenshot of a cell phone&#10;&#10;Description automatically generated">
+            <a:extLst>
+              <a:ext uri="{FF2B5EF4-FFF2-40B4-BE49-F238E27FC236}">
+                <a16:creationId xmlns:a16="http://schemas.microsoft.com/office/drawing/2014/main" id="{912FA367-E135-D544-832C-142FE7DF6A18}"/>
+              </a:ext>
+            </a:extLst>
+          </p:cNvPr>
+          <p:cNvPicPr>
+            <a:picLocks noChangeAspect="1"/>
+          </p:cNvPicPr>
+          <p:nvPr/>
+        </p:nvPicPr>
+        <p:blipFill>
+          <a:blip r:embed="rId3">
+            <a:extLst>
+              <a:ext uri="{28A0092B-C50C-407E-A947-70E740481C1C}">
+                <a14:useLocalDpi xmlns:a14="http://schemas.microsoft.com/office/drawing/2010/main" val="0"/>
+              </a:ext>
+            </a:extLst>
+          </a:blip>
+          <a:stretch>
+            <a:fillRect/>
+          </a:stretch>
+        </p:blipFill>
+        <p:spPr>
+          <a:xfrm>
+            <a:off x="9079736" y="4973783"/>
+            <a:ext cx="3735719" cy="1772072"/>
+          </a:xfrm>
+          <a:prstGeom prst="rect">
+            <a:avLst/>
+          </a:prstGeom>
+        </p:spPr>
+      </p:pic>
+      <p:cxnSp>
+        <p:nvCxnSpPr>
+          <p:cNvPr id="7" name="Straight Arrow Connector 6">
+            <a:extLst>
+              <a:ext uri="{FF2B5EF4-FFF2-40B4-BE49-F238E27FC236}">
+                <a16:creationId xmlns:a16="http://schemas.microsoft.com/office/drawing/2014/main" id="{44D949A7-35F8-6148-902D-6EB73124C5C5}"/>
+              </a:ext>
+            </a:extLst>
+          </p:cNvPr>
+          <p:cNvCxnSpPr/>
+          <p:nvPr/>
+        </p:nvCxnSpPr>
+        <p:spPr>
+          <a:xfrm flipH="1">
+            <a:off x="9906000" y="5444836"/>
+            <a:ext cx="540327" cy="0"/>
+          </a:xfrm>
+          <a:prstGeom prst="straightConnector1">
+            <a:avLst/>
+          </a:prstGeom>
+          <a:ln w="57150">
+            <a:solidFill>
+              <a:srgbClr val="FF0000"/>
+            </a:solidFill>
+            <a:tailEnd type="triangle"/>
+          </a:ln>
+        </p:spPr>
+        <p:style>
+          <a:lnRef idx="1">
+            <a:schemeClr val="accent1"/>
+          </a:lnRef>
+          <a:fillRef idx="0">
+            <a:schemeClr val="accent1"/>
+          </a:fillRef>
+          <a:effectRef idx="0">
+            <a:schemeClr val="accent1"/>
+          </a:effectRef>
+          <a:fontRef idx="minor">
+            <a:schemeClr val="tx1"/>
+          </a:fontRef>
+        </p:style>
+      </p:cxnSp>
     </p:spTree>
     <p:extLst>
       <p:ext uri="{BB962C8B-B14F-4D97-AF65-F5344CB8AC3E}">
@@ -6378,7 +6456,7 @@
           <p:cNvPr id="2" name="Title 1">
             <a:extLst>
               <a:ext uri="{FF2B5EF4-FFF2-40B4-BE49-F238E27FC236}">
-                <a16:creationId xmlns:a16="http://schemas.microsoft.com/office/drawing/2014/main" id="{AD07D600-2708-49B0-AAEE-B6307252EA2D}"/>
+                <a16:creationId xmlns:a16="http://schemas.microsoft.com/office/drawing/2014/main" id="{1E394864-DAB6-439C-A25E-EB775E5D9153}"/>
               </a:ext>
             </a:extLst>
           </p:cNvPr>
@@ -6396,7 +6474,7 @@
           <a:p>
             <a:r>
               <a:rPr lang="en-AU" dirty="0"/>
-              <a:t>Mac Users</a:t>
+              <a:t>Open R Studio</a:t>
             </a:r>
           </a:p>
         </p:txBody>
@@ -6406,7 +6484,7 @@
           <p:cNvPr id="3" name="Content Placeholder 2">
             <a:extLst>
               <a:ext uri="{FF2B5EF4-FFF2-40B4-BE49-F238E27FC236}">
-                <a16:creationId xmlns:a16="http://schemas.microsoft.com/office/drawing/2014/main" id="{5859076D-AA75-4D54-A4DC-95FE06009CBE}"/>
+                <a16:creationId xmlns:a16="http://schemas.microsoft.com/office/drawing/2014/main" id="{4EBFE057-4944-46F0-978B-6C505E7222FC}"/>
               </a:ext>
             </a:extLst>
           </p:cNvPr>
@@ -6424,15 +6502,24 @@
           <a:p>
             <a:r>
               <a:rPr lang="en-AU" dirty="0"/>
-              <a:t>Aaron - Figure it out</a:t>
-            </a:r>
+              <a:t>Click R Studio Icon</a:t>
+            </a:r>
+          </a:p>
+          <a:p>
+            <a:r>
+              <a:rPr lang="en-AU" dirty="0"/>
+              <a:t>Might have to choose version of R</a:t>
+            </a:r>
+          </a:p>
+          <a:p>
+            <a:endParaRPr lang="en-AU" dirty="0"/>
           </a:p>
         </p:txBody>
       </p:sp>
     </p:spTree>
     <p:extLst>
       <p:ext uri="{BB962C8B-B14F-4D97-AF65-F5344CB8AC3E}">
-        <p14:creationId xmlns:p14="http://schemas.microsoft.com/office/powerpoint/2010/main" val="1174005422"/>
+        <p14:creationId xmlns:p14="http://schemas.microsoft.com/office/powerpoint/2010/main" val="735649355"/>
       </p:ext>
     </p:extLst>
   </p:cSld>
@@ -6464,7 +6551,7 @@
           <p:cNvPr id="2" name="Title 1">
             <a:extLst>
               <a:ext uri="{FF2B5EF4-FFF2-40B4-BE49-F238E27FC236}">
-                <a16:creationId xmlns:a16="http://schemas.microsoft.com/office/drawing/2014/main" id="{1E394864-DAB6-439C-A25E-EB775E5D9153}"/>
+                <a16:creationId xmlns:a16="http://schemas.microsoft.com/office/drawing/2014/main" id="{0B89046C-F3AA-4C36-BD0A-3C6A1EE321AB}"/>
               </a:ext>
             </a:extLst>
           </p:cNvPr>
@@ -6482,7 +6569,7 @@
           <a:p>
             <a:r>
               <a:rPr lang="en-AU" dirty="0"/>
-              <a:t>Open R Studio</a:t>
+              <a:t>Navigating the Interface</a:t>
             </a:r>
           </a:p>
         </p:txBody>
@@ -6492,7 +6579,7 @@
           <p:cNvPr id="3" name="Content Placeholder 2">
             <a:extLst>
               <a:ext uri="{FF2B5EF4-FFF2-40B4-BE49-F238E27FC236}">
-                <a16:creationId xmlns:a16="http://schemas.microsoft.com/office/drawing/2014/main" id="{4EBFE057-4944-46F0-978B-6C505E7222FC}"/>
+                <a16:creationId xmlns:a16="http://schemas.microsoft.com/office/drawing/2014/main" id="{9E3A6662-B4D0-4B33-AFB4-AEDF9BBD562D}"/>
               </a:ext>
             </a:extLst>
           </p:cNvPr>
@@ -6510,24 +6597,68 @@
           <a:p>
             <a:r>
               <a:rPr lang="en-AU" dirty="0"/>
-              <a:t>Click R Studio Icon</a:t>
-            </a:r>
-          </a:p>
-          <a:p>
-            <a:r>
-              <a:rPr lang="en-AU" dirty="0"/>
-              <a:t>Might have to choose version of R</a:t>
-            </a:r>
-          </a:p>
-          <a:p>
-            <a:endParaRPr lang="en-AU" dirty="0"/>
+              <a:t>Script Editor</a:t>
+            </a:r>
+          </a:p>
+          <a:p>
+            <a:pPr lvl="1"/>
+            <a:r>
+              <a:rPr lang="en-AU" dirty="0"/>
+              <a:t>Write and save script here</a:t>
+            </a:r>
+          </a:p>
+          <a:p>
+            <a:r>
+              <a:rPr lang="en-AU" dirty="0"/>
+              <a:t>Console</a:t>
+            </a:r>
+          </a:p>
+          <a:p>
+            <a:pPr lvl="1"/>
+            <a:r>
+              <a:rPr lang="en-AU" dirty="0"/>
+              <a:t>Run commands manually</a:t>
+            </a:r>
+          </a:p>
+          <a:p>
+            <a:pPr lvl="1"/>
+            <a:r>
+              <a:rPr lang="en-AU" dirty="0"/>
+              <a:t>Output shows up here</a:t>
+            </a:r>
+          </a:p>
+          <a:p>
+            <a:r>
+              <a:rPr lang="en-AU" dirty="0"/>
+              <a:t>Environment</a:t>
+            </a:r>
+          </a:p>
+          <a:p>
+            <a:pPr lvl="1"/>
+            <a:r>
+              <a:rPr lang="en-AU" dirty="0"/>
+              <a:t>Variables show up here</a:t>
+            </a:r>
+          </a:p>
+          <a:p>
+            <a:r>
+              <a:rPr lang="en-AU" dirty="0"/>
+              <a:t>Other one - Plots/Packages/Everything Else</a:t>
+            </a:r>
+          </a:p>
+          <a:p>
+            <a:pPr lvl="1"/>
+            <a:r>
+              <a:rPr lang="en-AU" dirty="0"/>
+              <a:t>Plots show up here, can install packages from here</a:t>
+            </a:r>
           </a:p>
         </p:txBody>
       </p:sp>
     </p:spTree>
     <p:extLst>
       <p:ext uri="{BB962C8B-B14F-4D97-AF65-F5344CB8AC3E}">
-        <p14:creationId xmlns:p14="http://schemas.microsoft.com/office/powerpoint/2010/main" val="735649355"/>
+        <p14:creationId xmlns:p14="http://schemas.microsoft.com/office/powerpoint/2010/main" val="1033878866"/>
       </p:ext>
     </p:extLst>
   </p:cSld>
@@ -6559,7 +6690,7 @@
           <p:cNvPr id="2" name="Title 1">
             <a:extLst>
               <a:ext uri="{FF2B5EF4-FFF2-40B4-BE49-F238E27FC236}">
-                <a16:creationId xmlns:a16="http://schemas.microsoft.com/office/drawing/2014/main" id="{0B89046C-F3AA-4C36-BD0A-3C6A1EE321AB}"/>
+                <a16:creationId xmlns:a16="http://schemas.microsoft.com/office/drawing/2014/main" id="{E4359541-0CF8-4E9A-8088-A87AD2EEAC21}"/>
               </a:ext>
             </a:extLst>
           </p:cNvPr>
@@ -6577,7 +6708,7 @@
           <a:p>
             <a:r>
               <a:rPr lang="en-AU" dirty="0"/>
-              <a:t>Navigating the Interface</a:t>
+              <a:t>Console Basics</a:t>
             </a:r>
           </a:p>
         </p:txBody>
@@ -6587,7 +6718,7 @@
           <p:cNvPr id="3" name="Content Placeholder 2">
             <a:extLst>
               <a:ext uri="{FF2B5EF4-FFF2-40B4-BE49-F238E27FC236}">
-                <a16:creationId xmlns:a16="http://schemas.microsoft.com/office/drawing/2014/main" id="{9E3A6662-B4D0-4B33-AFB4-AEDF9BBD562D}"/>
+                <a16:creationId xmlns:a16="http://schemas.microsoft.com/office/drawing/2014/main" id="{1D29F35F-2E1E-4280-BD8A-530153A5645F}"/>
               </a:ext>
             </a:extLst>
           </p:cNvPr>
@@ -6605,68 +6736,82 @@
           <a:p>
             <a:r>
               <a:rPr lang="en-AU" dirty="0"/>
-              <a:t>Script Editor</a:t>
+              <a:t>Can use as calculator</a:t>
             </a:r>
           </a:p>
           <a:p>
             <a:pPr lvl="1"/>
             <a:r>
               <a:rPr lang="en-AU" dirty="0"/>
-              <a:t>Write and save script here</a:t>
-            </a:r>
-          </a:p>
-          <a:p>
-            <a:r>
-              <a:rPr lang="en-AU" dirty="0"/>
-              <a:t>Console</a:t>
+              <a:t>Try 1+1, enter</a:t>
             </a:r>
           </a:p>
           <a:p>
             <a:pPr lvl="1"/>
-            <a:r>
-              <a:rPr lang="en-AU" dirty="0"/>
-              <a:t>Run commands manually</a:t>
+            <a:endParaRPr lang="en-AU" dirty="0"/>
+          </a:p>
+          <a:p>
+            <a:r>
+              <a:rPr lang="en-AU" dirty="0"/>
+              <a:t>Variables – a container for information</a:t>
             </a:r>
           </a:p>
           <a:p>
             <a:pPr lvl="1"/>
             <a:r>
               <a:rPr lang="en-AU" dirty="0"/>
-              <a:t>Output shows up here</a:t>
-            </a:r>
-          </a:p>
-          <a:p>
-            <a:r>
-              <a:rPr lang="en-AU" dirty="0"/>
-              <a:t>Environment</a:t>
-            </a:r>
+              <a:t>Try storing numbers in variable – they can have any name</a:t>
+            </a:r>
+          </a:p>
+          <a:p>
+            <a:pPr lvl="2"/>
+            <a:r>
+              <a:rPr lang="en-AU" dirty="0"/>
+              <a:t>E.g. Hello &lt;- 50</a:t>
+            </a:r>
+          </a:p>
+          <a:p>
+            <a:pPr lvl="2"/>
+            <a:r>
+              <a:rPr lang="en-AU" dirty="0"/>
+              <a:t>See variable is in the environment</a:t>
+            </a:r>
+          </a:p>
+          <a:p>
+            <a:pPr lvl="2"/>
+            <a:r>
+              <a:rPr lang="en-AU" dirty="0"/>
+              <a:t>Can do math operations on variables (e.g. Hello + 20)</a:t>
+            </a:r>
+          </a:p>
+          <a:p>
+            <a:pPr lvl="2"/>
+            <a:r>
+              <a:rPr lang="en-AU" dirty="0"/>
+              <a:t>Can also store words in variables as well.</a:t>
+            </a:r>
+          </a:p>
+          <a:p>
+            <a:pPr lvl="2"/>
+            <a:endParaRPr lang="en-AU" dirty="0"/>
+          </a:p>
+          <a:p>
+            <a:endParaRPr lang="en-AU" dirty="0"/>
           </a:p>
           <a:p>
             <a:pPr lvl="1"/>
-            <a:r>
-              <a:rPr lang="en-AU" dirty="0"/>
-              <a:t>Variables show up here</a:t>
-            </a:r>
-          </a:p>
-          <a:p>
-            <a:r>
-              <a:rPr lang="en-AU" dirty="0"/>
-              <a:t>Other one - Plots/Packages/Everything Else</a:t>
-            </a:r>
+            <a:endParaRPr lang="en-AU" dirty="0"/>
           </a:p>
           <a:p>
             <a:pPr lvl="1"/>
-            <a:r>
-              <a:rPr lang="en-AU" dirty="0"/>
-              <a:t>Plots show up here, can install packages from here</a:t>
-            </a:r>
+            <a:endParaRPr lang="en-AU" dirty="0"/>
           </a:p>
         </p:txBody>
       </p:sp>
     </p:spTree>
     <p:extLst>
       <p:ext uri="{BB962C8B-B14F-4D97-AF65-F5344CB8AC3E}">
-        <p14:creationId xmlns:p14="http://schemas.microsoft.com/office/powerpoint/2010/main" val="1033878866"/>
+        <p14:creationId xmlns:p14="http://schemas.microsoft.com/office/powerpoint/2010/main" val="2579472875"/>
       </p:ext>
     </p:extLst>
   </p:cSld>

--- a/R_tutorial_1.pptx
+++ b/R_tutorial_1.pptx
@@ -20,10 +20,11 @@
     <p:sldId id="265" r:id="rId14"/>
     <p:sldId id="269" r:id="rId15"/>
     <p:sldId id="267" r:id="rId16"/>
-    <p:sldId id="275" r:id="rId17"/>
-    <p:sldId id="276" r:id="rId18"/>
-    <p:sldId id="272" r:id="rId19"/>
-    <p:sldId id="270" r:id="rId20"/>
+    <p:sldId id="277" r:id="rId17"/>
+    <p:sldId id="275" r:id="rId18"/>
+    <p:sldId id="276" r:id="rId19"/>
+    <p:sldId id="272" r:id="rId20"/>
+    <p:sldId id="270" r:id="rId21"/>
   </p:sldIdLst>
   <p:sldSz cx="12192000" cy="6858000"/>
   <p:notesSz cx="6858000" cy="9144000"/>
@@ -133,76 +134,3464 @@
 <file path=ppt/revisionInfo.xml><?xml version="1.0" encoding="utf-8"?>
 <p1510:revInfo xmlns:a="http://schemas.openxmlformats.org/drawingml/2006/main" xmlns:r="http://schemas.openxmlformats.org/officeDocument/2006/relationships" xmlns:p1510="http://schemas.microsoft.com/office/powerpoint/2015/10/main">
   <p1510:revLst>
+    <p1510:client id="{96B3D398-521A-C044-B4CD-A89CCB940EF7}" v="3" dt="2020-02-27T09:49:54.826"/>
     <p1510:client id="{A5BA4BEB-EABB-244B-B65D-4DE6E159EEF1}" v="3" dt="2020-02-26T10:43:03.155"/>
   </p1510:revLst>
 </p1510:revInfo>
 </file>
 
-<file path=ppt/changesInfos/changesInfo1.xml><?xml version="1.0" encoding="utf-8"?>
-<pc:chgInfo xmlns:a="http://schemas.openxmlformats.org/drawingml/2006/main" xmlns:r="http://schemas.openxmlformats.org/officeDocument/2006/relationships" xmlns:ac="http://schemas.microsoft.com/office/drawing/2013/main/command" xmlns:pc="http://schemas.microsoft.com/office/powerpoint/2013/main/command">
-  <pc:docChgLst>
-    <pc:chgData name="Aaron McInnes" userId="171bdf0d-4e2d-4ff0-8f57-fda72b0a8d25" providerId="ADAL" clId="{A5BA4BEB-EABB-244B-B65D-4DE6E159EEF1}"/>
-    <pc:docChg chg="undo custSel delSld modSld">
-      <pc:chgData name="Aaron McInnes" userId="171bdf0d-4e2d-4ff0-8f57-fda72b0a8d25" providerId="ADAL" clId="{A5BA4BEB-EABB-244B-B65D-4DE6E159EEF1}" dt="2020-02-26T10:47:11.267" v="323" actId="1076"/>
-      <pc:docMkLst>
-        <pc:docMk/>
-      </pc:docMkLst>
-      <pc:sldChg chg="modSp">
-        <pc:chgData name="Aaron McInnes" userId="171bdf0d-4e2d-4ff0-8f57-fda72b0a8d25" providerId="ADAL" clId="{A5BA4BEB-EABB-244B-B65D-4DE6E159EEF1}" dt="2020-02-26T10:31:12.327" v="161" actId="27636"/>
-        <pc:sldMkLst>
-          <pc:docMk/>
-          <pc:sldMk cId="2068052463" sldId="259"/>
-        </pc:sldMkLst>
-        <pc:spChg chg="mod">
-          <ac:chgData name="Aaron McInnes" userId="171bdf0d-4e2d-4ff0-8f57-fda72b0a8d25" providerId="ADAL" clId="{A5BA4BEB-EABB-244B-B65D-4DE6E159EEF1}" dt="2020-02-26T10:31:12.327" v="161" actId="27636"/>
-          <ac:spMkLst>
-            <pc:docMk/>
-            <pc:sldMk cId="2068052463" sldId="259"/>
-            <ac:spMk id="3" creationId="{5494A240-4A41-40EC-A9C5-83AA540C7C4E}"/>
-          </ac:spMkLst>
-        </pc:spChg>
-      </pc:sldChg>
-      <pc:sldChg chg="addSp modSp">
-        <pc:chgData name="Aaron McInnes" userId="171bdf0d-4e2d-4ff0-8f57-fda72b0a8d25" providerId="ADAL" clId="{A5BA4BEB-EABB-244B-B65D-4DE6E159EEF1}" dt="2020-02-26T10:47:11.267" v="323" actId="1076"/>
-        <pc:sldMkLst>
-          <pc:docMk/>
-          <pc:sldMk cId="220585460" sldId="261"/>
-        </pc:sldMkLst>
-        <pc:spChg chg="mod">
-          <ac:chgData name="Aaron McInnes" userId="171bdf0d-4e2d-4ff0-8f57-fda72b0a8d25" providerId="ADAL" clId="{A5BA4BEB-EABB-244B-B65D-4DE6E159EEF1}" dt="2020-02-26T10:43:58.545" v="316" actId="12"/>
-          <ac:spMkLst>
-            <pc:docMk/>
-            <pc:sldMk cId="220585460" sldId="261"/>
-            <ac:spMk id="3" creationId="{123E4244-E62D-4720-B96C-D774CDD6F8F4}"/>
-          </ac:spMkLst>
-        </pc:spChg>
-        <pc:picChg chg="add mod">
-          <ac:chgData name="Aaron McInnes" userId="171bdf0d-4e2d-4ff0-8f57-fda72b0a8d25" providerId="ADAL" clId="{A5BA4BEB-EABB-244B-B65D-4DE6E159EEF1}" dt="2020-02-26T10:47:11.267" v="323" actId="1076"/>
-          <ac:picMkLst>
-            <pc:docMk/>
-            <pc:sldMk cId="220585460" sldId="261"/>
-            <ac:picMk id="5" creationId="{912FA367-E135-D544-832C-142FE7DF6A18}"/>
-          </ac:picMkLst>
-        </pc:picChg>
-        <pc:cxnChg chg="add mod">
-          <ac:chgData name="Aaron McInnes" userId="171bdf0d-4e2d-4ff0-8f57-fda72b0a8d25" providerId="ADAL" clId="{A5BA4BEB-EABB-244B-B65D-4DE6E159EEF1}" dt="2020-02-26T10:43:29.767" v="313" actId="692"/>
-          <ac:cxnSpMkLst>
-            <pc:docMk/>
-            <pc:sldMk cId="220585460" sldId="261"/>
-            <ac:cxnSpMk id="7" creationId="{44D949A7-35F8-6148-902D-6EB73124C5C5}"/>
-          </ac:cxnSpMkLst>
-        </pc:cxnChg>
-      </pc:sldChg>
-      <pc:sldChg chg="del">
-        <pc:chgData name="Aaron McInnes" userId="171bdf0d-4e2d-4ff0-8f57-fda72b0a8d25" providerId="ADAL" clId="{A5BA4BEB-EABB-244B-B65D-4DE6E159EEF1}" dt="2020-02-26T10:44:20.542" v="317" actId="2696"/>
-        <pc:sldMkLst>
-          <pc:docMk/>
-          <pc:sldMk cId="1174005422" sldId="271"/>
-        </pc:sldMkLst>
-      </pc:sldChg>
-    </pc:docChg>
-  </pc:docChgLst>
-</pc:chgInfo>
+<file path=ppt/diagrams/colors1.xml><?xml version="1.0" encoding="utf-8"?>
+<dgm:colorsDef xmlns:dgm="http://schemas.openxmlformats.org/drawingml/2006/diagram" xmlns:a="http://schemas.openxmlformats.org/drawingml/2006/main" uniqueId="urn:microsoft.com/office/officeart/2005/8/colors/colorful5">
+  <dgm:title val=""/>
+  <dgm:desc val=""/>
+  <dgm:catLst>
+    <dgm:cat type="colorful" pri="10500"/>
+  </dgm:catLst>
+  <dgm:styleLbl name="node0">
+    <dgm:fillClrLst meth="repeat">
+      <a:schemeClr val="accent4"/>
+    </dgm:fillClrLst>
+    <dgm:linClrLst meth="repeat">
+      <a:schemeClr val="lt1"/>
+    </dgm:linClrLst>
+    <dgm:effectClrLst/>
+    <dgm:txLinClrLst/>
+    <dgm:txFillClrLst/>
+    <dgm:txEffectClrLst/>
+  </dgm:styleLbl>
+  <dgm:styleLbl name="node1">
+    <dgm:fillClrLst>
+      <a:schemeClr val="accent5"/>
+      <a:schemeClr val="accent6"/>
+    </dgm:fillClrLst>
+    <dgm:linClrLst meth="repeat">
+      <a:schemeClr val="lt1"/>
+    </dgm:linClrLst>
+    <dgm:effectClrLst/>
+    <dgm:txLinClrLst/>
+    <dgm:txFillClrLst/>
+    <dgm:txEffectClrLst/>
+  </dgm:styleLbl>
+  <dgm:styleLbl name="alignNode1">
+    <dgm:fillClrLst>
+      <a:schemeClr val="accent5"/>
+      <a:schemeClr val="accent6"/>
+    </dgm:fillClrLst>
+    <dgm:linClrLst>
+      <a:schemeClr val="accent5"/>
+      <a:schemeClr val="accent6"/>
+    </dgm:linClrLst>
+    <dgm:effectClrLst/>
+    <dgm:txLinClrLst/>
+    <dgm:txFillClrLst/>
+    <dgm:txEffectClrLst/>
+  </dgm:styleLbl>
+  <dgm:styleLbl name="lnNode1">
+    <dgm:fillClrLst>
+      <a:schemeClr val="accent5"/>
+      <a:schemeClr val="accent6"/>
+    </dgm:fillClrLst>
+    <dgm:linClrLst meth="repeat">
+      <a:schemeClr val="lt1"/>
+    </dgm:linClrLst>
+    <dgm:effectClrLst/>
+    <dgm:txLinClrLst/>
+    <dgm:txFillClrLst/>
+    <dgm:txEffectClrLst/>
+  </dgm:styleLbl>
+  <dgm:styleLbl name="vennNode1">
+    <dgm:fillClrLst>
+      <a:schemeClr val="accent5">
+        <a:alpha val="50000"/>
+      </a:schemeClr>
+      <a:schemeClr val="accent6">
+        <a:alpha val="50000"/>
+      </a:schemeClr>
+    </dgm:fillClrLst>
+    <dgm:linClrLst meth="repeat">
+      <a:schemeClr val="lt1"/>
+    </dgm:linClrLst>
+    <dgm:effectClrLst/>
+    <dgm:txLinClrLst/>
+    <dgm:txFillClrLst/>
+    <dgm:txEffectClrLst/>
+  </dgm:styleLbl>
+  <dgm:styleLbl name="node2">
+    <dgm:fillClrLst>
+      <a:schemeClr val="accent6"/>
+    </dgm:fillClrLst>
+    <dgm:linClrLst meth="repeat">
+      <a:schemeClr val="lt1"/>
+    </dgm:linClrLst>
+    <dgm:effectClrLst/>
+    <dgm:txLinClrLst/>
+    <dgm:txFillClrLst/>
+    <dgm:txEffectClrLst/>
+  </dgm:styleLbl>
+  <dgm:styleLbl name="node3">
+    <dgm:fillClrLst>
+      <a:schemeClr val="accent1"/>
+    </dgm:fillClrLst>
+    <dgm:linClrLst meth="repeat">
+      <a:schemeClr val="lt1"/>
+    </dgm:linClrLst>
+    <dgm:effectClrLst/>
+    <dgm:txLinClrLst/>
+    <dgm:txFillClrLst/>
+    <dgm:txEffectClrLst/>
+  </dgm:styleLbl>
+  <dgm:styleLbl name="node4">
+    <dgm:fillClrLst>
+      <a:schemeClr val="accent2"/>
+    </dgm:fillClrLst>
+    <dgm:linClrLst meth="repeat">
+      <a:schemeClr val="lt1"/>
+    </dgm:linClrLst>
+    <dgm:effectClrLst/>
+    <dgm:txLinClrLst/>
+    <dgm:txFillClrLst/>
+    <dgm:txEffectClrLst/>
+  </dgm:styleLbl>
+  <dgm:styleLbl name="fgImgPlace1">
+    <dgm:fillClrLst>
+      <a:schemeClr val="accent5">
+        <a:tint val="50000"/>
+      </a:schemeClr>
+      <a:schemeClr val="accent6">
+        <a:tint val="50000"/>
+      </a:schemeClr>
+    </dgm:fillClrLst>
+    <dgm:linClrLst meth="repeat">
+      <a:schemeClr val="lt1"/>
+    </dgm:linClrLst>
+    <dgm:effectClrLst/>
+    <dgm:txLinClrLst/>
+    <dgm:txFillClrLst meth="repeat">
+      <a:schemeClr val="lt1"/>
+    </dgm:txFillClrLst>
+    <dgm:txEffectClrLst/>
+  </dgm:styleLbl>
+  <dgm:styleLbl name="alignImgPlace1">
+    <dgm:fillClrLst>
+      <a:schemeClr val="accent5">
+        <a:tint val="50000"/>
+      </a:schemeClr>
+      <a:schemeClr val="accent6">
+        <a:tint val="20000"/>
+      </a:schemeClr>
+    </dgm:fillClrLst>
+    <dgm:linClrLst meth="repeat">
+      <a:schemeClr val="lt1"/>
+    </dgm:linClrLst>
+    <dgm:effectClrLst/>
+    <dgm:txLinClrLst/>
+    <dgm:txFillClrLst meth="repeat">
+      <a:schemeClr val="lt1"/>
+    </dgm:txFillClrLst>
+    <dgm:txEffectClrLst/>
+  </dgm:styleLbl>
+  <dgm:styleLbl name="bgImgPlace1">
+    <dgm:fillClrLst>
+      <a:schemeClr val="accent5">
+        <a:tint val="50000"/>
+      </a:schemeClr>
+      <a:schemeClr val="accent6">
+        <a:tint val="20000"/>
+      </a:schemeClr>
+    </dgm:fillClrLst>
+    <dgm:linClrLst meth="repeat">
+      <a:schemeClr val="lt1"/>
+    </dgm:linClrLst>
+    <dgm:effectClrLst/>
+    <dgm:txLinClrLst/>
+    <dgm:txFillClrLst meth="repeat">
+      <a:schemeClr val="lt1"/>
+    </dgm:txFillClrLst>
+    <dgm:txEffectClrLst/>
+  </dgm:styleLbl>
+  <dgm:styleLbl name="sibTrans2D1">
+    <dgm:fillClrLst>
+      <a:schemeClr val="accent5"/>
+      <a:schemeClr val="accent6"/>
+    </dgm:fillClrLst>
+    <dgm:linClrLst meth="repeat">
+      <a:schemeClr val="lt1"/>
+    </dgm:linClrLst>
+    <dgm:effectClrLst/>
+    <dgm:txLinClrLst/>
+    <dgm:txFillClrLst/>
+    <dgm:txEffectClrLst/>
+  </dgm:styleLbl>
+  <dgm:styleLbl name="fgSibTrans2D1">
+    <dgm:fillClrLst>
+      <a:schemeClr val="accent5"/>
+      <a:schemeClr val="accent6"/>
+    </dgm:fillClrLst>
+    <dgm:linClrLst meth="repeat">
+      <a:schemeClr val="lt1"/>
+    </dgm:linClrLst>
+    <dgm:effectClrLst/>
+    <dgm:txLinClrLst/>
+    <dgm:txFillClrLst meth="repeat">
+      <a:schemeClr val="lt1"/>
+    </dgm:txFillClrLst>
+    <dgm:txEffectClrLst/>
+  </dgm:styleLbl>
+  <dgm:styleLbl name="bgSibTrans2D1">
+    <dgm:fillClrLst>
+      <a:schemeClr val="accent5"/>
+      <a:schemeClr val="accent6"/>
+    </dgm:fillClrLst>
+    <dgm:linClrLst meth="repeat">
+      <a:schemeClr val="lt1"/>
+    </dgm:linClrLst>
+    <dgm:effectClrLst/>
+    <dgm:txLinClrLst/>
+    <dgm:txFillClrLst meth="repeat">
+      <a:schemeClr val="lt1"/>
+    </dgm:txFillClrLst>
+    <dgm:txEffectClrLst/>
+  </dgm:styleLbl>
+  <dgm:styleLbl name="sibTrans1D1">
+    <dgm:fillClrLst/>
+    <dgm:linClrLst>
+      <a:schemeClr val="accent5"/>
+      <a:schemeClr val="accent6"/>
+    </dgm:linClrLst>
+    <dgm:effectClrLst/>
+    <dgm:txLinClrLst/>
+    <dgm:txFillClrLst meth="repeat">
+      <a:schemeClr val="tx1"/>
+    </dgm:txFillClrLst>
+    <dgm:txEffectClrLst/>
+  </dgm:styleLbl>
+  <dgm:styleLbl name="callout">
+    <dgm:fillClrLst meth="repeat">
+      <a:schemeClr val="accent5"/>
+    </dgm:fillClrLst>
+    <dgm:linClrLst meth="repeat">
+      <a:schemeClr val="accent5">
+        <a:tint val="50000"/>
+      </a:schemeClr>
+    </dgm:linClrLst>
+    <dgm:effectClrLst/>
+    <dgm:txLinClrLst/>
+    <dgm:txFillClrLst meth="repeat">
+      <a:schemeClr val="tx1"/>
+    </dgm:txFillClrLst>
+    <dgm:txEffectClrLst/>
+  </dgm:styleLbl>
+  <dgm:styleLbl name="asst0">
+    <dgm:fillClrLst meth="repeat">
+      <a:schemeClr val="accent5"/>
+    </dgm:fillClrLst>
+    <dgm:linClrLst meth="repeat">
+      <a:schemeClr val="lt1">
+        <a:shade val="80000"/>
+      </a:schemeClr>
+    </dgm:linClrLst>
+    <dgm:effectClrLst/>
+    <dgm:txLinClrLst/>
+    <dgm:txFillClrLst/>
+    <dgm:txEffectClrLst/>
+  </dgm:styleLbl>
+  <dgm:styleLbl name="asst1">
+    <dgm:fillClrLst meth="repeat">
+      <a:schemeClr val="accent6"/>
+    </dgm:fillClrLst>
+    <dgm:linClrLst meth="repeat">
+      <a:schemeClr val="lt1">
+        <a:shade val="80000"/>
+      </a:schemeClr>
+    </dgm:linClrLst>
+    <dgm:effectClrLst/>
+    <dgm:txLinClrLst/>
+    <dgm:txFillClrLst/>
+    <dgm:txEffectClrLst/>
+  </dgm:styleLbl>
+  <dgm:styleLbl name="asst2">
+    <dgm:fillClrLst>
+      <a:schemeClr val="accent1"/>
+    </dgm:fillClrLst>
+    <dgm:linClrLst meth="repeat">
+      <a:schemeClr val="lt1"/>
+    </dgm:linClrLst>
+    <dgm:effectClrLst/>
+    <dgm:txLinClrLst/>
+    <dgm:txFillClrLst/>
+    <dgm:txEffectClrLst/>
+  </dgm:styleLbl>
+  <dgm:styleLbl name="asst3">
+    <dgm:fillClrLst>
+      <a:schemeClr val="accent2"/>
+    </dgm:fillClrLst>
+    <dgm:linClrLst meth="repeat">
+      <a:schemeClr val="lt1"/>
+    </dgm:linClrLst>
+    <dgm:effectClrLst/>
+    <dgm:txLinClrLst/>
+    <dgm:txFillClrLst/>
+    <dgm:txEffectClrLst/>
+  </dgm:styleLbl>
+  <dgm:styleLbl name="asst4">
+    <dgm:fillClrLst>
+      <a:schemeClr val="accent3"/>
+    </dgm:fillClrLst>
+    <dgm:linClrLst meth="repeat">
+      <a:schemeClr val="lt1"/>
+    </dgm:linClrLst>
+    <dgm:effectClrLst/>
+    <dgm:txLinClrLst/>
+    <dgm:txFillClrLst/>
+    <dgm:txEffectClrLst/>
+  </dgm:styleLbl>
+  <dgm:styleLbl name="parChTrans2D1">
+    <dgm:fillClrLst meth="repeat">
+      <a:schemeClr val="accent5"/>
+    </dgm:fillClrLst>
+    <dgm:linClrLst meth="repeat">
+      <a:schemeClr val="lt1"/>
+    </dgm:linClrLst>
+    <dgm:effectClrLst/>
+    <dgm:txLinClrLst/>
+    <dgm:txFillClrLst meth="repeat">
+      <a:schemeClr val="lt1"/>
+    </dgm:txFillClrLst>
+    <dgm:txEffectClrLst/>
+  </dgm:styleLbl>
+  <dgm:styleLbl name="parChTrans2D2">
+    <dgm:fillClrLst meth="repeat">
+      <a:schemeClr val="accent6"/>
+    </dgm:fillClrLst>
+    <dgm:linClrLst meth="repeat">
+      <a:schemeClr val="lt1"/>
+    </dgm:linClrLst>
+    <dgm:effectClrLst/>
+    <dgm:txLinClrLst/>
+    <dgm:txFillClrLst/>
+    <dgm:txEffectClrLst/>
+  </dgm:styleLbl>
+  <dgm:styleLbl name="parChTrans2D3">
+    <dgm:fillClrLst meth="repeat">
+      <a:schemeClr val="accent6"/>
+    </dgm:fillClrLst>
+    <dgm:linClrLst meth="repeat">
+      <a:schemeClr val="lt1"/>
+    </dgm:linClrLst>
+    <dgm:effectClrLst/>
+    <dgm:txLinClrLst/>
+    <dgm:txFillClrLst/>
+    <dgm:txEffectClrLst/>
+  </dgm:styleLbl>
+  <dgm:styleLbl name="parChTrans2D4">
+    <dgm:fillClrLst meth="repeat">
+      <a:schemeClr val="accent1"/>
+    </dgm:fillClrLst>
+    <dgm:linClrLst meth="repeat">
+      <a:schemeClr val="lt1"/>
+    </dgm:linClrLst>
+    <dgm:effectClrLst/>
+    <dgm:txLinClrLst/>
+    <dgm:txFillClrLst meth="repeat">
+      <a:schemeClr val="lt1"/>
+    </dgm:txFillClrLst>
+    <dgm:txEffectClrLst/>
+  </dgm:styleLbl>
+  <dgm:styleLbl name="parChTrans1D1">
+    <dgm:fillClrLst meth="repeat">
+      <a:schemeClr val="accent5"/>
+    </dgm:fillClrLst>
+    <dgm:linClrLst meth="repeat">
+      <a:schemeClr val="accent5"/>
+    </dgm:linClrLst>
+    <dgm:effectClrLst/>
+    <dgm:txLinClrLst/>
+    <dgm:txFillClrLst meth="repeat">
+      <a:schemeClr val="tx1"/>
+    </dgm:txFillClrLst>
+    <dgm:txEffectClrLst/>
+  </dgm:styleLbl>
+  <dgm:styleLbl name="parChTrans1D2">
+    <dgm:fillClrLst meth="repeat">
+      <a:schemeClr val="accent6">
+        <a:tint val="90000"/>
+      </a:schemeClr>
+    </dgm:fillClrLst>
+    <dgm:linClrLst meth="repeat">
+      <a:schemeClr val="accent6"/>
+    </dgm:linClrLst>
+    <dgm:effectClrLst/>
+    <dgm:txLinClrLst/>
+    <dgm:txFillClrLst meth="repeat">
+      <a:schemeClr val="tx1"/>
+    </dgm:txFillClrLst>
+    <dgm:txEffectClrLst/>
+  </dgm:styleLbl>
+  <dgm:styleLbl name="parChTrans1D3">
+    <dgm:fillClrLst meth="repeat">
+      <a:schemeClr val="accent6">
+        <a:tint val="70000"/>
+      </a:schemeClr>
+    </dgm:fillClrLst>
+    <dgm:linClrLst meth="repeat">
+      <a:schemeClr val="accent1"/>
+    </dgm:linClrLst>
+    <dgm:effectClrLst/>
+    <dgm:txLinClrLst/>
+    <dgm:txFillClrLst meth="repeat">
+      <a:schemeClr val="tx1"/>
+    </dgm:txFillClrLst>
+    <dgm:txEffectClrLst/>
+  </dgm:styleLbl>
+  <dgm:styleLbl name="parChTrans1D4">
+    <dgm:fillClrLst meth="repeat">
+      <a:schemeClr val="accent6">
+        <a:tint val="50000"/>
+      </a:schemeClr>
+    </dgm:fillClrLst>
+    <dgm:linClrLst meth="repeat">
+      <a:schemeClr val="accent2"/>
+    </dgm:linClrLst>
+    <dgm:effectClrLst/>
+    <dgm:txLinClrLst/>
+    <dgm:txFillClrLst meth="repeat">
+      <a:schemeClr val="tx1"/>
+    </dgm:txFillClrLst>
+    <dgm:txEffectClrLst/>
+  </dgm:styleLbl>
+  <dgm:styleLbl name="fgAcc1">
+    <dgm:fillClrLst meth="repeat">
+      <a:schemeClr val="lt1">
+        <a:alpha val="90000"/>
+      </a:schemeClr>
+    </dgm:fillClrLst>
+    <dgm:linClrLst>
+      <a:schemeClr val="accent5"/>
+      <a:schemeClr val="accent6"/>
+    </dgm:linClrLst>
+    <dgm:effectClrLst/>
+    <dgm:txLinClrLst/>
+    <dgm:txFillClrLst meth="repeat">
+      <a:schemeClr val="dk1"/>
+    </dgm:txFillClrLst>
+    <dgm:txEffectClrLst/>
+  </dgm:styleLbl>
+  <dgm:styleLbl name="conFgAcc1">
+    <dgm:fillClrLst meth="repeat">
+      <a:schemeClr val="lt1">
+        <a:alpha val="90000"/>
+      </a:schemeClr>
+    </dgm:fillClrLst>
+    <dgm:linClrLst>
+      <a:schemeClr val="accent5"/>
+      <a:schemeClr val="accent6"/>
+    </dgm:linClrLst>
+    <dgm:effectClrLst/>
+    <dgm:txLinClrLst/>
+    <dgm:txFillClrLst meth="repeat">
+      <a:schemeClr val="dk1"/>
+    </dgm:txFillClrLst>
+    <dgm:txEffectClrLst/>
+  </dgm:styleLbl>
+  <dgm:styleLbl name="alignAcc1">
+    <dgm:fillClrLst meth="repeat">
+      <a:schemeClr val="lt1">
+        <a:alpha val="90000"/>
+      </a:schemeClr>
+    </dgm:fillClrLst>
+    <dgm:linClrLst>
+      <a:schemeClr val="accent5"/>
+      <a:schemeClr val="accent6"/>
+    </dgm:linClrLst>
+    <dgm:effectClrLst/>
+    <dgm:txLinClrLst/>
+    <dgm:txFillClrLst meth="repeat">
+      <a:schemeClr val="dk1"/>
+    </dgm:txFillClrLst>
+    <dgm:txEffectClrLst/>
+  </dgm:styleLbl>
+  <dgm:styleLbl name="trAlignAcc1">
+    <dgm:fillClrLst meth="repeat">
+      <a:schemeClr val="lt1">
+        <a:alpha val="40000"/>
+      </a:schemeClr>
+    </dgm:fillClrLst>
+    <dgm:linClrLst meth="repeat">
+      <a:schemeClr val="accent5"/>
+    </dgm:linClrLst>
+    <dgm:effectClrLst/>
+    <dgm:txLinClrLst/>
+    <dgm:txFillClrLst meth="repeat">
+      <a:schemeClr val="dk1"/>
+    </dgm:txFillClrLst>
+    <dgm:txEffectClrLst/>
+  </dgm:styleLbl>
+  <dgm:styleLbl name="bgAcc1">
+    <dgm:fillClrLst meth="repeat">
+      <a:schemeClr val="lt1">
+        <a:alpha val="90000"/>
+      </a:schemeClr>
+    </dgm:fillClrLst>
+    <dgm:linClrLst>
+      <a:schemeClr val="accent5"/>
+      <a:schemeClr val="accent6"/>
+    </dgm:linClrLst>
+    <dgm:effectClrLst/>
+    <dgm:txLinClrLst/>
+    <dgm:txFillClrLst meth="repeat">
+      <a:schemeClr val="dk1"/>
+    </dgm:txFillClrLst>
+    <dgm:txEffectClrLst/>
+  </dgm:styleLbl>
+  <dgm:styleLbl name="solidFgAcc1">
+    <dgm:fillClrLst meth="repeat">
+      <a:schemeClr val="lt1"/>
+    </dgm:fillClrLst>
+    <dgm:linClrLst>
+      <a:schemeClr val="accent5"/>
+      <a:schemeClr val="accent6"/>
+    </dgm:linClrLst>
+    <dgm:effectClrLst/>
+    <dgm:txLinClrLst/>
+    <dgm:txFillClrLst meth="repeat">
+      <a:schemeClr val="dk1"/>
+    </dgm:txFillClrLst>
+    <dgm:txEffectClrLst/>
+  </dgm:styleLbl>
+  <dgm:styleLbl name="solidAlignAcc1">
+    <dgm:fillClrLst meth="repeat">
+      <a:schemeClr val="lt1"/>
+    </dgm:fillClrLst>
+    <dgm:linClrLst>
+      <a:schemeClr val="accent5"/>
+      <a:schemeClr val="accent6"/>
+    </dgm:linClrLst>
+    <dgm:effectClrLst/>
+    <dgm:txLinClrLst/>
+    <dgm:txFillClrLst meth="repeat">
+      <a:schemeClr val="dk1"/>
+    </dgm:txFillClrLst>
+    <dgm:txEffectClrLst/>
+  </dgm:styleLbl>
+  <dgm:styleLbl name="solidBgAcc1">
+    <dgm:fillClrLst meth="repeat">
+      <a:schemeClr val="lt1"/>
+    </dgm:fillClrLst>
+    <dgm:linClrLst>
+      <a:schemeClr val="accent5"/>
+      <a:schemeClr val="accent6"/>
+    </dgm:linClrLst>
+    <dgm:effectClrLst/>
+    <dgm:txLinClrLst/>
+    <dgm:txFillClrLst meth="repeat">
+      <a:schemeClr val="dk1"/>
+    </dgm:txFillClrLst>
+    <dgm:txEffectClrLst/>
+  </dgm:styleLbl>
+  <dgm:styleLbl name="fgAccFollowNode1">
+    <dgm:fillClrLst>
+      <a:schemeClr val="accent5">
+        <a:tint val="40000"/>
+        <a:alpha val="90000"/>
+      </a:schemeClr>
+      <a:schemeClr val="accent6">
+        <a:tint val="40000"/>
+        <a:alpha val="90000"/>
+      </a:schemeClr>
+    </dgm:fillClrLst>
+    <dgm:linClrLst>
+      <a:schemeClr val="accent5">
+        <a:tint val="40000"/>
+        <a:alpha val="90000"/>
+      </a:schemeClr>
+      <a:schemeClr val="accent5">
+        <a:tint val="40000"/>
+        <a:alpha val="90000"/>
+      </a:schemeClr>
+    </dgm:linClrLst>
+    <dgm:effectClrLst/>
+    <dgm:txLinClrLst/>
+    <dgm:txFillClrLst meth="repeat">
+      <a:schemeClr val="dk1"/>
+    </dgm:txFillClrLst>
+    <dgm:txEffectClrLst/>
+  </dgm:styleLbl>
+  <dgm:styleLbl name="alignAccFollowNode1">
+    <dgm:fillClrLst>
+      <a:schemeClr val="accent5">
+        <a:tint val="40000"/>
+        <a:alpha val="90000"/>
+      </a:schemeClr>
+      <a:schemeClr val="accent6">
+        <a:tint val="40000"/>
+        <a:alpha val="90000"/>
+      </a:schemeClr>
+    </dgm:fillClrLst>
+    <dgm:linClrLst>
+      <a:schemeClr val="accent5">
+        <a:tint val="40000"/>
+        <a:alpha val="90000"/>
+      </a:schemeClr>
+      <a:schemeClr val="accent6">
+        <a:tint val="40000"/>
+        <a:alpha val="90000"/>
+      </a:schemeClr>
+    </dgm:linClrLst>
+    <dgm:effectClrLst/>
+    <dgm:txLinClrLst/>
+    <dgm:txFillClrLst meth="repeat">
+      <a:schemeClr val="dk1"/>
+    </dgm:txFillClrLst>
+    <dgm:txEffectClrLst/>
+  </dgm:styleLbl>
+  <dgm:styleLbl name="bgAccFollowNode1">
+    <dgm:fillClrLst>
+      <a:schemeClr val="accent5">
+        <a:tint val="40000"/>
+        <a:alpha val="90000"/>
+      </a:schemeClr>
+      <a:schemeClr val="accent6">
+        <a:tint val="40000"/>
+        <a:alpha val="90000"/>
+      </a:schemeClr>
+    </dgm:fillClrLst>
+    <dgm:linClrLst>
+      <a:schemeClr val="accent5">
+        <a:tint val="40000"/>
+        <a:alpha val="90000"/>
+      </a:schemeClr>
+      <a:schemeClr val="accent6">
+        <a:tint val="40000"/>
+        <a:alpha val="90000"/>
+      </a:schemeClr>
+    </dgm:linClrLst>
+    <dgm:effectClrLst/>
+    <dgm:txLinClrLst/>
+    <dgm:txFillClrLst meth="repeat">
+      <a:schemeClr val="dk1"/>
+    </dgm:txFillClrLst>
+    <dgm:txEffectClrLst/>
+  </dgm:styleLbl>
+  <dgm:styleLbl name="fgAcc0">
+    <dgm:fillClrLst meth="repeat">
+      <a:schemeClr val="lt1">
+        <a:alpha val="90000"/>
+      </a:schemeClr>
+    </dgm:fillClrLst>
+    <dgm:linClrLst>
+      <a:schemeClr val="accent4"/>
+    </dgm:linClrLst>
+    <dgm:effectClrLst/>
+    <dgm:txLinClrLst/>
+    <dgm:txFillClrLst meth="repeat">
+      <a:schemeClr val="dk1"/>
+    </dgm:txFillClrLst>
+    <dgm:txEffectClrLst/>
+  </dgm:styleLbl>
+  <dgm:styleLbl name="fgAcc2">
+    <dgm:fillClrLst meth="repeat">
+      <a:schemeClr val="lt1">
+        <a:alpha val="90000"/>
+      </a:schemeClr>
+    </dgm:fillClrLst>
+    <dgm:linClrLst>
+      <a:schemeClr val="accent6"/>
+    </dgm:linClrLst>
+    <dgm:effectClrLst/>
+    <dgm:txLinClrLst/>
+    <dgm:txFillClrLst meth="repeat">
+      <a:schemeClr val="dk1"/>
+    </dgm:txFillClrLst>
+    <dgm:txEffectClrLst/>
+  </dgm:styleLbl>
+  <dgm:styleLbl name="fgAcc3">
+    <dgm:fillClrLst meth="repeat">
+      <a:schemeClr val="lt1">
+        <a:alpha val="90000"/>
+      </a:schemeClr>
+    </dgm:fillClrLst>
+    <dgm:linClrLst>
+      <a:schemeClr val="accent1"/>
+    </dgm:linClrLst>
+    <dgm:effectClrLst/>
+    <dgm:txLinClrLst/>
+    <dgm:txFillClrLst meth="repeat">
+      <a:schemeClr val="dk1"/>
+    </dgm:txFillClrLst>
+    <dgm:txEffectClrLst/>
+  </dgm:styleLbl>
+  <dgm:styleLbl name="fgAcc4">
+    <dgm:fillClrLst meth="repeat">
+      <a:schemeClr val="lt1">
+        <a:alpha val="90000"/>
+      </a:schemeClr>
+    </dgm:fillClrLst>
+    <dgm:linClrLst>
+      <a:schemeClr val="accent2"/>
+    </dgm:linClrLst>
+    <dgm:effectClrLst/>
+    <dgm:txLinClrLst/>
+    <dgm:txFillClrLst meth="repeat">
+      <a:schemeClr val="dk1"/>
+    </dgm:txFillClrLst>
+    <dgm:txEffectClrLst/>
+  </dgm:styleLbl>
+  <dgm:styleLbl name="bgShp">
+    <dgm:fillClrLst meth="repeat">
+      <a:schemeClr val="accent5">
+        <a:tint val="40000"/>
+      </a:schemeClr>
+    </dgm:fillClrLst>
+    <dgm:linClrLst meth="repeat">
+      <a:schemeClr val="dk1"/>
+    </dgm:linClrLst>
+    <dgm:effectClrLst/>
+    <dgm:txLinClrLst/>
+    <dgm:txFillClrLst meth="repeat">
+      <a:schemeClr val="dk1"/>
+    </dgm:txFillClrLst>
+    <dgm:txEffectClrLst/>
+  </dgm:styleLbl>
+  <dgm:styleLbl name="dkBgShp">
+    <dgm:fillClrLst meth="repeat">
+      <a:schemeClr val="accent5">
+        <a:shade val="90000"/>
+      </a:schemeClr>
+    </dgm:fillClrLst>
+    <dgm:linClrLst meth="repeat">
+      <a:schemeClr val="dk1"/>
+    </dgm:linClrLst>
+    <dgm:effectClrLst/>
+    <dgm:txLinClrLst/>
+    <dgm:txFillClrLst meth="repeat">
+      <a:schemeClr val="lt1"/>
+    </dgm:txFillClrLst>
+    <dgm:txEffectClrLst/>
+  </dgm:styleLbl>
+  <dgm:styleLbl name="trBgShp">
+    <dgm:fillClrLst meth="repeat">
+      <a:schemeClr val="accent5">
+        <a:tint val="50000"/>
+        <a:alpha val="40000"/>
+      </a:schemeClr>
+    </dgm:fillClrLst>
+    <dgm:linClrLst meth="repeat">
+      <a:schemeClr val="accent5"/>
+    </dgm:linClrLst>
+    <dgm:effectClrLst/>
+    <dgm:txLinClrLst/>
+    <dgm:txFillClrLst meth="repeat">
+      <a:schemeClr val="lt1"/>
+    </dgm:txFillClrLst>
+    <dgm:txEffectClrLst/>
+  </dgm:styleLbl>
+  <dgm:styleLbl name="fgShp">
+    <dgm:fillClrLst meth="repeat">
+      <a:schemeClr val="accent5">
+        <a:tint val="40000"/>
+      </a:schemeClr>
+    </dgm:fillClrLst>
+    <dgm:linClrLst meth="repeat">
+      <a:schemeClr val="lt1"/>
+    </dgm:linClrLst>
+    <dgm:effectClrLst/>
+    <dgm:txLinClrLst/>
+    <dgm:txFillClrLst meth="repeat">
+      <a:schemeClr val="dk1"/>
+    </dgm:txFillClrLst>
+    <dgm:txEffectClrLst/>
+  </dgm:styleLbl>
+  <dgm:styleLbl name="revTx">
+    <dgm:fillClrLst meth="repeat">
+      <a:schemeClr val="lt1">
+        <a:alpha val="0"/>
+      </a:schemeClr>
+    </dgm:fillClrLst>
+    <dgm:linClrLst meth="repeat">
+      <a:schemeClr val="dk1">
+        <a:alpha val="0"/>
+      </a:schemeClr>
+    </dgm:linClrLst>
+    <dgm:effectClrLst/>
+    <dgm:txLinClrLst/>
+    <dgm:txFillClrLst meth="repeat">
+      <a:schemeClr val="tx1"/>
+    </dgm:txFillClrLst>
+    <dgm:txEffectClrLst/>
+  </dgm:styleLbl>
+</dgm:colorsDef>
+</file>
+
+<file path=ppt/diagrams/data1.xml><?xml version="1.0" encoding="utf-8"?>
+<dgm:dataModel xmlns:dgm="http://schemas.openxmlformats.org/drawingml/2006/diagram" xmlns:a="http://schemas.openxmlformats.org/drawingml/2006/main">
+  <dgm:ptLst>
+    <dgm:pt modelId="{B2C86FE4-E287-4F30-80E6-FDBDE5B49AAE}" type="doc">
+      <dgm:prSet loTypeId="urn:microsoft.com/office/officeart/2005/8/layout/vList2" loCatId="list" qsTypeId="urn:microsoft.com/office/officeart/2005/8/quickstyle/simple1" qsCatId="simple" csTypeId="urn:microsoft.com/office/officeart/2005/8/colors/colorful5" csCatId="colorful"/>
+      <dgm:spPr/>
+      <dgm:t>
+        <a:bodyPr/>
+        <a:lstStyle/>
+        <a:p>
+          <a:endParaRPr lang="en-US"/>
+        </a:p>
+      </dgm:t>
+    </dgm:pt>
+    <dgm:pt modelId="{DA166C2E-485E-4BFC-BE99-4E35646D962C}">
+      <dgm:prSet/>
+      <dgm:spPr/>
+      <dgm:t>
+        <a:bodyPr/>
+        <a:lstStyle/>
+        <a:p>
+          <a:r>
+            <a:rPr lang="en-AU"/>
+            <a:t>paste0() or paste(), cbind() and rbind()</a:t>
+          </a:r>
+          <a:endParaRPr lang="en-US"/>
+        </a:p>
+      </dgm:t>
+    </dgm:pt>
+    <dgm:pt modelId="{1F7FD855-433E-4D02-9E33-89CAFE4254AC}" type="parTrans" cxnId="{F8CC847F-0745-4C6C-9DBD-5CD5F26C89E9}">
+      <dgm:prSet/>
+      <dgm:spPr/>
+      <dgm:t>
+        <a:bodyPr/>
+        <a:lstStyle/>
+        <a:p>
+          <a:endParaRPr lang="en-US"/>
+        </a:p>
+      </dgm:t>
+    </dgm:pt>
+    <dgm:pt modelId="{D873AD5A-F75D-45DB-8FA4-64803493B092}" type="sibTrans" cxnId="{F8CC847F-0745-4C6C-9DBD-5CD5F26C89E9}">
+      <dgm:prSet/>
+      <dgm:spPr/>
+      <dgm:t>
+        <a:bodyPr/>
+        <a:lstStyle/>
+        <a:p>
+          <a:endParaRPr lang="en-US"/>
+        </a:p>
+      </dgm:t>
+    </dgm:pt>
+    <dgm:pt modelId="{CF09A259-7434-4C1C-90C3-2D50C790D5FD}">
+      <dgm:prSet/>
+      <dgm:spPr/>
+      <dgm:t>
+        <a:bodyPr/>
+        <a:lstStyle/>
+        <a:p>
+          <a:r>
+            <a:rPr lang="en-AU"/>
+            <a:t>Lets you stick things together</a:t>
+          </a:r>
+          <a:endParaRPr lang="en-US"/>
+        </a:p>
+      </dgm:t>
+    </dgm:pt>
+    <dgm:pt modelId="{45EB2C45-E68B-478F-9EAF-8774CC2D4FE3}" type="parTrans" cxnId="{D4A7D475-2AE9-4367-AD86-0B556516552B}">
+      <dgm:prSet/>
+      <dgm:spPr/>
+      <dgm:t>
+        <a:bodyPr/>
+        <a:lstStyle/>
+        <a:p>
+          <a:endParaRPr lang="en-US"/>
+        </a:p>
+      </dgm:t>
+    </dgm:pt>
+    <dgm:pt modelId="{047EAD47-2318-4013-817F-D87F52EA8BB8}" type="sibTrans" cxnId="{D4A7D475-2AE9-4367-AD86-0B556516552B}">
+      <dgm:prSet/>
+      <dgm:spPr/>
+      <dgm:t>
+        <a:bodyPr/>
+        <a:lstStyle/>
+        <a:p>
+          <a:endParaRPr lang="en-US"/>
+        </a:p>
+      </dgm:t>
+    </dgm:pt>
+    <dgm:pt modelId="{E3649029-8A33-4F9B-92CC-6C607BDC7FB0}">
+      <dgm:prSet/>
+      <dgm:spPr/>
+      <dgm:t>
+        <a:bodyPr/>
+        <a:lstStyle/>
+        <a:p>
+          <a:r>
+            <a:rPr lang="en-AU"/>
+            <a:t>Substring()</a:t>
+          </a:r>
+          <a:endParaRPr lang="en-US"/>
+        </a:p>
+      </dgm:t>
+    </dgm:pt>
+    <dgm:pt modelId="{FC996210-8FE0-4AB2-9528-DAD407B777AA}" type="parTrans" cxnId="{2069CF63-F99F-4CE8-BD09-C5140A560BF4}">
+      <dgm:prSet/>
+      <dgm:spPr/>
+      <dgm:t>
+        <a:bodyPr/>
+        <a:lstStyle/>
+        <a:p>
+          <a:endParaRPr lang="en-US"/>
+        </a:p>
+      </dgm:t>
+    </dgm:pt>
+    <dgm:pt modelId="{669DAA70-6F32-4421-94EA-2E7F0A343E22}" type="sibTrans" cxnId="{2069CF63-F99F-4CE8-BD09-C5140A560BF4}">
+      <dgm:prSet/>
+      <dgm:spPr/>
+      <dgm:t>
+        <a:bodyPr/>
+        <a:lstStyle/>
+        <a:p>
+          <a:endParaRPr lang="en-US"/>
+        </a:p>
+      </dgm:t>
+    </dgm:pt>
+    <dgm:pt modelId="{21CA7E42-44AE-4FE6-852B-7316172B65B1}">
+      <dgm:prSet/>
+      <dgm:spPr/>
+      <dgm:t>
+        <a:bodyPr/>
+        <a:lstStyle/>
+        <a:p>
+          <a:r>
+            <a:rPr lang="en-AU"/>
+            <a:t>Extract part of a word – good for getting subject id from filenames</a:t>
+          </a:r>
+          <a:endParaRPr lang="en-US"/>
+        </a:p>
+      </dgm:t>
+    </dgm:pt>
+    <dgm:pt modelId="{7C141332-E2FF-4863-81ED-354DB6B95A4B}" type="parTrans" cxnId="{0BDF8823-24C9-485C-B8C6-A4953B948016}">
+      <dgm:prSet/>
+      <dgm:spPr/>
+      <dgm:t>
+        <a:bodyPr/>
+        <a:lstStyle/>
+        <a:p>
+          <a:endParaRPr lang="en-US"/>
+        </a:p>
+      </dgm:t>
+    </dgm:pt>
+    <dgm:pt modelId="{B42FD8CC-EC8B-4B0C-8F3B-DDFC64EED359}" type="sibTrans" cxnId="{0BDF8823-24C9-485C-B8C6-A4953B948016}">
+      <dgm:prSet/>
+      <dgm:spPr/>
+      <dgm:t>
+        <a:bodyPr/>
+        <a:lstStyle/>
+        <a:p>
+          <a:endParaRPr lang="en-US"/>
+        </a:p>
+      </dgm:t>
+    </dgm:pt>
+    <dgm:pt modelId="{151A7918-771A-425E-8E4F-F1C821C1D18F}">
+      <dgm:prSet/>
+      <dgm:spPr/>
+      <dgm:t>
+        <a:bodyPr/>
+        <a:lstStyle/>
+        <a:p>
+          <a:r>
+            <a:rPr lang="en-AU"/>
+            <a:t>Unique()</a:t>
+          </a:r>
+          <a:endParaRPr lang="en-US"/>
+        </a:p>
+      </dgm:t>
+    </dgm:pt>
+    <dgm:pt modelId="{F52935CA-ECEE-408E-B471-9612B361C3B2}" type="parTrans" cxnId="{1FA89C59-5115-476C-B046-2D0B45E59C16}">
+      <dgm:prSet/>
+      <dgm:spPr/>
+      <dgm:t>
+        <a:bodyPr/>
+        <a:lstStyle/>
+        <a:p>
+          <a:endParaRPr lang="en-US"/>
+        </a:p>
+      </dgm:t>
+    </dgm:pt>
+    <dgm:pt modelId="{5C18F4C9-4E8A-408F-8613-3B8CA5C9A3F2}" type="sibTrans" cxnId="{1FA89C59-5115-476C-B046-2D0B45E59C16}">
+      <dgm:prSet/>
+      <dgm:spPr/>
+      <dgm:t>
+        <a:bodyPr/>
+        <a:lstStyle/>
+        <a:p>
+          <a:endParaRPr lang="en-US"/>
+        </a:p>
+      </dgm:t>
+    </dgm:pt>
+    <dgm:pt modelId="{7146C627-F220-49A6-9A50-8B635062AD9F}">
+      <dgm:prSet/>
+      <dgm:spPr/>
+      <dgm:t>
+        <a:bodyPr/>
+        <a:lstStyle/>
+        <a:p>
+          <a:r>
+            <a:rPr lang="en-AU"/>
+            <a:t>Gets unique values from variable – good for checking participants or factors in large datasets</a:t>
+          </a:r>
+          <a:endParaRPr lang="en-US"/>
+        </a:p>
+      </dgm:t>
+    </dgm:pt>
+    <dgm:pt modelId="{96BBE02A-F389-452B-ACC8-56AE1ADC5A82}" type="parTrans" cxnId="{B1E03859-CDAD-4FB9-AF0B-D03D73E9879D}">
+      <dgm:prSet/>
+      <dgm:spPr/>
+      <dgm:t>
+        <a:bodyPr/>
+        <a:lstStyle/>
+        <a:p>
+          <a:endParaRPr lang="en-US"/>
+        </a:p>
+      </dgm:t>
+    </dgm:pt>
+    <dgm:pt modelId="{E12DC2B9-93C0-46C8-88C7-3A26161FD545}" type="sibTrans" cxnId="{B1E03859-CDAD-4FB9-AF0B-D03D73E9879D}">
+      <dgm:prSet/>
+      <dgm:spPr/>
+      <dgm:t>
+        <a:bodyPr/>
+        <a:lstStyle/>
+        <a:p>
+          <a:endParaRPr lang="en-US"/>
+        </a:p>
+      </dgm:t>
+    </dgm:pt>
+    <dgm:pt modelId="{E90941AE-E3AC-4C49-A679-DCA88DC54446}">
+      <dgm:prSet/>
+      <dgm:spPr/>
+      <dgm:t>
+        <a:bodyPr/>
+        <a:lstStyle/>
+        <a:p>
+          <a:r>
+            <a:rPr lang="en-AU"/>
+            <a:t>Length() and dim()</a:t>
+          </a:r>
+          <a:endParaRPr lang="en-US"/>
+        </a:p>
+      </dgm:t>
+    </dgm:pt>
+    <dgm:pt modelId="{C64682DD-78F7-4E9B-856D-2AF594431033}" type="parTrans" cxnId="{C361974E-783B-4D89-AFC2-CED7677BB867}">
+      <dgm:prSet/>
+      <dgm:spPr/>
+      <dgm:t>
+        <a:bodyPr/>
+        <a:lstStyle/>
+        <a:p>
+          <a:endParaRPr lang="en-US"/>
+        </a:p>
+      </dgm:t>
+    </dgm:pt>
+    <dgm:pt modelId="{57FD8193-CF31-4391-A8C9-E13CF1B9B62D}" type="sibTrans" cxnId="{C361974E-783B-4D89-AFC2-CED7677BB867}">
+      <dgm:prSet/>
+      <dgm:spPr/>
+      <dgm:t>
+        <a:bodyPr/>
+        <a:lstStyle/>
+        <a:p>
+          <a:endParaRPr lang="en-US"/>
+        </a:p>
+      </dgm:t>
+    </dgm:pt>
+    <dgm:pt modelId="{E608FBFB-2A7E-41E5-B744-5F1864D87092}">
+      <dgm:prSet/>
+      <dgm:spPr/>
+      <dgm:t>
+        <a:bodyPr/>
+        <a:lstStyle/>
+        <a:p>
+          <a:r>
+            <a:rPr lang="en-AU"/>
+            <a:t>Shows you size of variable – good for troubleshooting – check if right number of trials/participants or whatever are there</a:t>
+          </a:r>
+          <a:endParaRPr lang="en-US"/>
+        </a:p>
+      </dgm:t>
+    </dgm:pt>
+    <dgm:pt modelId="{FBA4F619-0A54-4AB9-A21E-542A056AB5BA}" type="parTrans" cxnId="{BB0C5C6B-1B9E-4DC1-8F15-6233C7309557}">
+      <dgm:prSet/>
+      <dgm:spPr/>
+      <dgm:t>
+        <a:bodyPr/>
+        <a:lstStyle/>
+        <a:p>
+          <a:endParaRPr lang="en-US"/>
+        </a:p>
+      </dgm:t>
+    </dgm:pt>
+    <dgm:pt modelId="{869CA04A-6E4F-48A8-BBA1-E51A040A9585}" type="sibTrans" cxnId="{BB0C5C6B-1B9E-4DC1-8F15-6233C7309557}">
+      <dgm:prSet/>
+      <dgm:spPr/>
+      <dgm:t>
+        <a:bodyPr/>
+        <a:lstStyle/>
+        <a:p>
+          <a:endParaRPr lang="en-US"/>
+        </a:p>
+      </dgm:t>
+    </dgm:pt>
+    <dgm:pt modelId="{B1671A0C-7778-4D88-967E-23E1A4B599AF}">
+      <dgm:prSet/>
+      <dgm:spPr/>
+      <dgm:t>
+        <a:bodyPr/>
+        <a:lstStyle/>
+        <a:p>
+          <a:r>
+            <a:rPr lang="en-AU"/>
+            <a:t>Subset()</a:t>
+          </a:r>
+          <a:endParaRPr lang="en-US"/>
+        </a:p>
+      </dgm:t>
+    </dgm:pt>
+    <dgm:pt modelId="{F8E69A11-1CF8-4CC4-BD62-EBF3811962D2}" type="parTrans" cxnId="{FE3BA33E-7725-4929-A4E7-2CEAC303510C}">
+      <dgm:prSet/>
+      <dgm:spPr/>
+      <dgm:t>
+        <a:bodyPr/>
+        <a:lstStyle/>
+        <a:p>
+          <a:endParaRPr lang="en-US"/>
+        </a:p>
+      </dgm:t>
+    </dgm:pt>
+    <dgm:pt modelId="{A80F26DB-9B1F-44E5-8AEB-F147318DC3A2}" type="sibTrans" cxnId="{FE3BA33E-7725-4929-A4E7-2CEAC303510C}">
+      <dgm:prSet/>
+      <dgm:spPr/>
+      <dgm:t>
+        <a:bodyPr/>
+        <a:lstStyle/>
+        <a:p>
+          <a:endParaRPr lang="en-US"/>
+        </a:p>
+      </dgm:t>
+    </dgm:pt>
+    <dgm:pt modelId="{181CE268-CCD1-4647-9B7D-946661F6BB69}">
+      <dgm:prSet/>
+      <dgm:spPr/>
+      <dgm:t>
+        <a:bodyPr/>
+        <a:lstStyle/>
+        <a:p>
+          <a:r>
+            <a:rPr lang="en-AU"/>
+            <a:t>Extract a smaller part of bigger dataset – good for follow-up analyses (e.g. only want to analyse a certain condition of the data).</a:t>
+          </a:r>
+          <a:endParaRPr lang="en-US"/>
+        </a:p>
+      </dgm:t>
+    </dgm:pt>
+    <dgm:pt modelId="{460B25C5-A748-449E-AD0E-D4652974F9EC}" type="parTrans" cxnId="{203A85B9-2C21-4EAD-ACF1-474790DBADA1}">
+      <dgm:prSet/>
+      <dgm:spPr/>
+      <dgm:t>
+        <a:bodyPr/>
+        <a:lstStyle/>
+        <a:p>
+          <a:endParaRPr lang="en-US"/>
+        </a:p>
+      </dgm:t>
+    </dgm:pt>
+    <dgm:pt modelId="{A823B296-A5B3-40C1-AC5F-4617DC2AF2E8}" type="sibTrans" cxnId="{203A85B9-2C21-4EAD-ACF1-474790DBADA1}">
+      <dgm:prSet/>
+      <dgm:spPr/>
+      <dgm:t>
+        <a:bodyPr/>
+        <a:lstStyle/>
+        <a:p>
+          <a:endParaRPr lang="en-US"/>
+        </a:p>
+      </dgm:t>
+    </dgm:pt>
+    <dgm:pt modelId="{E61A6672-2563-4D04-97DF-E7EABBC0594D}">
+      <dgm:prSet/>
+      <dgm:spPr/>
+      <dgm:t>
+        <a:bodyPr/>
+        <a:lstStyle/>
+        <a:p>
+          <a:r>
+            <a:rPr lang="en-AU"/>
+            <a:t>Aggregate()</a:t>
+          </a:r>
+          <a:endParaRPr lang="en-US"/>
+        </a:p>
+      </dgm:t>
+    </dgm:pt>
+    <dgm:pt modelId="{C799568B-D12A-4E6E-BB27-06D38522C594}" type="parTrans" cxnId="{926CB927-904B-419B-AC53-C8226A149F27}">
+      <dgm:prSet/>
+      <dgm:spPr/>
+      <dgm:t>
+        <a:bodyPr/>
+        <a:lstStyle/>
+        <a:p>
+          <a:endParaRPr lang="en-US"/>
+        </a:p>
+      </dgm:t>
+    </dgm:pt>
+    <dgm:pt modelId="{97417764-DD5D-4E89-B743-6816F40FE661}" type="sibTrans" cxnId="{926CB927-904B-419B-AC53-C8226A149F27}">
+      <dgm:prSet/>
+      <dgm:spPr/>
+      <dgm:t>
+        <a:bodyPr/>
+        <a:lstStyle/>
+        <a:p>
+          <a:endParaRPr lang="en-US"/>
+        </a:p>
+      </dgm:t>
+    </dgm:pt>
+    <dgm:pt modelId="{C398112A-B578-4F0E-B4AE-0C01B95A36F4}">
+      <dgm:prSet/>
+      <dgm:spPr/>
+      <dgm:t>
+        <a:bodyPr/>
+        <a:lstStyle/>
+        <a:p>
+          <a:r>
+            <a:rPr lang="en-AU"/>
+            <a:t>Can use to calculate mean values per participant and condition.</a:t>
+          </a:r>
+          <a:endParaRPr lang="en-US"/>
+        </a:p>
+      </dgm:t>
+    </dgm:pt>
+    <dgm:pt modelId="{3E69AF34-1B1B-4102-A55E-6873FAF808AD}" type="parTrans" cxnId="{4E050646-9AEE-4760-AC23-64132FD5A614}">
+      <dgm:prSet/>
+      <dgm:spPr/>
+      <dgm:t>
+        <a:bodyPr/>
+        <a:lstStyle/>
+        <a:p>
+          <a:endParaRPr lang="en-US"/>
+        </a:p>
+      </dgm:t>
+    </dgm:pt>
+    <dgm:pt modelId="{60FD950B-FA0A-4A9F-99BF-6942F04FB31E}" type="sibTrans" cxnId="{4E050646-9AEE-4760-AC23-64132FD5A614}">
+      <dgm:prSet/>
+      <dgm:spPr/>
+      <dgm:t>
+        <a:bodyPr/>
+        <a:lstStyle/>
+        <a:p>
+          <a:endParaRPr lang="en-US"/>
+        </a:p>
+      </dgm:t>
+    </dgm:pt>
+    <dgm:pt modelId="{1342A802-4CE8-7D45-AA49-359CA8C752E7}" type="pres">
+      <dgm:prSet presAssocID="{B2C86FE4-E287-4F30-80E6-FDBDE5B49AAE}" presName="linear" presStyleCnt="0">
+        <dgm:presLayoutVars>
+          <dgm:animLvl val="lvl"/>
+          <dgm:resizeHandles val="exact"/>
+        </dgm:presLayoutVars>
+      </dgm:prSet>
+      <dgm:spPr/>
+    </dgm:pt>
+    <dgm:pt modelId="{CC77E21D-64CE-CB41-9B71-C8F2407ADF55}" type="pres">
+      <dgm:prSet presAssocID="{DA166C2E-485E-4BFC-BE99-4E35646D962C}" presName="parentText" presStyleLbl="node1" presStyleIdx="0" presStyleCnt="6">
+        <dgm:presLayoutVars>
+          <dgm:chMax val="0"/>
+          <dgm:bulletEnabled val="1"/>
+        </dgm:presLayoutVars>
+      </dgm:prSet>
+      <dgm:spPr/>
+    </dgm:pt>
+    <dgm:pt modelId="{0782BF3C-FCEE-7F4A-AA85-599D127E8774}" type="pres">
+      <dgm:prSet presAssocID="{DA166C2E-485E-4BFC-BE99-4E35646D962C}" presName="childText" presStyleLbl="revTx" presStyleIdx="0" presStyleCnt="6">
+        <dgm:presLayoutVars>
+          <dgm:bulletEnabled val="1"/>
+        </dgm:presLayoutVars>
+      </dgm:prSet>
+      <dgm:spPr/>
+    </dgm:pt>
+    <dgm:pt modelId="{3D1AD9DC-241B-7649-BFCB-B56BDB3C403B}" type="pres">
+      <dgm:prSet presAssocID="{E3649029-8A33-4F9B-92CC-6C607BDC7FB0}" presName="parentText" presStyleLbl="node1" presStyleIdx="1" presStyleCnt="6">
+        <dgm:presLayoutVars>
+          <dgm:chMax val="0"/>
+          <dgm:bulletEnabled val="1"/>
+        </dgm:presLayoutVars>
+      </dgm:prSet>
+      <dgm:spPr/>
+    </dgm:pt>
+    <dgm:pt modelId="{C56477D4-0E2D-6047-A570-D679E3BCABC6}" type="pres">
+      <dgm:prSet presAssocID="{E3649029-8A33-4F9B-92CC-6C607BDC7FB0}" presName="childText" presStyleLbl="revTx" presStyleIdx="1" presStyleCnt="6">
+        <dgm:presLayoutVars>
+          <dgm:bulletEnabled val="1"/>
+        </dgm:presLayoutVars>
+      </dgm:prSet>
+      <dgm:spPr/>
+    </dgm:pt>
+    <dgm:pt modelId="{25949752-7EA1-3C43-B20E-E2BEFCF2AE38}" type="pres">
+      <dgm:prSet presAssocID="{151A7918-771A-425E-8E4F-F1C821C1D18F}" presName="parentText" presStyleLbl="node1" presStyleIdx="2" presStyleCnt="6">
+        <dgm:presLayoutVars>
+          <dgm:chMax val="0"/>
+          <dgm:bulletEnabled val="1"/>
+        </dgm:presLayoutVars>
+      </dgm:prSet>
+      <dgm:spPr/>
+    </dgm:pt>
+    <dgm:pt modelId="{73CC6E22-C909-2340-B1C3-FEB2A9825EA7}" type="pres">
+      <dgm:prSet presAssocID="{151A7918-771A-425E-8E4F-F1C821C1D18F}" presName="childText" presStyleLbl="revTx" presStyleIdx="2" presStyleCnt="6">
+        <dgm:presLayoutVars>
+          <dgm:bulletEnabled val="1"/>
+        </dgm:presLayoutVars>
+      </dgm:prSet>
+      <dgm:spPr/>
+    </dgm:pt>
+    <dgm:pt modelId="{F914D0E9-564D-1246-89D0-3FE8BCA8279B}" type="pres">
+      <dgm:prSet presAssocID="{E90941AE-E3AC-4C49-A679-DCA88DC54446}" presName="parentText" presStyleLbl="node1" presStyleIdx="3" presStyleCnt="6">
+        <dgm:presLayoutVars>
+          <dgm:chMax val="0"/>
+          <dgm:bulletEnabled val="1"/>
+        </dgm:presLayoutVars>
+      </dgm:prSet>
+      <dgm:spPr/>
+    </dgm:pt>
+    <dgm:pt modelId="{BA1F524B-575A-F74C-8BCC-44D3D244B97E}" type="pres">
+      <dgm:prSet presAssocID="{E90941AE-E3AC-4C49-A679-DCA88DC54446}" presName="childText" presStyleLbl="revTx" presStyleIdx="3" presStyleCnt="6">
+        <dgm:presLayoutVars>
+          <dgm:bulletEnabled val="1"/>
+        </dgm:presLayoutVars>
+      </dgm:prSet>
+      <dgm:spPr/>
+    </dgm:pt>
+    <dgm:pt modelId="{A295B0AA-8471-D244-81FE-1A63E3FD227A}" type="pres">
+      <dgm:prSet presAssocID="{B1671A0C-7778-4D88-967E-23E1A4B599AF}" presName="parentText" presStyleLbl="node1" presStyleIdx="4" presStyleCnt="6">
+        <dgm:presLayoutVars>
+          <dgm:chMax val="0"/>
+          <dgm:bulletEnabled val="1"/>
+        </dgm:presLayoutVars>
+      </dgm:prSet>
+      <dgm:spPr/>
+    </dgm:pt>
+    <dgm:pt modelId="{DF700B83-9D7A-2146-BB98-1879C0B10EDA}" type="pres">
+      <dgm:prSet presAssocID="{B1671A0C-7778-4D88-967E-23E1A4B599AF}" presName="childText" presStyleLbl="revTx" presStyleIdx="4" presStyleCnt="6">
+        <dgm:presLayoutVars>
+          <dgm:bulletEnabled val="1"/>
+        </dgm:presLayoutVars>
+      </dgm:prSet>
+      <dgm:spPr/>
+    </dgm:pt>
+    <dgm:pt modelId="{F4E6F849-D78A-7347-9792-C274A40BF37B}" type="pres">
+      <dgm:prSet presAssocID="{E61A6672-2563-4D04-97DF-E7EABBC0594D}" presName="parentText" presStyleLbl="node1" presStyleIdx="5" presStyleCnt="6">
+        <dgm:presLayoutVars>
+          <dgm:chMax val="0"/>
+          <dgm:bulletEnabled val="1"/>
+        </dgm:presLayoutVars>
+      </dgm:prSet>
+      <dgm:spPr/>
+    </dgm:pt>
+    <dgm:pt modelId="{1EE5DA03-7F24-BE48-8853-19F83B52FE61}" type="pres">
+      <dgm:prSet presAssocID="{E61A6672-2563-4D04-97DF-E7EABBC0594D}" presName="childText" presStyleLbl="revTx" presStyleIdx="5" presStyleCnt="6">
+        <dgm:presLayoutVars>
+          <dgm:bulletEnabled val="1"/>
+        </dgm:presLayoutVars>
+      </dgm:prSet>
+      <dgm:spPr/>
+    </dgm:pt>
+  </dgm:ptLst>
+  <dgm:cxnLst>
+    <dgm:cxn modelId="{6F216423-7C38-5741-97BA-89C41DD0F8CD}" type="presOf" srcId="{DA166C2E-485E-4BFC-BE99-4E35646D962C}" destId="{CC77E21D-64CE-CB41-9B71-C8F2407ADF55}" srcOrd="0" destOrd="0" presId="urn:microsoft.com/office/officeart/2005/8/layout/vList2"/>
+    <dgm:cxn modelId="{0BDF8823-24C9-485C-B8C6-A4953B948016}" srcId="{E3649029-8A33-4F9B-92CC-6C607BDC7FB0}" destId="{21CA7E42-44AE-4FE6-852B-7316172B65B1}" srcOrd="0" destOrd="0" parTransId="{7C141332-E2FF-4863-81ED-354DB6B95A4B}" sibTransId="{B42FD8CC-EC8B-4B0C-8F3B-DDFC64EED359}"/>
+    <dgm:cxn modelId="{926CB927-904B-419B-AC53-C8226A149F27}" srcId="{B2C86FE4-E287-4F30-80E6-FDBDE5B49AAE}" destId="{E61A6672-2563-4D04-97DF-E7EABBC0594D}" srcOrd="5" destOrd="0" parTransId="{C799568B-D12A-4E6E-BB27-06D38522C594}" sibTransId="{97417764-DD5D-4E89-B743-6816F40FE661}"/>
+    <dgm:cxn modelId="{BFA65036-F0F8-7344-829F-93681A9C3AA7}" type="presOf" srcId="{7146C627-F220-49A6-9A50-8B635062AD9F}" destId="{73CC6E22-C909-2340-B1C3-FEB2A9825EA7}" srcOrd="0" destOrd="0" presId="urn:microsoft.com/office/officeart/2005/8/layout/vList2"/>
+    <dgm:cxn modelId="{56FFD43D-05F5-1147-9BF3-3452B01C3B05}" type="presOf" srcId="{B2C86FE4-E287-4F30-80E6-FDBDE5B49AAE}" destId="{1342A802-4CE8-7D45-AA49-359CA8C752E7}" srcOrd="0" destOrd="0" presId="urn:microsoft.com/office/officeart/2005/8/layout/vList2"/>
+    <dgm:cxn modelId="{FE3BA33E-7725-4929-A4E7-2CEAC303510C}" srcId="{B2C86FE4-E287-4F30-80E6-FDBDE5B49AAE}" destId="{B1671A0C-7778-4D88-967E-23E1A4B599AF}" srcOrd="4" destOrd="0" parTransId="{F8E69A11-1CF8-4CC4-BD62-EBF3811962D2}" sibTransId="{A80F26DB-9B1F-44E5-8AEB-F147318DC3A2}"/>
+    <dgm:cxn modelId="{4E050646-9AEE-4760-AC23-64132FD5A614}" srcId="{E61A6672-2563-4D04-97DF-E7EABBC0594D}" destId="{C398112A-B578-4F0E-B4AE-0C01B95A36F4}" srcOrd="0" destOrd="0" parTransId="{3E69AF34-1B1B-4102-A55E-6873FAF808AD}" sibTransId="{60FD950B-FA0A-4A9F-99BF-6942F04FB31E}"/>
+    <dgm:cxn modelId="{C361974E-783B-4D89-AFC2-CED7677BB867}" srcId="{B2C86FE4-E287-4F30-80E6-FDBDE5B49AAE}" destId="{E90941AE-E3AC-4C49-A679-DCA88DC54446}" srcOrd="3" destOrd="0" parTransId="{C64682DD-78F7-4E9B-856D-2AF594431033}" sibTransId="{57FD8193-CF31-4391-A8C9-E13CF1B9B62D}"/>
+    <dgm:cxn modelId="{BA5E9A57-34E5-C348-BBA8-F604F4ED2DD6}" type="presOf" srcId="{B1671A0C-7778-4D88-967E-23E1A4B599AF}" destId="{A295B0AA-8471-D244-81FE-1A63E3FD227A}" srcOrd="0" destOrd="0" presId="urn:microsoft.com/office/officeart/2005/8/layout/vList2"/>
+    <dgm:cxn modelId="{3C457858-473D-6444-B600-8D2F7F0EC3F2}" type="presOf" srcId="{C398112A-B578-4F0E-B4AE-0C01B95A36F4}" destId="{1EE5DA03-7F24-BE48-8853-19F83B52FE61}" srcOrd="0" destOrd="0" presId="urn:microsoft.com/office/officeart/2005/8/layout/vList2"/>
+    <dgm:cxn modelId="{B1E03859-CDAD-4FB9-AF0B-D03D73E9879D}" srcId="{151A7918-771A-425E-8E4F-F1C821C1D18F}" destId="{7146C627-F220-49A6-9A50-8B635062AD9F}" srcOrd="0" destOrd="0" parTransId="{96BBE02A-F389-452B-ACC8-56AE1ADC5A82}" sibTransId="{E12DC2B9-93C0-46C8-88C7-3A26161FD545}"/>
+    <dgm:cxn modelId="{1FA89C59-5115-476C-B046-2D0B45E59C16}" srcId="{B2C86FE4-E287-4F30-80E6-FDBDE5B49AAE}" destId="{151A7918-771A-425E-8E4F-F1C821C1D18F}" srcOrd="2" destOrd="0" parTransId="{F52935CA-ECEE-408E-B471-9612B361C3B2}" sibTransId="{5C18F4C9-4E8A-408F-8613-3B8CA5C9A3F2}"/>
+    <dgm:cxn modelId="{2069CF63-F99F-4CE8-BD09-C5140A560BF4}" srcId="{B2C86FE4-E287-4F30-80E6-FDBDE5B49AAE}" destId="{E3649029-8A33-4F9B-92CC-6C607BDC7FB0}" srcOrd="1" destOrd="0" parTransId="{FC996210-8FE0-4AB2-9528-DAD407B777AA}" sibTransId="{669DAA70-6F32-4421-94EA-2E7F0A343E22}"/>
+    <dgm:cxn modelId="{631F2E66-8158-DF49-88F9-08256D50F425}" type="presOf" srcId="{E61A6672-2563-4D04-97DF-E7EABBC0594D}" destId="{F4E6F849-D78A-7347-9792-C274A40BF37B}" srcOrd="0" destOrd="0" presId="urn:microsoft.com/office/officeart/2005/8/layout/vList2"/>
+    <dgm:cxn modelId="{100DCC6A-565C-1440-AE57-1CECE9E01690}" type="presOf" srcId="{E90941AE-E3AC-4C49-A679-DCA88DC54446}" destId="{F914D0E9-564D-1246-89D0-3FE8BCA8279B}" srcOrd="0" destOrd="0" presId="urn:microsoft.com/office/officeart/2005/8/layout/vList2"/>
+    <dgm:cxn modelId="{BB0C5C6B-1B9E-4DC1-8F15-6233C7309557}" srcId="{E90941AE-E3AC-4C49-A679-DCA88DC54446}" destId="{E608FBFB-2A7E-41E5-B744-5F1864D87092}" srcOrd="0" destOrd="0" parTransId="{FBA4F619-0A54-4AB9-A21E-542A056AB5BA}" sibTransId="{869CA04A-6E4F-48A8-BBA1-E51A040A9585}"/>
+    <dgm:cxn modelId="{D4A7D475-2AE9-4367-AD86-0B556516552B}" srcId="{DA166C2E-485E-4BFC-BE99-4E35646D962C}" destId="{CF09A259-7434-4C1C-90C3-2D50C790D5FD}" srcOrd="0" destOrd="0" parTransId="{45EB2C45-E68B-478F-9EAF-8774CC2D4FE3}" sibTransId="{047EAD47-2318-4013-817F-D87F52EA8BB8}"/>
+    <dgm:cxn modelId="{A1513377-CAB1-E74E-AC84-0239FC3144D8}" type="presOf" srcId="{CF09A259-7434-4C1C-90C3-2D50C790D5FD}" destId="{0782BF3C-FCEE-7F4A-AA85-599D127E8774}" srcOrd="0" destOrd="0" presId="urn:microsoft.com/office/officeart/2005/8/layout/vList2"/>
+    <dgm:cxn modelId="{F8CC847F-0745-4C6C-9DBD-5CD5F26C89E9}" srcId="{B2C86FE4-E287-4F30-80E6-FDBDE5B49AAE}" destId="{DA166C2E-485E-4BFC-BE99-4E35646D962C}" srcOrd="0" destOrd="0" parTransId="{1F7FD855-433E-4D02-9E33-89CAFE4254AC}" sibTransId="{D873AD5A-F75D-45DB-8FA4-64803493B092}"/>
+    <dgm:cxn modelId="{C039B284-65E9-B54F-8FEF-EF1B62DD4578}" type="presOf" srcId="{E608FBFB-2A7E-41E5-B744-5F1864D87092}" destId="{BA1F524B-575A-F74C-8BCC-44D3D244B97E}" srcOrd="0" destOrd="0" presId="urn:microsoft.com/office/officeart/2005/8/layout/vList2"/>
+    <dgm:cxn modelId="{C67F829B-A3C8-B049-8C07-4E8CD11ECB4D}" type="presOf" srcId="{E3649029-8A33-4F9B-92CC-6C607BDC7FB0}" destId="{3D1AD9DC-241B-7649-BFCB-B56BDB3C403B}" srcOrd="0" destOrd="0" presId="urn:microsoft.com/office/officeart/2005/8/layout/vList2"/>
+    <dgm:cxn modelId="{A8433CA9-D826-594E-A2A7-137DEF3C23B2}" type="presOf" srcId="{151A7918-771A-425E-8E4F-F1C821C1D18F}" destId="{25949752-7EA1-3C43-B20E-E2BEFCF2AE38}" srcOrd="0" destOrd="0" presId="urn:microsoft.com/office/officeart/2005/8/layout/vList2"/>
+    <dgm:cxn modelId="{203A85B9-2C21-4EAD-ACF1-474790DBADA1}" srcId="{B1671A0C-7778-4D88-967E-23E1A4B599AF}" destId="{181CE268-CCD1-4647-9B7D-946661F6BB69}" srcOrd="0" destOrd="0" parTransId="{460B25C5-A748-449E-AD0E-D4652974F9EC}" sibTransId="{A823B296-A5B3-40C1-AC5F-4617DC2AF2E8}"/>
+    <dgm:cxn modelId="{1159F1C1-2A19-8441-806B-47298CAE5E45}" type="presOf" srcId="{181CE268-CCD1-4647-9B7D-946661F6BB69}" destId="{DF700B83-9D7A-2146-BB98-1879C0B10EDA}" srcOrd="0" destOrd="0" presId="urn:microsoft.com/office/officeart/2005/8/layout/vList2"/>
+    <dgm:cxn modelId="{51B783C7-B245-934F-9D89-60EE94353584}" type="presOf" srcId="{21CA7E42-44AE-4FE6-852B-7316172B65B1}" destId="{C56477D4-0E2D-6047-A570-D679E3BCABC6}" srcOrd="0" destOrd="0" presId="urn:microsoft.com/office/officeart/2005/8/layout/vList2"/>
+    <dgm:cxn modelId="{DFF7632A-83CD-5547-9525-72A6E19F800B}" type="presParOf" srcId="{1342A802-4CE8-7D45-AA49-359CA8C752E7}" destId="{CC77E21D-64CE-CB41-9B71-C8F2407ADF55}" srcOrd="0" destOrd="0" presId="urn:microsoft.com/office/officeart/2005/8/layout/vList2"/>
+    <dgm:cxn modelId="{7B78649D-F447-EB42-B905-00559374EDC7}" type="presParOf" srcId="{1342A802-4CE8-7D45-AA49-359CA8C752E7}" destId="{0782BF3C-FCEE-7F4A-AA85-599D127E8774}" srcOrd="1" destOrd="0" presId="urn:microsoft.com/office/officeart/2005/8/layout/vList2"/>
+    <dgm:cxn modelId="{9F371641-10C3-4C49-B584-B83B20BCB33D}" type="presParOf" srcId="{1342A802-4CE8-7D45-AA49-359CA8C752E7}" destId="{3D1AD9DC-241B-7649-BFCB-B56BDB3C403B}" srcOrd="2" destOrd="0" presId="urn:microsoft.com/office/officeart/2005/8/layout/vList2"/>
+    <dgm:cxn modelId="{85059DD5-C04B-DF40-8FC9-1AC2DC25FEE8}" type="presParOf" srcId="{1342A802-4CE8-7D45-AA49-359CA8C752E7}" destId="{C56477D4-0E2D-6047-A570-D679E3BCABC6}" srcOrd="3" destOrd="0" presId="urn:microsoft.com/office/officeart/2005/8/layout/vList2"/>
+    <dgm:cxn modelId="{572FCE15-E8A2-194D-9E1D-808E31CE1CF3}" type="presParOf" srcId="{1342A802-4CE8-7D45-AA49-359CA8C752E7}" destId="{25949752-7EA1-3C43-B20E-E2BEFCF2AE38}" srcOrd="4" destOrd="0" presId="urn:microsoft.com/office/officeart/2005/8/layout/vList2"/>
+    <dgm:cxn modelId="{59B5A7BF-3398-014A-9B7E-F7599AB169C0}" type="presParOf" srcId="{1342A802-4CE8-7D45-AA49-359CA8C752E7}" destId="{73CC6E22-C909-2340-B1C3-FEB2A9825EA7}" srcOrd="5" destOrd="0" presId="urn:microsoft.com/office/officeart/2005/8/layout/vList2"/>
+    <dgm:cxn modelId="{0CFDD0D9-A8FF-5D4B-A8A6-5AF1296C0134}" type="presParOf" srcId="{1342A802-4CE8-7D45-AA49-359CA8C752E7}" destId="{F914D0E9-564D-1246-89D0-3FE8BCA8279B}" srcOrd="6" destOrd="0" presId="urn:microsoft.com/office/officeart/2005/8/layout/vList2"/>
+    <dgm:cxn modelId="{CF3DED58-DA94-C543-9E51-E1D9B375F0F1}" type="presParOf" srcId="{1342A802-4CE8-7D45-AA49-359CA8C752E7}" destId="{BA1F524B-575A-F74C-8BCC-44D3D244B97E}" srcOrd="7" destOrd="0" presId="urn:microsoft.com/office/officeart/2005/8/layout/vList2"/>
+    <dgm:cxn modelId="{7C2D61EB-BDBD-2F42-8608-0F7573A4A50F}" type="presParOf" srcId="{1342A802-4CE8-7D45-AA49-359CA8C752E7}" destId="{A295B0AA-8471-D244-81FE-1A63E3FD227A}" srcOrd="8" destOrd="0" presId="urn:microsoft.com/office/officeart/2005/8/layout/vList2"/>
+    <dgm:cxn modelId="{4FD2F744-DED4-D64B-A2A2-A12A03476DCD}" type="presParOf" srcId="{1342A802-4CE8-7D45-AA49-359CA8C752E7}" destId="{DF700B83-9D7A-2146-BB98-1879C0B10EDA}" srcOrd="9" destOrd="0" presId="urn:microsoft.com/office/officeart/2005/8/layout/vList2"/>
+    <dgm:cxn modelId="{0E4BD458-089C-7349-9804-6F518DDEA6FC}" type="presParOf" srcId="{1342A802-4CE8-7D45-AA49-359CA8C752E7}" destId="{F4E6F849-D78A-7347-9792-C274A40BF37B}" srcOrd="10" destOrd="0" presId="urn:microsoft.com/office/officeart/2005/8/layout/vList2"/>
+    <dgm:cxn modelId="{9B8871ED-5A0A-7441-9484-8D34FDEF7442}" type="presParOf" srcId="{1342A802-4CE8-7D45-AA49-359CA8C752E7}" destId="{1EE5DA03-7F24-BE48-8853-19F83B52FE61}" srcOrd="11" destOrd="0" presId="urn:microsoft.com/office/officeart/2005/8/layout/vList2"/>
+  </dgm:cxnLst>
+  <dgm:bg/>
+  <dgm:whole/>
+  <dgm:extLst>
+    <a:ext uri="http://schemas.microsoft.com/office/drawing/2008/diagram">
+      <dsp:dataModelExt xmlns:dsp="http://schemas.microsoft.com/office/drawing/2008/diagram" relId="rId6" minVer="http://schemas.openxmlformats.org/drawingml/2006/diagram"/>
+    </a:ext>
+  </dgm:extLst>
+</dgm:dataModel>
+</file>
+
+<file path=ppt/diagrams/drawing1.xml><?xml version="1.0" encoding="utf-8"?>
+<dsp:drawing xmlns:dgm="http://schemas.openxmlformats.org/drawingml/2006/diagram" xmlns:dsp="http://schemas.microsoft.com/office/drawing/2008/diagram" xmlns:a="http://schemas.openxmlformats.org/drawingml/2006/main">
+  <dsp:spTree>
+    <dsp:nvGrpSpPr>
+      <dsp:cNvPr id="0" name=""/>
+      <dsp:cNvGrpSpPr/>
+    </dsp:nvGrpSpPr>
+    <dsp:grpSpPr/>
+    <dsp:sp modelId="{CC77E21D-64CE-CB41-9B71-C8F2407ADF55}">
+      <dsp:nvSpPr>
+        <dsp:cNvPr id="0" name=""/>
+        <dsp:cNvSpPr/>
+      </dsp:nvSpPr>
+      <dsp:spPr>
+        <a:xfrm>
+          <a:off x="0" y="10580"/>
+          <a:ext cx="6513603" cy="527670"/>
+        </a:xfrm>
+        <a:prstGeom prst="roundRect">
+          <a:avLst/>
+        </a:prstGeom>
+        <a:solidFill>
+          <a:schemeClr val="accent5">
+            <a:hueOff val="0"/>
+            <a:satOff val="0"/>
+            <a:lumOff val="0"/>
+            <a:alphaOff val="0"/>
+          </a:schemeClr>
+        </a:solidFill>
+        <a:ln w="12700" cap="flat" cmpd="sng" algn="ctr">
+          <a:solidFill>
+            <a:schemeClr val="lt1">
+              <a:hueOff val="0"/>
+              <a:satOff val="0"/>
+              <a:lumOff val="0"/>
+              <a:alphaOff val="0"/>
+            </a:schemeClr>
+          </a:solidFill>
+          <a:prstDash val="solid"/>
+          <a:miter lim="800000"/>
+        </a:ln>
+        <a:effectLst/>
+      </dsp:spPr>
+      <dsp:style>
+        <a:lnRef idx="2">
+          <a:scrgbClr r="0" g="0" b="0"/>
+        </a:lnRef>
+        <a:fillRef idx="1">
+          <a:scrgbClr r="0" g="0" b="0"/>
+        </a:fillRef>
+        <a:effectRef idx="0">
+          <a:scrgbClr r="0" g="0" b="0"/>
+        </a:effectRef>
+        <a:fontRef idx="minor">
+          <a:schemeClr val="lt1"/>
+        </a:fontRef>
+      </dsp:style>
+      <dsp:txBody>
+        <a:bodyPr spcFirstLastPara="0" vert="horz" wrap="square" lIns="83820" tIns="83820" rIns="83820" bIns="83820" numCol="1" spcCol="1270" anchor="ctr" anchorCtr="0">
+          <a:noAutofit/>
+        </a:bodyPr>
+        <a:lstStyle/>
+        <a:p>
+          <a:pPr marL="0" lvl="0" indent="0" algn="l" defTabSz="977900">
+            <a:lnSpc>
+              <a:spcPct val="90000"/>
+            </a:lnSpc>
+            <a:spcBef>
+              <a:spcPct val="0"/>
+            </a:spcBef>
+            <a:spcAft>
+              <a:spcPct val="35000"/>
+            </a:spcAft>
+            <a:buNone/>
+          </a:pPr>
+          <a:r>
+            <a:rPr lang="en-AU" sz="2200" kern="1200"/>
+            <a:t>paste0() or paste(), cbind() and rbind()</a:t>
+          </a:r>
+          <a:endParaRPr lang="en-US" sz="2200" kern="1200"/>
+        </a:p>
+      </dsp:txBody>
+      <dsp:txXfrm>
+        <a:off x="25759" y="36339"/>
+        <a:ext cx="6462085" cy="476152"/>
+      </dsp:txXfrm>
+    </dsp:sp>
+    <dsp:sp modelId="{0782BF3C-FCEE-7F4A-AA85-599D127E8774}">
+      <dsp:nvSpPr>
+        <dsp:cNvPr id="0" name=""/>
+        <dsp:cNvSpPr/>
+      </dsp:nvSpPr>
+      <dsp:spPr>
+        <a:xfrm>
+          <a:off x="0" y="538250"/>
+          <a:ext cx="6513603" cy="364320"/>
+        </a:xfrm>
+        <a:prstGeom prst="rect">
+          <a:avLst/>
+        </a:prstGeom>
+        <a:noFill/>
+        <a:ln>
+          <a:noFill/>
+        </a:ln>
+        <a:effectLst/>
+      </dsp:spPr>
+      <dsp:style>
+        <a:lnRef idx="0">
+          <a:scrgbClr r="0" g="0" b="0"/>
+        </a:lnRef>
+        <a:fillRef idx="0">
+          <a:scrgbClr r="0" g="0" b="0"/>
+        </a:fillRef>
+        <a:effectRef idx="0">
+          <a:scrgbClr r="0" g="0" b="0"/>
+        </a:effectRef>
+        <a:fontRef idx="minor"/>
+      </dsp:style>
+      <dsp:txBody>
+        <a:bodyPr spcFirstLastPara="0" vert="horz" wrap="square" lIns="206807" tIns="27940" rIns="156464" bIns="27940" numCol="1" spcCol="1270" anchor="t" anchorCtr="0">
+          <a:noAutofit/>
+        </a:bodyPr>
+        <a:lstStyle/>
+        <a:p>
+          <a:pPr marL="171450" lvl="1" indent="-171450" algn="l" defTabSz="755650">
+            <a:lnSpc>
+              <a:spcPct val="90000"/>
+            </a:lnSpc>
+            <a:spcBef>
+              <a:spcPct val="0"/>
+            </a:spcBef>
+            <a:spcAft>
+              <a:spcPct val="20000"/>
+            </a:spcAft>
+            <a:buChar char="•"/>
+          </a:pPr>
+          <a:r>
+            <a:rPr lang="en-AU" sz="1700" kern="1200"/>
+            <a:t>Lets you stick things together</a:t>
+          </a:r>
+          <a:endParaRPr lang="en-US" sz="1700" kern="1200"/>
+        </a:p>
+      </dsp:txBody>
+      <dsp:txXfrm>
+        <a:off x="0" y="538250"/>
+        <a:ext cx="6513603" cy="364320"/>
+      </dsp:txXfrm>
+    </dsp:sp>
+    <dsp:sp modelId="{3D1AD9DC-241B-7649-BFCB-B56BDB3C403B}">
+      <dsp:nvSpPr>
+        <dsp:cNvPr id="0" name=""/>
+        <dsp:cNvSpPr/>
+      </dsp:nvSpPr>
+      <dsp:spPr>
+        <a:xfrm>
+          <a:off x="0" y="902570"/>
+          <a:ext cx="6513603" cy="527670"/>
+        </a:xfrm>
+        <a:prstGeom prst="roundRect">
+          <a:avLst/>
+        </a:prstGeom>
+        <a:solidFill>
+          <a:schemeClr val="accent5">
+            <a:hueOff val="-1351709"/>
+            <a:satOff val="-3484"/>
+            <a:lumOff val="-2353"/>
+            <a:alphaOff val="0"/>
+          </a:schemeClr>
+        </a:solidFill>
+        <a:ln w="12700" cap="flat" cmpd="sng" algn="ctr">
+          <a:solidFill>
+            <a:schemeClr val="lt1">
+              <a:hueOff val="0"/>
+              <a:satOff val="0"/>
+              <a:lumOff val="0"/>
+              <a:alphaOff val="0"/>
+            </a:schemeClr>
+          </a:solidFill>
+          <a:prstDash val="solid"/>
+          <a:miter lim="800000"/>
+        </a:ln>
+        <a:effectLst/>
+      </dsp:spPr>
+      <dsp:style>
+        <a:lnRef idx="2">
+          <a:scrgbClr r="0" g="0" b="0"/>
+        </a:lnRef>
+        <a:fillRef idx="1">
+          <a:scrgbClr r="0" g="0" b="0"/>
+        </a:fillRef>
+        <a:effectRef idx="0">
+          <a:scrgbClr r="0" g="0" b="0"/>
+        </a:effectRef>
+        <a:fontRef idx="minor">
+          <a:schemeClr val="lt1"/>
+        </a:fontRef>
+      </dsp:style>
+      <dsp:txBody>
+        <a:bodyPr spcFirstLastPara="0" vert="horz" wrap="square" lIns="83820" tIns="83820" rIns="83820" bIns="83820" numCol="1" spcCol="1270" anchor="ctr" anchorCtr="0">
+          <a:noAutofit/>
+        </a:bodyPr>
+        <a:lstStyle/>
+        <a:p>
+          <a:pPr marL="0" lvl="0" indent="0" algn="l" defTabSz="977900">
+            <a:lnSpc>
+              <a:spcPct val="90000"/>
+            </a:lnSpc>
+            <a:spcBef>
+              <a:spcPct val="0"/>
+            </a:spcBef>
+            <a:spcAft>
+              <a:spcPct val="35000"/>
+            </a:spcAft>
+            <a:buNone/>
+          </a:pPr>
+          <a:r>
+            <a:rPr lang="en-AU" sz="2200" kern="1200"/>
+            <a:t>Substring()</a:t>
+          </a:r>
+          <a:endParaRPr lang="en-US" sz="2200" kern="1200"/>
+        </a:p>
+      </dsp:txBody>
+      <dsp:txXfrm>
+        <a:off x="25759" y="928329"/>
+        <a:ext cx="6462085" cy="476152"/>
+      </dsp:txXfrm>
+    </dsp:sp>
+    <dsp:sp modelId="{C56477D4-0E2D-6047-A570-D679E3BCABC6}">
+      <dsp:nvSpPr>
+        <dsp:cNvPr id="0" name=""/>
+        <dsp:cNvSpPr/>
+      </dsp:nvSpPr>
+      <dsp:spPr>
+        <a:xfrm>
+          <a:off x="0" y="1430240"/>
+          <a:ext cx="6513603" cy="364320"/>
+        </a:xfrm>
+        <a:prstGeom prst="rect">
+          <a:avLst/>
+        </a:prstGeom>
+        <a:noFill/>
+        <a:ln>
+          <a:noFill/>
+        </a:ln>
+        <a:effectLst/>
+      </dsp:spPr>
+      <dsp:style>
+        <a:lnRef idx="0">
+          <a:scrgbClr r="0" g="0" b="0"/>
+        </a:lnRef>
+        <a:fillRef idx="0">
+          <a:scrgbClr r="0" g="0" b="0"/>
+        </a:fillRef>
+        <a:effectRef idx="0">
+          <a:scrgbClr r="0" g="0" b="0"/>
+        </a:effectRef>
+        <a:fontRef idx="minor"/>
+      </dsp:style>
+      <dsp:txBody>
+        <a:bodyPr spcFirstLastPara="0" vert="horz" wrap="square" lIns="206807" tIns="27940" rIns="156464" bIns="27940" numCol="1" spcCol="1270" anchor="t" anchorCtr="0">
+          <a:noAutofit/>
+        </a:bodyPr>
+        <a:lstStyle/>
+        <a:p>
+          <a:pPr marL="171450" lvl="1" indent="-171450" algn="l" defTabSz="755650">
+            <a:lnSpc>
+              <a:spcPct val="90000"/>
+            </a:lnSpc>
+            <a:spcBef>
+              <a:spcPct val="0"/>
+            </a:spcBef>
+            <a:spcAft>
+              <a:spcPct val="20000"/>
+            </a:spcAft>
+            <a:buChar char="•"/>
+          </a:pPr>
+          <a:r>
+            <a:rPr lang="en-AU" sz="1700" kern="1200"/>
+            <a:t>Extract part of a word – good for getting subject id from filenames</a:t>
+          </a:r>
+          <a:endParaRPr lang="en-US" sz="1700" kern="1200"/>
+        </a:p>
+      </dsp:txBody>
+      <dsp:txXfrm>
+        <a:off x="0" y="1430240"/>
+        <a:ext cx="6513603" cy="364320"/>
+      </dsp:txXfrm>
+    </dsp:sp>
+    <dsp:sp modelId="{25949752-7EA1-3C43-B20E-E2BEFCF2AE38}">
+      <dsp:nvSpPr>
+        <dsp:cNvPr id="0" name=""/>
+        <dsp:cNvSpPr/>
+      </dsp:nvSpPr>
+      <dsp:spPr>
+        <a:xfrm>
+          <a:off x="0" y="1794560"/>
+          <a:ext cx="6513603" cy="527670"/>
+        </a:xfrm>
+        <a:prstGeom prst="roundRect">
+          <a:avLst/>
+        </a:prstGeom>
+        <a:solidFill>
+          <a:schemeClr val="accent5">
+            <a:hueOff val="-2703417"/>
+            <a:satOff val="-6968"/>
+            <a:lumOff val="-4706"/>
+            <a:alphaOff val="0"/>
+          </a:schemeClr>
+        </a:solidFill>
+        <a:ln w="12700" cap="flat" cmpd="sng" algn="ctr">
+          <a:solidFill>
+            <a:schemeClr val="lt1">
+              <a:hueOff val="0"/>
+              <a:satOff val="0"/>
+              <a:lumOff val="0"/>
+              <a:alphaOff val="0"/>
+            </a:schemeClr>
+          </a:solidFill>
+          <a:prstDash val="solid"/>
+          <a:miter lim="800000"/>
+        </a:ln>
+        <a:effectLst/>
+      </dsp:spPr>
+      <dsp:style>
+        <a:lnRef idx="2">
+          <a:scrgbClr r="0" g="0" b="0"/>
+        </a:lnRef>
+        <a:fillRef idx="1">
+          <a:scrgbClr r="0" g="0" b="0"/>
+        </a:fillRef>
+        <a:effectRef idx="0">
+          <a:scrgbClr r="0" g="0" b="0"/>
+        </a:effectRef>
+        <a:fontRef idx="minor">
+          <a:schemeClr val="lt1"/>
+        </a:fontRef>
+      </dsp:style>
+      <dsp:txBody>
+        <a:bodyPr spcFirstLastPara="0" vert="horz" wrap="square" lIns="83820" tIns="83820" rIns="83820" bIns="83820" numCol="1" spcCol="1270" anchor="ctr" anchorCtr="0">
+          <a:noAutofit/>
+        </a:bodyPr>
+        <a:lstStyle/>
+        <a:p>
+          <a:pPr marL="0" lvl="0" indent="0" algn="l" defTabSz="977900">
+            <a:lnSpc>
+              <a:spcPct val="90000"/>
+            </a:lnSpc>
+            <a:spcBef>
+              <a:spcPct val="0"/>
+            </a:spcBef>
+            <a:spcAft>
+              <a:spcPct val="35000"/>
+            </a:spcAft>
+            <a:buNone/>
+          </a:pPr>
+          <a:r>
+            <a:rPr lang="en-AU" sz="2200" kern="1200"/>
+            <a:t>Unique()</a:t>
+          </a:r>
+          <a:endParaRPr lang="en-US" sz="2200" kern="1200"/>
+        </a:p>
+      </dsp:txBody>
+      <dsp:txXfrm>
+        <a:off x="25759" y="1820319"/>
+        <a:ext cx="6462085" cy="476152"/>
+      </dsp:txXfrm>
+    </dsp:sp>
+    <dsp:sp modelId="{73CC6E22-C909-2340-B1C3-FEB2A9825EA7}">
+      <dsp:nvSpPr>
+        <dsp:cNvPr id="0" name=""/>
+        <dsp:cNvSpPr/>
+      </dsp:nvSpPr>
+      <dsp:spPr>
+        <a:xfrm>
+          <a:off x="0" y="2322230"/>
+          <a:ext cx="6513603" cy="535095"/>
+        </a:xfrm>
+        <a:prstGeom prst="rect">
+          <a:avLst/>
+        </a:prstGeom>
+        <a:noFill/>
+        <a:ln>
+          <a:noFill/>
+        </a:ln>
+        <a:effectLst/>
+      </dsp:spPr>
+      <dsp:style>
+        <a:lnRef idx="0">
+          <a:scrgbClr r="0" g="0" b="0"/>
+        </a:lnRef>
+        <a:fillRef idx="0">
+          <a:scrgbClr r="0" g="0" b="0"/>
+        </a:fillRef>
+        <a:effectRef idx="0">
+          <a:scrgbClr r="0" g="0" b="0"/>
+        </a:effectRef>
+        <a:fontRef idx="minor"/>
+      </dsp:style>
+      <dsp:txBody>
+        <a:bodyPr spcFirstLastPara="0" vert="horz" wrap="square" lIns="206807" tIns="27940" rIns="156464" bIns="27940" numCol="1" spcCol="1270" anchor="t" anchorCtr="0">
+          <a:noAutofit/>
+        </a:bodyPr>
+        <a:lstStyle/>
+        <a:p>
+          <a:pPr marL="171450" lvl="1" indent="-171450" algn="l" defTabSz="755650">
+            <a:lnSpc>
+              <a:spcPct val="90000"/>
+            </a:lnSpc>
+            <a:spcBef>
+              <a:spcPct val="0"/>
+            </a:spcBef>
+            <a:spcAft>
+              <a:spcPct val="20000"/>
+            </a:spcAft>
+            <a:buChar char="•"/>
+          </a:pPr>
+          <a:r>
+            <a:rPr lang="en-AU" sz="1700" kern="1200"/>
+            <a:t>Gets unique values from variable – good for checking participants or factors in large datasets</a:t>
+          </a:r>
+          <a:endParaRPr lang="en-US" sz="1700" kern="1200"/>
+        </a:p>
+      </dsp:txBody>
+      <dsp:txXfrm>
+        <a:off x="0" y="2322230"/>
+        <a:ext cx="6513603" cy="535095"/>
+      </dsp:txXfrm>
+    </dsp:sp>
+    <dsp:sp modelId="{F914D0E9-564D-1246-89D0-3FE8BCA8279B}">
+      <dsp:nvSpPr>
+        <dsp:cNvPr id="0" name=""/>
+        <dsp:cNvSpPr/>
+      </dsp:nvSpPr>
+      <dsp:spPr>
+        <a:xfrm>
+          <a:off x="0" y="2857325"/>
+          <a:ext cx="6513603" cy="527670"/>
+        </a:xfrm>
+        <a:prstGeom prst="roundRect">
+          <a:avLst/>
+        </a:prstGeom>
+        <a:solidFill>
+          <a:schemeClr val="accent5">
+            <a:hueOff val="-4055126"/>
+            <a:satOff val="-10451"/>
+            <a:lumOff val="-7059"/>
+            <a:alphaOff val="0"/>
+          </a:schemeClr>
+        </a:solidFill>
+        <a:ln w="12700" cap="flat" cmpd="sng" algn="ctr">
+          <a:solidFill>
+            <a:schemeClr val="lt1">
+              <a:hueOff val="0"/>
+              <a:satOff val="0"/>
+              <a:lumOff val="0"/>
+              <a:alphaOff val="0"/>
+            </a:schemeClr>
+          </a:solidFill>
+          <a:prstDash val="solid"/>
+          <a:miter lim="800000"/>
+        </a:ln>
+        <a:effectLst/>
+      </dsp:spPr>
+      <dsp:style>
+        <a:lnRef idx="2">
+          <a:scrgbClr r="0" g="0" b="0"/>
+        </a:lnRef>
+        <a:fillRef idx="1">
+          <a:scrgbClr r="0" g="0" b="0"/>
+        </a:fillRef>
+        <a:effectRef idx="0">
+          <a:scrgbClr r="0" g="0" b="0"/>
+        </a:effectRef>
+        <a:fontRef idx="minor">
+          <a:schemeClr val="lt1"/>
+        </a:fontRef>
+      </dsp:style>
+      <dsp:txBody>
+        <a:bodyPr spcFirstLastPara="0" vert="horz" wrap="square" lIns="83820" tIns="83820" rIns="83820" bIns="83820" numCol="1" spcCol="1270" anchor="ctr" anchorCtr="0">
+          <a:noAutofit/>
+        </a:bodyPr>
+        <a:lstStyle/>
+        <a:p>
+          <a:pPr marL="0" lvl="0" indent="0" algn="l" defTabSz="977900">
+            <a:lnSpc>
+              <a:spcPct val="90000"/>
+            </a:lnSpc>
+            <a:spcBef>
+              <a:spcPct val="0"/>
+            </a:spcBef>
+            <a:spcAft>
+              <a:spcPct val="35000"/>
+            </a:spcAft>
+            <a:buNone/>
+          </a:pPr>
+          <a:r>
+            <a:rPr lang="en-AU" sz="2200" kern="1200"/>
+            <a:t>Length() and dim()</a:t>
+          </a:r>
+          <a:endParaRPr lang="en-US" sz="2200" kern="1200"/>
+        </a:p>
+      </dsp:txBody>
+      <dsp:txXfrm>
+        <a:off x="25759" y="2883084"/>
+        <a:ext cx="6462085" cy="476152"/>
+      </dsp:txXfrm>
+    </dsp:sp>
+    <dsp:sp modelId="{BA1F524B-575A-F74C-8BCC-44D3D244B97E}">
+      <dsp:nvSpPr>
+        <dsp:cNvPr id="0" name=""/>
+        <dsp:cNvSpPr/>
+      </dsp:nvSpPr>
+      <dsp:spPr>
+        <a:xfrm>
+          <a:off x="0" y="3384995"/>
+          <a:ext cx="6513603" cy="535095"/>
+        </a:xfrm>
+        <a:prstGeom prst="rect">
+          <a:avLst/>
+        </a:prstGeom>
+        <a:noFill/>
+        <a:ln>
+          <a:noFill/>
+        </a:ln>
+        <a:effectLst/>
+      </dsp:spPr>
+      <dsp:style>
+        <a:lnRef idx="0">
+          <a:scrgbClr r="0" g="0" b="0"/>
+        </a:lnRef>
+        <a:fillRef idx="0">
+          <a:scrgbClr r="0" g="0" b="0"/>
+        </a:fillRef>
+        <a:effectRef idx="0">
+          <a:scrgbClr r="0" g="0" b="0"/>
+        </a:effectRef>
+        <a:fontRef idx="minor"/>
+      </dsp:style>
+      <dsp:txBody>
+        <a:bodyPr spcFirstLastPara="0" vert="horz" wrap="square" lIns="206807" tIns="27940" rIns="156464" bIns="27940" numCol="1" spcCol="1270" anchor="t" anchorCtr="0">
+          <a:noAutofit/>
+        </a:bodyPr>
+        <a:lstStyle/>
+        <a:p>
+          <a:pPr marL="171450" lvl="1" indent="-171450" algn="l" defTabSz="755650">
+            <a:lnSpc>
+              <a:spcPct val="90000"/>
+            </a:lnSpc>
+            <a:spcBef>
+              <a:spcPct val="0"/>
+            </a:spcBef>
+            <a:spcAft>
+              <a:spcPct val="20000"/>
+            </a:spcAft>
+            <a:buChar char="•"/>
+          </a:pPr>
+          <a:r>
+            <a:rPr lang="en-AU" sz="1700" kern="1200"/>
+            <a:t>Shows you size of variable – good for troubleshooting – check if right number of trials/participants or whatever are there</a:t>
+          </a:r>
+          <a:endParaRPr lang="en-US" sz="1700" kern="1200"/>
+        </a:p>
+      </dsp:txBody>
+      <dsp:txXfrm>
+        <a:off x="0" y="3384995"/>
+        <a:ext cx="6513603" cy="535095"/>
+      </dsp:txXfrm>
+    </dsp:sp>
+    <dsp:sp modelId="{A295B0AA-8471-D244-81FE-1A63E3FD227A}">
+      <dsp:nvSpPr>
+        <dsp:cNvPr id="0" name=""/>
+        <dsp:cNvSpPr/>
+      </dsp:nvSpPr>
+      <dsp:spPr>
+        <a:xfrm>
+          <a:off x="0" y="3920090"/>
+          <a:ext cx="6513603" cy="527670"/>
+        </a:xfrm>
+        <a:prstGeom prst="roundRect">
+          <a:avLst/>
+        </a:prstGeom>
+        <a:solidFill>
+          <a:schemeClr val="accent5">
+            <a:hueOff val="-5406834"/>
+            <a:satOff val="-13935"/>
+            <a:lumOff val="-9412"/>
+            <a:alphaOff val="0"/>
+          </a:schemeClr>
+        </a:solidFill>
+        <a:ln w="12700" cap="flat" cmpd="sng" algn="ctr">
+          <a:solidFill>
+            <a:schemeClr val="lt1">
+              <a:hueOff val="0"/>
+              <a:satOff val="0"/>
+              <a:lumOff val="0"/>
+              <a:alphaOff val="0"/>
+            </a:schemeClr>
+          </a:solidFill>
+          <a:prstDash val="solid"/>
+          <a:miter lim="800000"/>
+        </a:ln>
+        <a:effectLst/>
+      </dsp:spPr>
+      <dsp:style>
+        <a:lnRef idx="2">
+          <a:scrgbClr r="0" g="0" b="0"/>
+        </a:lnRef>
+        <a:fillRef idx="1">
+          <a:scrgbClr r="0" g="0" b="0"/>
+        </a:fillRef>
+        <a:effectRef idx="0">
+          <a:scrgbClr r="0" g="0" b="0"/>
+        </a:effectRef>
+        <a:fontRef idx="minor">
+          <a:schemeClr val="lt1"/>
+        </a:fontRef>
+      </dsp:style>
+      <dsp:txBody>
+        <a:bodyPr spcFirstLastPara="0" vert="horz" wrap="square" lIns="83820" tIns="83820" rIns="83820" bIns="83820" numCol="1" spcCol="1270" anchor="ctr" anchorCtr="0">
+          <a:noAutofit/>
+        </a:bodyPr>
+        <a:lstStyle/>
+        <a:p>
+          <a:pPr marL="0" lvl="0" indent="0" algn="l" defTabSz="977900">
+            <a:lnSpc>
+              <a:spcPct val="90000"/>
+            </a:lnSpc>
+            <a:spcBef>
+              <a:spcPct val="0"/>
+            </a:spcBef>
+            <a:spcAft>
+              <a:spcPct val="35000"/>
+            </a:spcAft>
+            <a:buNone/>
+          </a:pPr>
+          <a:r>
+            <a:rPr lang="en-AU" sz="2200" kern="1200"/>
+            <a:t>Subset()</a:t>
+          </a:r>
+          <a:endParaRPr lang="en-US" sz="2200" kern="1200"/>
+        </a:p>
+      </dsp:txBody>
+      <dsp:txXfrm>
+        <a:off x="25759" y="3945849"/>
+        <a:ext cx="6462085" cy="476152"/>
+      </dsp:txXfrm>
+    </dsp:sp>
+    <dsp:sp modelId="{DF700B83-9D7A-2146-BB98-1879C0B10EDA}">
+      <dsp:nvSpPr>
+        <dsp:cNvPr id="0" name=""/>
+        <dsp:cNvSpPr/>
+      </dsp:nvSpPr>
+      <dsp:spPr>
+        <a:xfrm>
+          <a:off x="0" y="4447760"/>
+          <a:ext cx="6513603" cy="535095"/>
+        </a:xfrm>
+        <a:prstGeom prst="rect">
+          <a:avLst/>
+        </a:prstGeom>
+        <a:noFill/>
+        <a:ln>
+          <a:noFill/>
+        </a:ln>
+        <a:effectLst/>
+      </dsp:spPr>
+      <dsp:style>
+        <a:lnRef idx="0">
+          <a:scrgbClr r="0" g="0" b="0"/>
+        </a:lnRef>
+        <a:fillRef idx="0">
+          <a:scrgbClr r="0" g="0" b="0"/>
+        </a:fillRef>
+        <a:effectRef idx="0">
+          <a:scrgbClr r="0" g="0" b="0"/>
+        </a:effectRef>
+        <a:fontRef idx="minor"/>
+      </dsp:style>
+      <dsp:txBody>
+        <a:bodyPr spcFirstLastPara="0" vert="horz" wrap="square" lIns="206807" tIns="27940" rIns="156464" bIns="27940" numCol="1" spcCol="1270" anchor="t" anchorCtr="0">
+          <a:noAutofit/>
+        </a:bodyPr>
+        <a:lstStyle/>
+        <a:p>
+          <a:pPr marL="171450" lvl="1" indent="-171450" algn="l" defTabSz="755650">
+            <a:lnSpc>
+              <a:spcPct val="90000"/>
+            </a:lnSpc>
+            <a:spcBef>
+              <a:spcPct val="0"/>
+            </a:spcBef>
+            <a:spcAft>
+              <a:spcPct val="20000"/>
+            </a:spcAft>
+            <a:buChar char="•"/>
+          </a:pPr>
+          <a:r>
+            <a:rPr lang="en-AU" sz="1700" kern="1200"/>
+            <a:t>Extract a smaller part of bigger dataset – good for follow-up analyses (e.g. only want to analyse a certain condition of the data).</a:t>
+          </a:r>
+          <a:endParaRPr lang="en-US" sz="1700" kern="1200"/>
+        </a:p>
+      </dsp:txBody>
+      <dsp:txXfrm>
+        <a:off x="0" y="4447760"/>
+        <a:ext cx="6513603" cy="535095"/>
+      </dsp:txXfrm>
+    </dsp:sp>
+    <dsp:sp modelId="{F4E6F849-D78A-7347-9792-C274A40BF37B}">
+      <dsp:nvSpPr>
+        <dsp:cNvPr id="0" name=""/>
+        <dsp:cNvSpPr/>
+      </dsp:nvSpPr>
+      <dsp:spPr>
+        <a:xfrm>
+          <a:off x="0" y="4982855"/>
+          <a:ext cx="6513603" cy="527670"/>
+        </a:xfrm>
+        <a:prstGeom prst="roundRect">
+          <a:avLst/>
+        </a:prstGeom>
+        <a:solidFill>
+          <a:schemeClr val="accent5">
+            <a:hueOff val="-6758543"/>
+            <a:satOff val="-17419"/>
+            <a:lumOff val="-11765"/>
+            <a:alphaOff val="0"/>
+          </a:schemeClr>
+        </a:solidFill>
+        <a:ln w="12700" cap="flat" cmpd="sng" algn="ctr">
+          <a:solidFill>
+            <a:schemeClr val="lt1">
+              <a:hueOff val="0"/>
+              <a:satOff val="0"/>
+              <a:lumOff val="0"/>
+              <a:alphaOff val="0"/>
+            </a:schemeClr>
+          </a:solidFill>
+          <a:prstDash val="solid"/>
+          <a:miter lim="800000"/>
+        </a:ln>
+        <a:effectLst/>
+      </dsp:spPr>
+      <dsp:style>
+        <a:lnRef idx="2">
+          <a:scrgbClr r="0" g="0" b="0"/>
+        </a:lnRef>
+        <a:fillRef idx="1">
+          <a:scrgbClr r="0" g="0" b="0"/>
+        </a:fillRef>
+        <a:effectRef idx="0">
+          <a:scrgbClr r="0" g="0" b="0"/>
+        </a:effectRef>
+        <a:fontRef idx="minor">
+          <a:schemeClr val="lt1"/>
+        </a:fontRef>
+      </dsp:style>
+      <dsp:txBody>
+        <a:bodyPr spcFirstLastPara="0" vert="horz" wrap="square" lIns="83820" tIns="83820" rIns="83820" bIns="83820" numCol="1" spcCol="1270" anchor="ctr" anchorCtr="0">
+          <a:noAutofit/>
+        </a:bodyPr>
+        <a:lstStyle/>
+        <a:p>
+          <a:pPr marL="0" lvl="0" indent="0" algn="l" defTabSz="977900">
+            <a:lnSpc>
+              <a:spcPct val="90000"/>
+            </a:lnSpc>
+            <a:spcBef>
+              <a:spcPct val="0"/>
+            </a:spcBef>
+            <a:spcAft>
+              <a:spcPct val="35000"/>
+            </a:spcAft>
+            <a:buNone/>
+          </a:pPr>
+          <a:r>
+            <a:rPr lang="en-AU" sz="2200" kern="1200"/>
+            <a:t>Aggregate()</a:t>
+          </a:r>
+          <a:endParaRPr lang="en-US" sz="2200" kern="1200"/>
+        </a:p>
+      </dsp:txBody>
+      <dsp:txXfrm>
+        <a:off x="25759" y="5008614"/>
+        <a:ext cx="6462085" cy="476152"/>
+      </dsp:txXfrm>
+    </dsp:sp>
+    <dsp:sp modelId="{1EE5DA03-7F24-BE48-8853-19F83B52FE61}">
+      <dsp:nvSpPr>
+        <dsp:cNvPr id="0" name=""/>
+        <dsp:cNvSpPr/>
+      </dsp:nvSpPr>
+      <dsp:spPr>
+        <a:xfrm>
+          <a:off x="0" y="5510525"/>
+          <a:ext cx="6513603" cy="364320"/>
+        </a:xfrm>
+        <a:prstGeom prst="rect">
+          <a:avLst/>
+        </a:prstGeom>
+        <a:noFill/>
+        <a:ln>
+          <a:noFill/>
+        </a:ln>
+        <a:effectLst/>
+      </dsp:spPr>
+      <dsp:style>
+        <a:lnRef idx="0">
+          <a:scrgbClr r="0" g="0" b="0"/>
+        </a:lnRef>
+        <a:fillRef idx="0">
+          <a:scrgbClr r="0" g="0" b="0"/>
+        </a:fillRef>
+        <a:effectRef idx="0">
+          <a:scrgbClr r="0" g="0" b="0"/>
+        </a:effectRef>
+        <a:fontRef idx="minor"/>
+      </dsp:style>
+      <dsp:txBody>
+        <a:bodyPr spcFirstLastPara="0" vert="horz" wrap="square" lIns="206807" tIns="27940" rIns="156464" bIns="27940" numCol="1" spcCol="1270" anchor="t" anchorCtr="0">
+          <a:noAutofit/>
+        </a:bodyPr>
+        <a:lstStyle/>
+        <a:p>
+          <a:pPr marL="171450" lvl="1" indent="-171450" algn="l" defTabSz="755650">
+            <a:lnSpc>
+              <a:spcPct val="90000"/>
+            </a:lnSpc>
+            <a:spcBef>
+              <a:spcPct val="0"/>
+            </a:spcBef>
+            <a:spcAft>
+              <a:spcPct val="20000"/>
+            </a:spcAft>
+            <a:buChar char="•"/>
+          </a:pPr>
+          <a:r>
+            <a:rPr lang="en-AU" sz="1700" kern="1200"/>
+            <a:t>Can use to calculate mean values per participant and condition.</a:t>
+          </a:r>
+          <a:endParaRPr lang="en-US" sz="1700" kern="1200"/>
+        </a:p>
+      </dsp:txBody>
+      <dsp:txXfrm>
+        <a:off x="0" y="5510525"/>
+        <a:ext cx="6513603" cy="364320"/>
+      </dsp:txXfrm>
+    </dsp:sp>
+  </dsp:spTree>
+</dsp:drawing>
+</file>
+
+<file path=ppt/diagrams/layout1.xml><?xml version="1.0" encoding="utf-8"?>
+<dgm:layoutDef xmlns:dgm="http://schemas.openxmlformats.org/drawingml/2006/diagram" xmlns:a="http://schemas.openxmlformats.org/drawingml/2006/main" uniqueId="urn:microsoft.com/office/officeart/2005/8/layout/vList2">
+  <dgm:title val=""/>
+  <dgm:desc val=""/>
+  <dgm:catLst>
+    <dgm:cat type="list" pri="3000"/>
+    <dgm:cat type="convert" pri="1000"/>
+  </dgm:catLst>
+  <dgm:sampData>
+    <dgm:dataModel>
+      <dgm:ptLst>
+        <dgm:pt modelId="0" type="doc"/>
+        <dgm:pt modelId="1">
+          <dgm:prSet phldr="1"/>
+        </dgm:pt>
+        <dgm:pt modelId="11">
+          <dgm:prSet phldr="1"/>
+        </dgm:pt>
+        <dgm:pt modelId="2">
+          <dgm:prSet phldr="1"/>
+        </dgm:pt>
+        <dgm:pt modelId="21">
+          <dgm:prSet phldr="1"/>
+        </dgm:pt>
+      </dgm:ptLst>
+      <dgm:cxnLst>
+        <dgm:cxn modelId="4" srcId="0" destId="1" srcOrd="0" destOrd="0"/>
+        <dgm:cxn modelId="5" srcId="0" destId="2" srcOrd="1" destOrd="0"/>
+        <dgm:cxn modelId="12" srcId="1" destId="11" srcOrd="0" destOrd="0"/>
+        <dgm:cxn modelId="23" srcId="2" destId="21" srcOrd="0" destOrd="0"/>
+      </dgm:cxnLst>
+      <dgm:bg/>
+      <dgm:whole/>
+    </dgm:dataModel>
+  </dgm:sampData>
+  <dgm:styleData>
+    <dgm:dataModel>
+      <dgm:ptLst>
+        <dgm:pt modelId="0" type="doc"/>
+        <dgm:pt modelId="1"/>
+        <dgm:pt modelId="2"/>
+      </dgm:ptLst>
+      <dgm:cxnLst>
+        <dgm:cxn modelId="3" srcId="0" destId="1" srcOrd="0" destOrd="0"/>
+        <dgm:cxn modelId="4" srcId="0" destId="2" srcOrd="1" destOrd="0"/>
+      </dgm:cxnLst>
+      <dgm:bg/>
+      <dgm:whole/>
+    </dgm:dataModel>
+  </dgm:styleData>
+  <dgm:clrData>
+    <dgm:dataModel>
+      <dgm:ptLst>
+        <dgm:pt modelId="0" type="doc"/>
+        <dgm:pt modelId="1"/>
+        <dgm:pt modelId="2"/>
+        <dgm:pt modelId="3"/>
+        <dgm:pt modelId="4"/>
+      </dgm:ptLst>
+      <dgm:cxnLst>
+        <dgm:cxn modelId="5" srcId="0" destId="1" srcOrd="0" destOrd="0"/>
+        <dgm:cxn modelId="6" srcId="0" destId="2" srcOrd="1" destOrd="0"/>
+        <dgm:cxn modelId="7" srcId="0" destId="3" srcOrd="2" destOrd="0"/>
+        <dgm:cxn modelId="8" srcId="0" destId="4" srcOrd="3" destOrd="0"/>
+      </dgm:cxnLst>
+      <dgm:bg/>
+      <dgm:whole/>
+    </dgm:dataModel>
+  </dgm:clrData>
+  <dgm:layoutNode name="linear">
+    <dgm:varLst>
+      <dgm:animLvl val="lvl"/>
+      <dgm:resizeHandles val="exact"/>
+    </dgm:varLst>
+    <dgm:alg type="lin">
+      <dgm:param type="linDir" val="fromT"/>
+      <dgm:param type="vertAlign" val="mid"/>
+    </dgm:alg>
+    <dgm:shape xmlns:r="http://schemas.openxmlformats.org/officeDocument/2006/relationships" r:blip="">
+      <dgm:adjLst/>
+    </dgm:shape>
+    <dgm:presOf/>
+    <dgm:constrLst>
+      <dgm:constr type="w" for="ch" forName="parentText" refType="w"/>
+      <dgm:constr type="h" for="ch" forName="parentText" refType="primFontSz" refFor="ch" refForName="parentText" fact="0.52"/>
+      <dgm:constr type="w" for="ch" forName="childText" refType="w"/>
+      <dgm:constr type="h" for="ch" forName="childText" refType="primFontSz" refFor="ch" refForName="parentText" fact="0.46"/>
+      <dgm:constr type="h" for="ch" forName="parentText" op="equ"/>
+      <dgm:constr type="primFontSz" for="ch" forName="parentText" op="equ" val="65"/>
+      <dgm:constr type="primFontSz" for="ch" forName="childText" refType="primFontSz" refFor="ch" refForName="parentText" op="equ"/>
+      <dgm:constr type="h" for="ch" forName="spacer" refType="primFontSz" refFor="ch" refForName="parentText" fact="0.08"/>
+    </dgm:constrLst>
+    <dgm:ruleLst>
+      <dgm:rule type="primFontSz" for="ch" forName="parentText" val="5" fact="NaN" max="NaN"/>
+    </dgm:ruleLst>
+    <dgm:forEach name="Name0" axis="ch" ptType="node">
+      <dgm:layoutNode name="parentText" styleLbl="node1">
+        <dgm:varLst>
+          <dgm:chMax val="0"/>
+          <dgm:bulletEnabled val="1"/>
+        </dgm:varLst>
+        <dgm:alg type="tx">
+          <dgm:param type="parTxLTRAlign" val="l"/>
+          <dgm:param type="parTxRTLAlign" val="r"/>
+        </dgm:alg>
+        <dgm:shape xmlns:r="http://schemas.openxmlformats.org/officeDocument/2006/relationships" type="roundRect" r:blip="">
+          <dgm:adjLst/>
+        </dgm:shape>
+        <dgm:presOf axis="self"/>
+        <dgm:constrLst>
+          <dgm:constr type="tMarg" refType="primFontSz" fact="0.3"/>
+          <dgm:constr type="bMarg" refType="primFontSz" fact="0.3"/>
+          <dgm:constr type="lMarg" refType="primFontSz" fact="0.3"/>
+          <dgm:constr type="rMarg" refType="primFontSz" fact="0.3"/>
+        </dgm:constrLst>
+        <dgm:ruleLst>
+          <dgm:rule type="h" val="INF" fact="NaN" max="NaN"/>
+        </dgm:ruleLst>
+      </dgm:layoutNode>
+      <dgm:choose name="Name1">
+        <dgm:if name="Name2" axis="ch" ptType="node" func="cnt" op="gte" val="1">
+          <dgm:layoutNode name="childText" styleLbl="revTx">
+            <dgm:varLst>
+              <dgm:bulletEnabled val="1"/>
+            </dgm:varLst>
+            <dgm:alg type="tx">
+              <dgm:param type="stBulletLvl" val="1"/>
+              <dgm:param type="lnSpAfChP" val="20"/>
+            </dgm:alg>
+            <dgm:shape xmlns:r="http://schemas.openxmlformats.org/officeDocument/2006/relationships" type="rect" r:blip="">
+              <dgm:adjLst/>
+            </dgm:shape>
+            <dgm:presOf axis="des" ptType="node"/>
+            <dgm:constrLst>
+              <dgm:constr type="tMarg" refType="primFontSz" fact="0.1"/>
+              <dgm:constr type="bMarg" refType="primFontSz" fact="0.1"/>
+              <dgm:constr type="lMarg" refType="w" fact="0.09"/>
+            </dgm:constrLst>
+            <dgm:ruleLst>
+              <dgm:rule type="h" val="INF" fact="NaN" max="NaN"/>
+            </dgm:ruleLst>
+          </dgm:layoutNode>
+        </dgm:if>
+        <dgm:else name="Name3">
+          <dgm:choose name="Name4">
+            <dgm:if name="Name5" axis="par ch" ptType="doc node" func="cnt" op="gte" val="2">
+              <dgm:forEach name="Name6" axis="followSib" ptType="sibTrans" cnt="1">
+                <dgm:layoutNode name="spacer">
+                  <dgm:alg type="sp"/>
+                  <dgm:shape xmlns:r="http://schemas.openxmlformats.org/officeDocument/2006/relationships" r:blip="">
+                    <dgm:adjLst/>
+                  </dgm:shape>
+                  <dgm:presOf/>
+                  <dgm:constrLst/>
+                  <dgm:ruleLst/>
+                </dgm:layoutNode>
+              </dgm:forEach>
+            </dgm:if>
+            <dgm:else name="Name7"/>
+          </dgm:choose>
+        </dgm:else>
+      </dgm:choose>
+    </dgm:forEach>
+  </dgm:layoutNode>
+</dgm:layoutDef>
+</file>
+
+<file path=ppt/diagrams/quickStyle1.xml><?xml version="1.0" encoding="utf-8"?>
+<dgm:styleDef xmlns:dgm="http://schemas.openxmlformats.org/drawingml/2006/diagram" xmlns:a="http://schemas.openxmlformats.org/drawingml/2006/main" uniqueId="urn:microsoft.com/office/officeart/2005/8/quickstyle/simple1">
+  <dgm:title val=""/>
+  <dgm:desc val=""/>
+  <dgm:catLst>
+    <dgm:cat type="simple" pri="10100"/>
+  </dgm:catLst>
+  <dgm:scene3d>
+    <a:camera prst="orthographicFront"/>
+    <a:lightRig rig="threePt" dir="t"/>
+  </dgm:scene3d>
+  <dgm:styleLbl name="node0">
+    <dgm:scene3d>
+      <a:camera prst="orthographicFront"/>
+      <a:lightRig rig="threePt" dir="t"/>
+    </dgm:scene3d>
+    <dgm:sp3d/>
+    <dgm:txPr/>
+    <dgm:style>
+      <a:lnRef idx="2">
+        <a:scrgbClr r="0" g="0" b="0"/>
+      </a:lnRef>
+      <a:fillRef idx="1">
+        <a:scrgbClr r="0" g="0" b="0"/>
+      </a:fillRef>
+      <a:effectRef idx="0">
+        <a:scrgbClr r="0" g="0" b="0"/>
+      </a:effectRef>
+      <a:fontRef idx="minor">
+        <a:schemeClr val="lt1"/>
+      </a:fontRef>
+    </dgm:style>
+  </dgm:styleLbl>
+  <dgm:styleLbl name="lnNode1">
+    <dgm:scene3d>
+      <a:camera prst="orthographicFront"/>
+      <a:lightRig rig="threePt" dir="t"/>
+    </dgm:scene3d>
+    <dgm:sp3d/>
+    <dgm:txPr/>
+    <dgm:style>
+      <a:lnRef idx="2">
+        <a:scrgbClr r="0" g="0" b="0"/>
+      </a:lnRef>
+      <a:fillRef idx="1">
+        <a:scrgbClr r="0" g="0" b="0"/>
+      </a:fillRef>
+      <a:effectRef idx="0">
+        <a:scrgbClr r="0" g="0" b="0"/>
+      </a:effectRef>
+      <a:fontRef idx="minor">
+        <a:schemeClr val="lt1"/>
+      </a:fontRef>
+    </dgm:style>
+  </dgm:styleLbl>
+  <dgm:styleLbl name="vennNode1">
+    <dgm:scene3d>
+      <a:camera prst="orthographicFront"/>
+      <a:lightRig rig="threePt" dir="t"/>
+    </dgm:scene3d>
+    <dgm:sp3d/>
+    <dgm:txPr/>
+    <dgm:style>
+      <a:lnRef idx="2">
+        <a:scrgbClr r="0" g="0" b="0"/>
+      </a:lnRef>
+      <a:fillRef idx="1">
+        <a:scrgbClr r="0" g="0" b="0"/>
+      </a:fillRef>
+      <a:effectRef idx="0">
+        <a:scrgbClr r="0" g="0" b="0"/>
+      </a:effectRef>
+      <a:fontRef idx="minor">
+        <a:schemeClr val="tx1"/>
+      </a:fontRef>
+    </dgm:style>
+  </dgm:styleLbl>
+  <dgm:styleLbl name="alignNode1">
+    <dgm:scene3d>
+      <a:camera prst="orthographicFront"/>
+      <a:lightRig rig="threePt" dir="t"/>
+    </dgm:scene3d>
+    <dgm:sp3d/>
+    <dgm:txPr/>
+    <dgm:style>
+      <a:lnRef idx="2">
+        <a:scrgbClr r="0" g="0" b="0"/>
+      </a:lnRef>
+      <a:fillRef idx="1">
+        <a:scrgbClr r="0" g="0" b="0"/>
+      </a:fillRef>
+      <a:effectRef idx="0">
+        <a:scrgbClr r="0" g="0" b="0"/>
+      </a:effectRef>
+      <a:fontRef idx="minor">
+        <a:schemeClr val="lt1"/>
+      </a:fontRef>
+    </dgm:style>
+  </dgm:styleLbl>
+  <dgm:styleLbl name="node1">
+    <dgm:scene3d>
+      <a:camera prst="orthographicFront"/>
+      <a:lightRig rig="threePt" dir="t"/>
+    </dgm:scene3d>
+    <dgm:sp3d/>
+    <dgm:txPr/>
+    <dgm:style>
+      <a:lnRef idx="2">
+        <a:scrgbClr r="0" g="0" b="0"/>
+      </a:lnRef>
+      <a:fillRef idx="1">
+        <a:scrgbClr r="0" g="0" b="0"/>
+      </a:fillRef>
+      <a:effectRef idx="0">
+        <a:scrgbClr r="0" g="0" b="0"/>
+      </a:effectRef>
+      <a:fontRef idx="minor">
+        <a:schemeClr val="lt1"/>
+      </a:fontRef>
+    </dgm:style>
+  </dgm:styleLbl>
+  <dgm:styleLbl name="node2">
+    <dgm:scene3d>
+      <a:camera prst="orthographicFront"/>
+      <a:lightRig rig="threePt" dir="t"/>
+    </dgm:scene3d>
+    <dgm:sp3d/>
+    <dgm:txPr/>
+    <dgm:style>
+      <a:lnRef idx="2">
+        <a:scrgbClr r="0" g="0" b="0"/>
+      </a:lnRef>
+      <a:fillRef idx="1">
+        <a:scrgbClr r="0" g="0" b="0"/>
+      </a:fillRef>
+      <a:effectRef idx="0">
+        <a:scrgbClr r="0" g="0" b="0"/>
+      </a:effectRef>
+      <a:fontRef idx="minor">
+        <a:schemeClr val="lt1"/>
+      </a:fontRef>
+    </dgm:style>
+  </dgm:styleLbl>
+  <dgm:styleLbl name="node3">
+    <dgm:scene3d>
+      <a:camera prst="orthographicFront"/>
+      <a:lightRig rig="threePt" dir="t"/>
+    </dgm:scene3d>
+    <dgm:sp3d/>
+    <dgm:txPr/>
+    <dgm:style>
+      <a:lnRef idx="2">
+        <a:scrgbClr r="0" g="0" b="0"/>
+      </a:lnRef>
+      <a:fillRef idx="1">
+        <a:scrgbClr r="0" g="0" b="0"/>
+      </a:fillRef>
+      <a:effectRef idx="0">
+        <a:scrgbClr r="0" g="0" b="0"/>
+      </a:effectRef>
+      <a:fontRef idx="minor">
+        <a:schemeClr val="lt1"/>
+      </a:fontRef>
+    </dgm:style>
+  </dgm:styleLbl>
+  <dgm:styleLbl name="node4">
+    <dgm:scene3d>
+      <a:camera prst="orthographicFront"/>
+      <a:lightRig rig="threePt" dir="t"/>
+    </dgm:scene3d>
+    <dgm:sp3d/>
+    <dgm:txPr/>
+    <dgm:style>
+      <a:lnRef idx="2">
+        <a:scrgbClr r="0" g="0" b="0"/>
+      </a:lnRef>
+      <a:fillRef idx="1">
+        <a:scrgbClr r="0" g="0" b="0"/>
+      </a:fillRef>
+      <a:effectRef idx="0">
+        <a:scrgbClr r="0" g="0" b="0"/>
+      </a:effectRef>
+      <a:fontRef idx="minor">
+        <a:schemeClr val="lt1"/>
+      </a:fontRef>
+    </dgm:style>
+  </dgm:styleLbl>
+  <dgm:styleLbl name="fgImgPlace1">
+    <dgm:scene3d>
+      <a:camera prst="orthographicFront"/>
+      <a:lightRig rig="threePt" dir="t"/>
+    </dgm:scene3d>
+    <dgm:sp3d/>
+    <dgm:txPr/>
+    <dgm:style>
+      <a:lnRef idx="2">
+        <a:scrgbClr r="0" g="0" b="0"/>
+      </a:lnRef>
+      <a:fillRef idx="1">
+        <a:scrgbClr r="0" g="0" b="0"/>
+      </a:fillRef>
+      <a:effectRef idx="0">
+        <a:scrgbClr r="0" g="0" b="0"/>
+      </a:effectRef>
+      <a:fontRef idx="minor"/>
+    </dgm:style>
+  </dgm:styleLbl>
+  <dgm:styleLbl name="alignImgPlace1">
+    <dgm:scene3d>
+      <a:camera prst="orthographicFront"/>
+      <a:lightRig rig="threePt" dir="t"/>
+    </dgm:scene3d>
+    <dgm:sp3d/>
+    <dgm:txPr/>
+    <dgm:style>
+      <a:lnRef idx="2">
+        <a:scrgbClr r="0" g="0" b="0"/>
+      </a:lnRef>
+      <a:fillRef idx="1">
+        <a:scrgbClr r="0" g="0" b="0"/>
+      </a:fillRef>
+      <a:effectRef idx="0">
+        <a:scrgbClr r="0" g="0" b="0"/>
+      </a:effectRef>
+      <a:fontRef idx="minor"/>
+    </dgm:style>
+  </dgm:styleLbl>
+  <dgm:styleLbl name="bgImgPlace1">
+    <dgm:scene3d>
+      <a:camera prst="orthographicFront"/>
+      <a:lightRig rig="threePt" dir="t"/>
+    </dgm:scene3d>
+    <dgm:sp3d/>
+    <dgm:txPr/>
+    <dgm:style>
+      <a:lnRef idx="2">
+        <a:scrgbClr r="0" g="0" b="0"/>
+      </a:lnRef>
+      <a:fillRef idx="1">
+        <a:scrgbClr r="0" g="0" b="0"/>
+      </a:fillRef>
+      <a:effectRef idx="0">
+        <a:scrgbClr r="0" g="0" b="0"/>
+      </a:effectRef>
+      <a:fontRef idx="minor"/>
+    </dgm:style>
+  </dgm:styleLbl>
+  <dgm:styleLbl name="sibTrans2D1">
+    <dgm:scene3d>
+      <a:camera prst="orthographicFront"/>
+      <a:lightRig rig="threePt" dir="t"/>
+    </dgm:scene3d>
+    <dgm:sp3d/>
+    <dgm:txPr/>
+    <dgm:style>
+      <a:lnRef idx="0">
+        <a:scrgbClr r="0" g="0" b="0"/>
+      </a:lnRef>
+      <a:fillRef idx="1">
+        <a:scrgbClr r="0" g="0" b="0"/>
+      </a:fillRef>
+      <a:effectRef idx="0">
+        <a:scrgbClr r="0" g="0" b="0"/>
+      </a:effectRef>
+      <a:fontRef idx="minor">
+        <a:schemeClr val="lt1"/>
+      </a:fontRef>
+    </dgm:style>
+  </dgm:styleLbl>
+  <dgm:styleLbl name="fgSibTrans2D1">
+    <dgm:scene3d>
+      <a:camera prst="orthographicFront"/>
+      <a:lightRig rig="threePt" dir="t"/>
+    </dgm:scene3d>
+    <dgm:sp3d/>
+    <dgm:txPr/>
+    <dgm:style>
+      <a:lnRef idx="0">
+        <a:scrgbClr r="0" g="0" b="0"/>
+      </a:lnRef>
+      <a:fillRef idx="1">
+        <a:scrgbClr r="0" g="0" b="0"/>
+      </a:fillRef>
+      <a:effectRef idx="0">
+        <a:scrgbClr r="0" g="0" b="0"/>
+      </a:effectRef>
+      <a:fontRef idx="minor">
+        <a:schemeClr val="lt1"/>
+      </a:fontRef>
+    </dgm:style>
+  </dgm:styleLbl>
+  <dgm:styleLbl name="bgSibTrans2D1">
+    <dgm:scene3d>
+      <a:camera prst="orthographicFront"/>
+      <a:lightRig rig="threePt" dir="t"/>
+    </dgm:scene3d>
+    <dgm:sp3d/>
+    <dgm:txPr/>
+    <dgm:style>
+      <a:lnRef idx="0">
+        <a:scrgbClr r="0" g="0" b="0"/>
+      </a:lnRef>
+      <a:fillRef idx="1">
+        <a:scrgbClr r="0" g="0" b="0"/>
+      </a:fillRef>
+      <a:effectRef idx="0">
+        <a:scrgbClr r="0" g="0" b="0"/>
+      </a:effectRef>
+      <a:fontRef idx="minor">
+        <a:schemeClr val="lt1"/>
+      </a:fontRef>
+    </dgm:style>
+  </dgm:styleLbl>
+  <dgm:styleLbl name="sibTrans1D1">
+    <dgm:scene3d>
+      <a:camera prst="orthographicFront"/>
+      <a:lightRig rig="threePt" dir="t"/>
+    </dgm:scene3d>
+    <dgm:sp3d/>
+    <dgm:txPr/>
+    <dgm:style>
+      <a:lnRef idx="1">
+        <a:scrgbClr r="0" g="0" b="0"/>
+      </a:lnRef>
+      <a:fillRef idx="0">
+        <a:scrgbClr r="0" g="0" b="0"/>
+      </a:fillRef>
+      <a:effectRef idx="0">
+        <a:scrgbClr r="0" g="0" b="0"/>
+      </a:effectRef>
+      <a:fontRef idx="minor"/>
+    </dgm:style>
+  </dgm:styleLbl>
+  <dgm:styleLbl name="callout">
+    <dgm:scene3d>
+      <a:camera prst="orthographicFront"/>
+      <a:lightRig rig="threePt" dir="t"/>
+    </dgm:scene3d>
+    <dgm:sp3d/>
+    <dgm:txPr/>
+    <dgm:style>
+      <a:lnRef idx="2">
+        <a:scrgbClr r="0" g="0" b="0"/>
+      </a:lnRef>
+      <a:fillRef idx="1">
+        <a:scrgbClr r="0" g="0" b="0"/>
+      </a:fillRef>
+      <a:effectRef idx="0">
+        <a:scrgbClr r="0" g="0" b="0"/>
+      </a:effectRef>
+      <a:fontRef idx="minor"/>
+    </dgm:style>
+  </dgm:styleLbl>
+  <dgm:styleLbl name="asst0">
+    <dgm:scene3d>
+      <a:camera prst="orthographicFront"/>
+      <a:lightRig rig="threePt" dir="t"/>
+    </dgm:scene3d>
+    <dgm:sp3d/>
+    <dgm:txPr/>
+    <dgm:style>
+      <a:lnRef idx="2">
+        <a:scrgbClr r="0" g="0" b="0"/>
+      </a:lnRef>
+      <a:fillRef idx="1">
+        <a:scrgbClr r="0" g="0" b="0"/>
+      </a:fillRef>
+      <a:effectRef idx="0">
+        <a:scrgbClr r="0" g="0" b="0"/>
+      </a:effectRef>
+      <a:fontRef idx="minor">
+        <a:schemeClr val="lt1"/>
+      </a:fontRef>
+    </dgm:style>
+  </dgm:styleLbl>
+  <dgm:styleLbl name="asst1">
+    <dgm:scene3d>
+      <a:camera prst="orthographicFront"/>
+      <a:lightRig rig="threePt" dir="t"/>
+    </dgm:scene3d>
+    <dgm:sp3d/>
+    <dgm:txPr/>
+    <dgm:style>
+      <a:lnRef idx="2">
+        <a:scrgbClr r="0" g="0" b="0"/>
+      </a:lnRef>
+      <a:fillRef idx="1">
+        <a:scrgbClr r="0" g="0" b="0"/>
+      </a:fillRef>
+      <a:effectRef idx="0">
+        <a:scrgbClr r="0" g="0" b="0"/>
+      </a:effectRef>
+      <a:fontRef idx="minor">
+        <a:schemeClr val="lt1"/>
+      </a:fontRef>
+    </dgm:style>
+  </dgm:styleLbl>
+  <dgm:styleLbl name="asst2">
+    <dgm:scene3d>
+      <a:camera prst="orthographicFront"/>
+      <a:lightRig rig="threePt" dir="t"/>
+    </dgm:scene3d>
+    <dgm:sp3d/>
+    <dgm:txPr/>
+    <dgm:style>
+      <a:lnRef idx="2">
+        <a:scrgbClr r="0" g="0" b="0"/>
+      </a:lnRef>
+      <a:fillRef idx="1">
+        <a:scrgbClr r="0" g="0" b="0"/>
+      </a:fillRef>
+      <a:effectRef idx="0">
+        <a:scrgbClr r="0" g="0" b="0"/>
+      </a:effectRef>
+      <a:fontRef idx="minor">
+        <a:schemeClr val="lt1"/>
+      </a:fontRef>
+    </dgm:style>
+  </dgm:styleLbl>
+  <dgm:styleLbl name="asst3">
+    <dgm:scene3d>
+      <a:camera prst="orthographicFront"/>
+      <a:lightRig rig="threePt" dir="t"/>
+    </dgm:scene3d>
+    <dgm:sp3d/>
+    <dgm:txPr/>
+    <dgm:style>
+      <a:lnRef idx="2">
+        <a:scrgbClr r="0" g="0" b="0"/>
+      </a:lnRef>
+      <a:fillRef idx="1">
+        <a:scrgbClr r="0" g="0" b="0"/>
+      </a:fillRef>
+      <a:effectRef idx="0">
+        <a:scrgbClr r="0" g="0" b="0"/>
+      </a:effectRef>
+      <a:fontRef idx="minor">
+        <a:schemeClr val="lt1"/>
+      </a:fontRef>
+    </dgm:style>
+  </dgm:styleLbl>
+  <dgm:styleLbl name="asst4">
+    <dgm:scene3d>
+      <a:camera prst="orthographicFront"/>
+      <a:lightRig rig="threePt" dir="t"/>
+    </dgm:scene3d>
+    <dgm:sp3d/>
+    <dgm:txPr/>
+    <dgm:style>
+      <a:lnRef idx="2">
+        <a:scrgbClr r="0" g="0" b="0"/>
+      </a:lnRef>
+      <a:fillRef idx="1">
+        <a:scrgbClr r="0" g="0" b="0"/>
+      </a:fillRef>
+      <a:effectRef idx="0">
+        <a:scrgbClr r="0" g="0" b="0"/>
+      </a:effectRef>
+      <a:fontRef idx="minor">
+        <a:schemeClr val="lt1"/>
+      </a:fontRef>
+    </dgm:style>
+  </dgm:styleLbl>
+  <dgm:styleLbl name="parChTrans2D1">
+    <dgm:scene3d>
+      <a:camera prst="orthographicFront"/>
+      <a:lightRig rig="threePt" dir="t"/>
+    </dgm:scene3d>
+    <dgm:sp3d/>
+    <dgm:txPr/>
+    <dgm:style>
+      <a:lnRef idx="2">
+        <a:scrgbClr r="0" g="0" b="0"/>
+      </a:lnRef>
+      <a:fillRef idx="1">
+        <a:scrgbClr r="0" g="0" b="0"/>
+      </a:fillRef>
+      <a:effectRef idx="0">
+        <a:scrgbClr r="0" g="0" b="0"/>
+      </a:effectRef>
+      <a:fontRef idx="minor">
+        <a:schemeClr val="lt1"/>
+      </a:fontRef>
+    </dgm:style>
+  </dgm:styleLbl>
+  <dgm:styleLbl name="parChTrans2D2">
+    <dgm:scene3d>
+      <a:camera prst="orthographicFront"/>
+      <a:lightRig rig="threePt" dir="t"/>
+    </dgm:scene3d>
+    <dgm:sp3d/>
+    <dgm:txPr/>
+    <dgm:style>
+      <a:lnRef idx="2">
+        <a:scrgbClr r="0" g="0" b="0"/>
+      </a:lnRef>
+      <a:fillRef idx="1">
+        <a:scrgbClr r="0" g="0" b="0"/>
+      </a:fillRef>
+      <a:effectRef idx="0">
+        <a:scrgbClr r="0" g="0" b="0"/>
+      </a:effectRef>
+      <a:fontRef idx="minor">
+        <a:schemeClr val="lt1"/>
+      </a:fontRef>
+    </dgm:style>
+  </dgm:styleLbl>
+  <dgm:styleLbl name="parChTrans2D3">
+    <dgm:scene3d>
+      <a:camera prst="orthographicFront"/>
+      <a:lightRig rig="threePt" dir="t"/>
+    </dgm:scene3d>
+    <dgm:sp3d/>
+    <dgm:txPr/>
+    <dgm:style>
+      <a:lnRef idx="2">
+        <a:scrgbClr r="0" g="0" b="0"/>
+      </a:lnRef>
+      <a:fillRef idx="1">
+        <a:scrgbClr r="0" g="0" b="0"/>
+      </a:fillRef>
+      <a:effectRef idx="0">
+        <a:scrgbClr r="0" g="0" b="0"/>
+      </a:effectRef>
+      <a:fontRef idx="minor">
+        <a:schemeClr val="lt1"/>
+      </a:fontRef>
+    </dgm:style>
+  </dgm:styleLbl>
+  <dgm:styleLbl name="parChTrans2D4">
+    <dgm:scene3d>
+      <a:camera prst="orthographicFront"/>
+      <a:lightRig rig="threePt" dir="t"/>
+    </dgm:scene3d>
+    <dgm:sp3d/>
+    <dgm:txPr/>
+    <dgm:style>
+      <a:lnRef idx="2">
+        <a:scrgbClr r="0" g="0" b="0"/>
+      </a:lnRef>
+      <a:fillRef idx="1">
+        <a:scrgbClr r="0" g="0" b="0"/>
+      </a:fillRef>
+      <a:effectRef idx="0">
+        <a:scrgbClr r="0" g="0" b="0"/>
+      </a:effectRef>
+      <a:fontRef idx="minor">
+        <a:schemeClr val="lt1"/>
+      </a:fontRef>
+    </dgm:style>
+  </dgm:styleLbl>
+  <dgm:styleLbl name="parChTrans1D1">
+    <dgm:scene3d>
+      <a:camera prst="orthographicFront"/>
+      <a:lightRig rig="threePt" dir="t"/>
+    </dgm:scene3d>
+    <dgm:sp3d/>
+    <dgm:txPr/>
+    <dgm:style>
+      <a:lnRef idx="2">
+        <a:scrgbClr r="0" g="0" b="0"/>
+      </a:lnRef>
+      <a:fillRef idx="0">
+        <a:scrgbClr r="0" g="0" b="0"/>
+      </a:fillRef>
+      <a:effectRef idx="0">
+        <a:scrgbClr r="0" g="0" b="0"/>
+      </a:effectRef>
+      <a:fontRef idx="minor"/>
+    </dgm:style>
+  </dgm:styleLbl>
+  <dgm:styleLbl name="parChTrans1D2">
+    <dgm:scene3d>
+      <a:camera prst="orthographicFront"/>
+      <a:lightRig rig="threePt" dir="t"/>
+    </dgm:scene3d>
+    <dgm:sp3d/>
+    <dgm:txPr/>
+    <dgm:style>
+      <a:lnRef idx="2">
+        <a:scrgbClr r="0" g="0" b="0"/>
+      </a:lnRef>
+      <a:fillRef idx="0">
+        <a:scrgbClr r="0" g="0" b="0"/>
+      </a:fillRef>
+      <a:effectRef idx="0">
+        <a:scrgbClr r="0" g="0" b="0"/>
+      </a:effectRef>
+      <a:fontRef idx="minor"/>
+    </dgm:style>
+  </dgm:styleLbl>
+  <dgm:styleLbl name="parChTrans1D3">
+    <dgm:scene3d>
+      <a:camera prst="orthographicFront"/>
+      <a:lightRig rig="threePt" dir="t"/>
+    </dgm:scene3d>
+    <dgm:sp3d/>
+    <dgm:txPr/>
+    <dgm:style>
+      <a:lnRef idx="2">
+        <a:scrgbClr r="0" g="0" b="0"/>
+      </a:lnRef>
+      <a:fillRef idx="0">
+        <a:scrgbClr r="0" g="0" b="0"/>
+      </a:fillRef>
+      <a:effectRef idx="0">
+        <a:scrgbClr r="0" g="0" b="0"/>
+      </a:effectRef>
+      <a:fontRef idx="minor"/>
+    </dgm:style>
+  </dgm:styleLbl>
+  <dgm:styleLbl name="parChTrans1D4">
+    <dgm:scene3d>
+      <a:camera prst="orthographicFront"/>
+      <a:lightRig rig="threePt" dir="t"/>
+    </dgm:scene3d>
+    <dgm:sp3d/>
+    <dgm:txPr/>
+    <dgm:style>
+      <a:lnRef idx="2">
+        <a:scrgbClr r="0" g="0" b="0"/>
+      </a:lnRef>
+      <a:fillRef idx="0">
+        <a:scrgbClr r="0" g="0" b="0"/>
+      </a:fillRef>
+      <a:effectRef idx="0">
+        <a:scrgbClr r="0" g="0" b="0"/>
+      </a:effectRef>
+      <a:fontRef idx="minor"/>
+    </dgm:style>
+  </dgm:styleLbl>
+  <dgm:styleLbl name="fgAcc1">
+    <dgm:scene3d>
+      <a:camera prst="orthographicFront"/>
+      <a:lightRig rig="threePt" dir="t"/>
+    </dgm:scene3d>
+    <dgm:sp3d/>
+    <dgm:txPr/>
+    <dgm:style>
+      <a:lnRef idx="2">
+        <a:scrgbClr r="0" g="0" b="0"/>
+      </a:lnRef>
+      <a:fillRef idx="1">
+        <a:scrgbClr r="0" g="0" b="0"/>
+      </a:fillRef>
+      <a:effectRef idx="0">
+        <a:scrgbClr r="0" g="0" b="0"/>
+      </a:effectRef>
+      <a:fontRef idx="minor"/>
+    </dgm:style>
+  </dgm:styleLbl>
+  <dgm:styleLbl name="conFgAcc1">
+    <dgm:scene3d>
+      <a:camera prst="orthographicFront"/>
+      <a:lightRig rig="threePt" dir="t"/>
+    </dgm:scene3d>
+    <dgm:sp3d/>
+    <dgm:txPr/>
+    <dgm:style>
+      <a:lnRef idx="2">
+        <a:scrgbClr r="0" g="0" b="0"/>
+      </a:lnRef>
+      <a:fillRef idx="1">
+        <a:scrgbClr r="0" g="0" b="0"/>
+      </a:fillRef>
+      <a:effectRef idx="0">
+        <a:scrgbClr r="0" g="0" b="0"/>
+      </a:effectRef>
+      <a:fontRef idx="minor"/>
+    </dgm:style>
+  </dgm:styleLbl>
+  <dgm:styleLbl name="alignAcc1">
+    <dgm:scene3d>
+      <a:camera prst="orthographicFront"/>
+      <a:lightRig rig="threePt" dir="t"/>
+    </dgm:scene3d>
+    <dgm:sp3d/>
+    <dgm:txPr/>
+    <dgm:style>
+      <a:lnRef idx="2">
+        <a:scrgbClr r="0" g="0" b="0"/>
+      </a:lnRef>
+      <a:fillRef idx="1">
+        <a:scrgbClr r="0" g="0" b="0"/>
+      </a:fillRef>
+      <a:effectRef idx="0">
+        <a:scrgbClr r="0" g="0" b="0"/>
+      </a:effectRef>
+      <a:fontRef idx="minor"/>
+    </dgm:style>
+  </dgm:styleLbl>
+  <dgm:styleLbl name="trAlignAcc1">
+    <dgm:scene3d>
+      <a:camera prst="orthographicFront"/>
+      <a:lightRig rig="threePt" dir="t"/>
+    </dgm:scene3d>
+    <dgm:sp3d/>
+    <dgm:txPr/>
+    <dgm:style>
+      <a:lnRef idx="1">
+        <a:scrgbClr r="0" g="0" b="0"/>
+      </a:lnRef>
+      <a:fillRef idx="1">
+        <a:scrgbClr r="0" g="0" b="0"/>
+      </a:fillRef>
+      <a:effectRef idx="0">
+        <a:scrgbClr r="0" g="0" b="0"/>
+      </a:effectRef>
+      <a:fontRef idx="minor"/>
+    </dgm:style>
+  </dgm:styleLbl>
+  <dgm:styleLbl name="bgAcc1">
+    <dgm:scene3d>
+      <a:camera prst="orthographicFront"/>
+      <a:lightRig rig="threePt" dir="t"/>
+    </dgm:scene3d>
+    <dgm:sp3d/>
+    <dgm:txPr/>
+    <dgm:style>
+      <a:lnRef idx="2">
+        <a:scrgbClr r="0" g="0" b="0"/>
+      </a:lnRef>
+      <a:fillRef idx="1">
+        <a:scrgbClr r="0" g="0" b="0"/>
+      </a:fillRef>
+      <a:effectRef idx="0">
+        <a:scrgbClr r="0" g="0" b="0"/>
+      </a:effectRef>
+      <a:fontRef idx="minor"/>
+    </dgm:style>
+  </dgm:styleLbl>
+  <dgm:styleLbl name="solidFgAcc1">
+    <dgm:scene3d>
+      <a:camera prst="orthographicFront"/>
+      <a:lightRig rig="threePt" dir="t"/>
+    </dgm:scene3d>
+    <dgm:sp3d/>
+    <dgm:txPr/>
+    <dgm:style>
+      <a:lnRef idx="2">
+        <a:scrgbClr r="0" g="0" b="0"/>
+      </a:lnRef>
+      <a:fillRef idx="1">
+        <a:scrgbClr r="0" g="0" b="0"/>
+      </a:fillRef>
+      <a:effectRef idx="0">
+        <a:scrgbClr r="0" g="0" b="0"/>
+      </a:effectRef>
+      <a:fontRef idx="minor"/>
+    </dgm:style>
+  </dgm:styleLbl>
+  <dgm:styleLbl name="solidAlignAcc1">
+    <dgm:scene3d>
+      <a:camera prst="orthographicFront"/>
+      <a:lightRig rig="threePt" dir="t"/>
+    </dgm:scene3d>
+    <dgm:sp3d/>
+    <dgm:txPr/>
+    <dgm:style>
+      <a:lnRef idx="2">
+        <a:scrgbClr r="0" g="0" b="0"/>
+      </a:lnRef>
+      <a:fillRef idx="1">
+        <a:scrgbClr r="0" g="0" b="0"/>
+      </a:fillRef>
+      <a:effectRef idx="0">
+        <a:scrgbClr r="0" g="0" b="0"/>
+      </a:effectRef>
+      <a:fontRef idx="minor"/>
+    </dgm:style>
+  </dgm:styleLbl>
+  <dgm:styleLbl name="solidBgAcc1">
+    <dgm:scene3d>
+      <a:camera prst="orthographicFront"/>
+      <a:lightRig rig="threePt" dir="t"/>
+    </dgm:scene3d>
+    <dgm:sp3d/>
+    <dgm:txPr/>
+    <dgm:style>
+      <a:lnRef idx="2">
+        <a:scrgbClr r="0" g="0" b="0"/>
+      </a:lnRef>
+      <a:fillRef idx="1">
+        <a:scrgbClr r="0" g="0" b="0"/>
+      </a:fillRef>
+      <a:effectRef idx="0">
+        <a:scrgbClr r="0" g="0" b="0"/>
+      </a:effectRef>
+      <a:fontRef idx="minor"/>
+    </dgm:style>
+  </dgm:styleLbl>
+  <dgm:styleLbl name="fgAccFollowNode1">
+    <dgm:scene3d>
+      <a:camera prst="orthographicFront"/>
+      <a:lightRig rig="threePt" dir="t"/>
+    </dgm:scene3d>
+    <dgm:sp3d/>
+    <dgm:txPr/>
+    <dgm:style>
+      <a:lnRef idx="2">
+        <a:scrgbClr r="0" g="0" b="0"/>
+      </a:lnRef>
+      <a:fillRef idx="1">
+        <a:scrgbClr r="0" g="0" b="0"/>
+      </a:fillRef>
+      <a:effectRef idx="0">
+        <a:scrgbClr r="0" g="0" b="0"/>
+      </a:effectRef>
+      <a:fontRef idx="minor"/>
+    </dgm:style>
+  </dgm:styleLbl>
+  <dgm:styleLbl name="alignAccFollowNode1">
+    <dgm:scene3d>
+      <a:camera prst="orthographicFront"/>
+      <a:lightRig rig="threePt" dir="t"/>
+    </dgm:scene3d>
+    <dgm:sp3d/>
+    <dgm:txPr/>
+    <dgm:style>
+      <a:lnRef idx="2">
+        <a:scrgbClr r="0" g="0" b="0"/>
+      </a:lnRef>
+      <a:fillRef idx="1">
+        <a:scrgbClr r="0" g="0" b="0"/>
+      </a:fillRef>
+      <a:effectRef idx="0">
+        <a:scrgbClr r="0" g="0" b="0"/>
+      </a:effectRef>
+      <a:fontRef idx="minor"/>
+    </dgm:style>
+  </dgm:styleLbl>
+  <dgm:styleLbl name="bgAccFollowNode1">
+    <dgm:scene3d>
+      <a:camera prst="orthographicFront"/>
+      <a:lightRig rig="threePt" dir="t"/>
+    </dgm:scene3d>
+    <dgm:sp3d/>
+    <dgm:txPr/>
+    <dgm:style>
+      <a:lnRef idx="2">
+        <a:scrgbClr r="0" g="0" b="0"/>
+      </a:lnRef>
+      <a:fillRef idx="1">
+        <a:scrgbClr r="0" g="0" b="0"/>
+      </a:fillRef>
+      <a:effectRef idx="0">
+        <a:scrgbClr r="0" g="0" b="0"/>
+      </a:effectRef>
+      <a:fontRef idx="minor"/>
+    </dgm:style>
+  </dgm:styleLbl>
+  <dgm:styleLbl name="fgAcc0">
+    <dgm:scene3d>
+      <a:camera prst="orthographicFront"/>
+      <a:lightRig rig="threePt" dir="t"/>
+    </dgm:scene3d>
+    <dgm:sp3d/>
+    <dgm:txPr/>
+    <dgm:style>
+      <a:lnRef idx="2">
+        <a:scrgbClr r="0" g="0" b="0"/>
+      </a:lnRef>
+      <a:fillRef idx="1">
+        <a:scrgbClr r="0" g="0" b="0"/>
+      </a:fillRef>
+      <a:effectRef idx="0">
+        <a:scrgbClr r="0" g="0" b="0"/>
+      </a:effectRef>
+      <a:fontRef idx="minor"/>
+    </dgm:style>
+  </dgm:styleLbl>
+  <dgm:styleLbl name="fgAcc2">
+    <dgm:scene3d>
+      <a:camera prst="orthographicFront"/>
+      <a:lightRig rig="threePt" dir="t"/>
+    </dgm:scene3d>
+    <dgm:sp3d/>
+    <dgm:txPr/>
+    <dgm:style>
+      <a:lnRef idx="2">
+        <a:scrgbClr r="0" g="0" b="0"/>
+      </a:lnRef>
+      <a:fillRef idx="1">
+        <a:scrgbClr r="0" g="0" b="0"/>
+      </a:fillRef>
+      <a:effectRef idx="0">
+        <a:scrgbClr r="0" g="0" b="0"/>
+      </a:effectRef>
+      <a:fontRef idx="minor"/>
+    </dgm:style>
+  </dgm:styleLbl>
+  <dgm:styleLbl name="fgAcc3">
+    <dgm:scene3d>
+      <a:camera prst="orthographicFront"/>
+      <a:lightRig rig="threePt" dir="t"/>
+    </dgm:scene3d>
+    <dgm:sp3d/>
+    <dgm:txPr/>
+    <dgm:style>
+      <a:lnRef idx="2">
+        <a:scrgbClr r="0" g="0" b="0"/>
+      </a:lnRef>
+      <a:fillRef idx="1">
+        <a:scrgbClr r="0" g="0" b="0"/>
+      </a:fillRef>
+      <a:effectRef idx="0">
+        <a:scrgbClr r="0" g="0" b="0"/>
+      </a:effectRef>
+      <a:fontRef idx="minor"/>
+    </dgm:style>
+  </dgm:styleLbl>
+  <dgm:styleLbl name="fgAcc4">
+    <dgm:scene3d>
+      <a:camera prst="orthographicFront"/>
+      <a:lightRig rig="threePt" dir="t"/>
+    </dgm:scene3d>
+    <dgm:sp3d/>
+    <dgm:txPr/>
+    <dgm:style>
+      <a:lnRef idx="2">
+        <a:scrgbClr r="0" g="0" b="0"/>
+      </a:lnRef>
+      <a:fillRef idx="1">
+        <a:scrgbClr r="0" g="0" b="0"/>
+      </a:fillRef>
+      <a:effectRef idx="0">
+        <a:scrgbClr r="0" g="0" b="0"/>
+      </a:effectRef>
+      <a:fontRef idx="minor"/>
+    </dgm:style>
+  </dgm:styleLbl>
+  <dgm:styleLbl name="bgShp">
+    <dgm:scene3d>
+      <a:camera prst="orthographicFront"/>
+      <a:lightRig rig="threePt" dir="t"/>
+    </dgm:scene3d>
+    <dgm:sp3d/>
+    <dgm:txPr/>
+    <dgm:style>
+      <a:lnRef idx="0">
+        <a:scrgbClr r="0" g="0" b="0"/>
+      </a:lnRef>
+      <a:fillRef idx="1">
+        <a:scrgbClr r="0" g="0" b="0"/>
+      </a:fillRef>
+      <a:effectRef idx="0">
+        <a:scrgbClr r="0" g="0" b="0"/>
+      </a:effectRef>
+      <a:fontRef idx="minor"/>
+    </dgm:style>
+  </dgm:styleLbl>
+  <dgm:styleLbl name="dkBgShp">
+    <dgm:scene3d>
+      <a:camera prst="orthographicFront"/>
+      <a:lightRig rig="threePt" dir="t"/>
+    </dgm:scene3d>
+    <dgm:sp3d/>
+    <dgm:txPr/>
+    <dgm:style>
+      <a:lnRef idx="0">
+        <a:scrgbClr r="0" g="0" b="0"/>
+      </a:lnRef>
+      <a:fillRef idx="1">
+        <a:scrgbClr r="0" g="0" b="0"/>
+      </a:fillRef>
+      <a:effectRef idx="0">
+        <a:scrgbClr r="0" g="0" b="0"/>
+      </a:effectRef>
+      <a:fontRef idx="minor"/>
+    </dgm:style>
+  </dgm:styleLbl>
+  <dgm:styleLbl name="trBgShp">
+    <dgm:scene3d>
+      <a:camera prst="orthographicFront"/>
+      <a:lightRig rig="threePt" dir="t"/>
+    </dgm:scene3d>
+    <dgm:sp3d/>
+    <dgm:txPr/>
+    <dgm:style>
+      <a:lnRef idx="0">
+        <a:scrgbClr r="0" g="0" b="0"/>
+      </a:lnRef>
+      <a:fillRef idx="1">
+        <a:scrgbClr r="0" g="0" b="0"/>
+      </a:fillRef>
+      <a:effectRef idx="0">
+        <a:scrgbClr r="0" g="0" b="0"/>
+      </a:effectRef>
+      <a:fontRef idx="minor"/>
+    </dgm:style>
+  </dgm:styleLbl>
+  <dgm:styleLbl name="fgShp">
+    <dgm:scene3d>
+      <a:camera prst="orthographicFront"/>
+      <a:lightRig rig="threePt" dir="t"/>
+    </dgm:scene3d>
+    <dgm:sp3d/>
+    <dgm:txPr/>
+    <dgm:style>
+      <a:lnRef idx="2">
+        <a:scrgbClr r="0" g="0" b="0"/>
+      </a:lnRef>
+      <a:fillRef idx="1">
+        <a:scrgbClr r="0" g="0" b="0"/>
+      </a:fillRef>
+      <a:effectRef idx="0">
+        <a:scrgbClr r="0" g="0" b="0"/>
+      </a:effectRef>
+      <a:fontRef idx="minor"/>
+    </dgm:style>
+  </dgm:styleLbl>
+  <dgm:styleLbl name="revTx">
+    <dgm:scene3d>
+      <a:camera prst="orthographicFront"/>
+      <a:lightRig rig="threePt" dir="t"/>
+    </dgm:scene3d>
+    <dgm:sp3d/>
+    <dgm:txPr/>
+    <dgm:style>
+      <a:lnRef idx="0">
+        <a:scrgbClr r="0" g="0" b="0"/>
+      </a:lnRef>
+      <a:fillRef idx="0">
+        <a:scrgbClr r="0" g="0" b="0"/>
+      </a:fillRef>
+      <a:effectRef idx="0">
+        <a:scrgbClr r="0" g="0" b="0"/>
+      </a:effectRef>
+      <a:fontRef idx="minor"/>
+    </dgm:style>
+  </dgm:styleLbl>
+</dgm:styleDef>
 </file>
 
 <file path=ppt/slideLayouts/slideLayout1.xml><?xml version="1.0" encoding="utf-8"?>
@@ -354,7 +3743,7 @@
           <a:p>
             <a:fld id="{0C753030-17C6-4693-9FE3-73F4A74D7B15}" type="datetimeFigureOut">
               <a:rPr lang="en-AU" smtClean="0"/>
-              <a:t>26/2/20</a:t>
+              <a:t>27/2/20</a:t>
             </a:fld>
             <a:endParaRPr lang="en-AU"/>
           </a:p>
@@ -554,7 +3943,7 @@
           <a:p>
             <a:fld id="{0C753030-17C6-4693-9FE3-73F4A74D7B15}" type="datetimeFigureOut">
               <a:rPr lang="en-AU" smtClean="0"/>
-              <a:t>26/2/20</a:t>
+              <a:t>27/2/20</a:t>
             </a:fld>
             <a:endParaRPr lang="en-AU"/>
           </a:p>
@@ -764,7 +4153,7 @@
           <a:p>
             <a:fld id="{0C753030-17C6-4693-9FE3-73F4A74D7B15}" type="datetimeFigureOut">
               <a:rPr lang="en-AU" smtClean="0"/>
-              <a:t>26/2/20</a:t>
+              <a:t>27/2/20</a:t>
             </a:fld>
             <a:endParaRPr lang="en-AU"/>
           </a:p>
@@ -964,7 +4353,7 @@
           <a:p>
             <a:fld id="{0C753030-17C6-4693-9FE3-73F4A74D7B15}" type="datetimeFigureOut">
               <a:rPr lang="en-AU" smtClean="0"/>
-              <a:t>26/2/20</a:t>
+              <a:t>27/2/20</a:t>
             </a:fld>
             <a:endParaRPr lang="en-AU"/>
           </a:p>
@@ -1240,7 +4629,7 @@
           <a:p>
             <a:fld id="{0C753030-17C6-4693-9FE3-73F4A74D7B15}" type="datetimeFigureOut">
               <a:rPr lang="en-AU" smtClean="0"/>
-              <a:t>26/2/20</a:t>
+              <a:t>27/2/20</a:t>
             </a:fld>
             <a:endParaRPr lang="en-AU"/>
           </a:p>
@@ -1508,7 +4897,7 @@
           <a:p>
             <a:fld id="{0C753030-17C6-4693-9FE3-73F4A74D7B15}" type="datetimeFigureOut">
               <a:rPr lang="en-AU" smtClean="0"/>
-              <a:t>26/2/20</a:t>
+              <a:t>27/2/20</a:t>
             </a:fld>
             <a:endParaRPr lang="en-AU"/>
           </a:p>
@@ -1923,7 +5312,7 @@
           <a:p>
             <a:fld id="{0C753030-17C6-4693-9FE3-73F4A74D7B15}" type="datetimeFigureOut">
               <a:rPr lang="en-AU" smtClean="0"/>
-              <a:t>26/2/20</a:t>
+              <a:t>27/2/20</a:t>
             </a:fld>
             <a:endParaRPr lang="en-AU"/>
           </a:p>
@@ -2065,7 +5454,7 @@
           <a:p>
             <a:fld id="{0C753030-17C6-4693-9FE3-73F4A74D7B15}" type="datetimeFigureOut">
               <a:rPr lang="en-AU" smtClean="0"/>
-              <a:t>26/2/20</a:t>
+              <a:t>27/2/20</a:t>
             </a:fld>
             <a:endParaRPr lang="en-AU"/>
           </a:p>
@@ -2178,7 +5567,7 @@
           <a:p>
             <a:fld id="{0C753030-17C6-4693-9FE3-73F4A74D7B15}" type="datetimeFigureOut">
               <a:rPr lang="en-AU" smtClean="0"/>
-              <a:t>26/2/20</a:t>
+              <a:t>27/2/20</a:t>
             </a:fld>
             <a:endParaRPr lang="en-AU"/>
           </a:p>
@@ -2491,7 +5880,7 @@
           <a:p>
             <a:fld id="{0C753030-17C6-4693-9FE3-73F4A74D7B15}" type="datetimeFigureOut">
               <a:rPr lang="en-AU" smtClean="0"/>
-              <a:t>26/2/20</a:t>
+              <a:t>27/2/20</a:t>
             </a:fld>
             <a:endParaRPr lang="en-AU"/>
           </a:p>
@@ -2780,7 +6169,7 @@
           <a:p>
             <a:fld id="{0C753030-17C6-4693-9FE3-73F4A74D7B15}" type="datetimeFigureOut">
               <a:rPr lang="en-AU" smtClean="0"/>
-              <a:t>26/2/20</a:t>
+              <a:t>27/2/20</a:t>
             </a:fld>
             <a:endParaRPr lang="en-AU"/>
           </a:p>
@@ -3023,7 +6412,7 @@
           <a:p>
             <a:fld id="{0C753030-17C6-4693-9FE3-73F4A74D7B15}" type="datetimeFigureOut">
               <a:rPr lang="en-AU" smtClean="0"/>
-              <a:t>26/2/20</a:t>
+              <a:t>27/2/20</a:t>
             </a:fld>
             <a:endParaRPr lang="en-AU"/>
           </a:p>
@@ -3965,7 +7354,7 @@
             <p:nvPr/>
           </p:nvPicPr>
           <p:blipFill>
-            <a:blip r:embed="rId3"/>
+            <a:blip r:embed="rId2"/>
             <a:stretch>
               <a:fillRect/>
             </a:stretch>
@@ -4419,7 +7808,7 @@
           <p:nvPr/>
         </p:nvPicPr>
         <p:blipFill>
-          <a:blip r:embed="rId3"/>
+          <a:blip r:embed="rId2"/>
           <a:stretch>
             <a:fillRect/>
           </a:stretch>
@@ -4943,7 +8332,9 @@
         </p:nvSpPr>
         <p:spPr/>
         <p:txBody>
-          <a:bodyPr/>
+          <a:bodyPr>
+            <a:normAutofit lnSpcReduction="10000"/>
+          </a:bodyPr>
           <a:lstStyle/>
           <a:p>
             <a:r>
@@ -4979,8 +8370,46 @@
             <a:endParaRPr lang="en-AU" sz="1200" dirty="0"/>
           </a:p>
           <a:p>
-            <a:pPr lvl="1"/>
-            <a:endParaRPr lang="en-AU" dirty="0"/>
+            <a:pPr lvl="2"/>
+            <a:r>
+              <a:rPr lang="en-AU" dirty="0"/>
+              <a:t>Function: gather(data, key, value, ...)</a:t>
+            </a:r>
+          </a:p>
+          <a:p>
+            <a:pPr lvl="3"/>
+            <a:r>
+              <a:rPr lang="en-AU" dirty="0"/>
+              <a:t>Arguments: </a:t>
+            </a:r>
+          </a:p>
+          <a:p>
+            <a:pPr lvl="4"/>
+            <a:r>
+              <a:rPr lang="en-AU" dirty="0"/>
+              <a:t>data: data frame </a:t>
+            </a:r>
+          </a:p>
+          <a:p>
+            <a:pPr lvl="4"/>
+            <a:r>
+              <a:rPr lang="en-AU" dirty="0"/>
+              <a:t>key: column name representing new variable </a:t>
+            </a:r>
+          </a:p>
+          <a:p>
+            <a:pPr lvl="4"/>
+            <a:r>
+              <a:rPr lang="en-AU" dirty="0"/>
+              <a:t>value: column name representing variable values </a:t>
+            </a:r>
+          </a:p>
+          <a:p>
+            <a:pPr lvl="4"/>
+            <a:r>
+              <a:rPr lang="en-AU" dirty="0"/>
+              <a:t>...: names of columns to gather (or not gather)</a:t>
+            </a:r>
           </a:p>
           <a:p>
             <a:r>
@@ -5032,7 +8461,7 @@
           <p:cNvPr id="2" name="Title 1">
             <a:extLst>
               <a:ext uri="{FF2B5EF4-FFF2-40B4-BE49-F238E27FC236}">
-                <a16:creationId xmlns:a16="http://schemas.microsoft.com/office/drawing/2014/main" id="{B93A8185-13B2-4A8E-86C8-4E329B3D9E20}"/>
+                <a16:creationId xmlns:a16="http://schemas.microsoft.com/office/drawing/2014/main" id="{0A8C51D3-A525-A444-990D-AC14422EAD66}"/>
               </a:ext>
             </a:extLst>
           </p:cNvPr>
@@ -5048,10 +8477,7 @@
           <a:bodyPr/>
           <a:lstStyle/>
           <a:p>
-            <a:r>
-              <a:rPr lang="en-AU" dirty="0"/>
-              <a:t>Exercise: Lets open our own data</a:t>
-            </a:r>
+            <a:endParaRPr lang="en-AU"/>
           </a:p>
         </p:txBody>
       </p:sp>
@@ -5060,7 +8486,7 @@
           <p:cNvPr id="3" name="Content Placeholder 2">
             <a:extLst>
               <a:ext uri="{FF2B5EF4-FFF2-40B4-BE49-F238E27FC236}">
-                <a16:creationId xmlns:a16="http://schemas.microsoft.com/office/drawing/2014/main" id="{42CC81CF-F66D-4C68-84B4-8A405FE5BDA6}"/>
+                <a16:creationId xmlns:a16="http://schemas.microsoft.com/office/drawing/2014/main" id="{1C1E065C-2C64-E348-96A0-1D542A2F3827}"/>
               </a:ext>
             </a:extLst>
           </p:cNvPr>
@@ -5073,76 +8499,53 @@
         </p:nvSpPr>
         <p:spPr/>
         <p:txBody>
-          <a:bodyPr>
-            <a:normAutofit lnSpcReduction="10000"/>
-          </a:bodyPr>
+          <a:bodyPr/>
           <a:lstStyle/>
           <a:p>
-            <a:r>
-              <a:rPr lang="en-AU" dirty="0"/>
-              <a:t>Use read.xlsx() function to open your own file</a:t>
-            </a:r>
-          </a:p>
-          <a:p>
-            <a:r>
-              <a:rPr lang="en-AU" dirty="0"/>
-              <a:t>Use gather() to convert to long format (if not already long)</a:t>
-            </a:r>
-          </a:p>
-          <a:p>
-            <a:r>
-              <a:rPr lang="en-AU" dirty="0"/>
-              <a:t>If data is long, use spread() to convert to wide-format</a:t>
-            </a:r>
-          </a:p>
-          <a:p>
-            <a:endParaRPr lang="en-AU" dirty="0"/>
-          </a:p>
-          <a:p>
-            <a:r>
-              <a:rPr lang="en-AU" dirty="0"/>
-              <a:t>If different sheets, single file</a:t>
-            </a:r>
-          </a:p>
-          <a:p>
-            <a:pPr lvl="1"/>
-            <a:r>
-              <a:rPr lang="en-AU" dirty="0"/>
-              <a:t>There is code</a:t>
-            </a:r>
-          </a:p>
-          <a:p>
-            <a:r>
-              <a:rPr lang="en-AU" dirty="0"/>
-              <a:t>If different excel files</a:t>
-            </a:r>
-          </a:p>
-          <a:p>
-            <a:pPr lvl="1"/>
-            <a:r>
-              <a:rPr lang="en-AU" dirty="0"/>
-              <a:t>There is code</a:t>
-            </a:r>
-          </a:p>
-          <a:p>
-            <a:r>
-              <a:rPr lang="en-AU" dirty="0"/>
-              <a:t>If something else</a:t>
-            </a:r>
-          </a:p>
-          <a:p>
-            <a:pPr lvl="1"/>
-            <a:r>
-              <a:rPr lang="en-AU" dirty="0"/>
-              <a:t>ask</a:t>
-            </a:r>
+            <a:endParaRPr lang="en-AU"/>
           </a:p>
         </p:txBody>
       </p:sp>
+      <p:pic>
+        <p:nvPicPr>
+          <p:cNvPr id="4" name="Picture 3" descr="A close up of text on a white background&#10;&#10;Description automatically generated">
+            <a:extLst>
+              <a:ext uri="{FF2B5EF4-FFF2-40B4-BE49-F238E27FC236}">
+                <a16:creationId xmlns:a16="http://schemas.microsoft.com/office/drawing/2014/main" id="{F4072DDF-BC7B-984C-94B5-F0E5D201A16F}"/>
+              </a:ext>
+            </a:extLst>
+          </p:cNvPr>
+          <p:cNvPicPr>
+            <a:picLocks noChangeAspect="1"/>
+          </p:cNvPicPr>
+          <p:nvPr/>
+        </p:nvPicPr>
+        <p:blipFill>
+          <a:blip r:embed="rId2">
+            <a:extLst>
+              <a:ext uri="{28A0092B-C50C-407E-A947-70E740481C1C}">
+                <a14:useLocalDpi xmlns:a14="http://schemas.microsoft.com/office/drawing/2010/main" val="0"/>
+              </a:ext>
+            </a:extLst>
+          </a:blip>
+          <a:stretch>
+            <a:fillRect/>
+          </a:stretch>
+        </p:blipFill>
+        <p:spPr>
+          <a:xfrm>
+            <a:off x="707762" y="242887"/>
+            <a:ext cx="10646037" cy="6512057"/>
+          </a:xfrm>
+          <a:prstGeom prst="rect">
+            <a:avLst/>
+          </a:prstGeom>
+        </p:spPr>
+      </p:pic>
     </p:spTree>
     <p:extLst>
       <p:ext uri="{BB962C8B-B14F-4D97-AF65-F5344CB8AC3E}">
-        <p14:creationId xmlns:p14="http://schemas.microsoft.com/office/powerpoint/2010/main" val="2576553617"/>
+        <p14:creationId xmlns:p14="http://schemas.microsoft.com/office/powerpoint/2010/main" val="1395588864"/>
       </p:ext>
     </p:extLst>
   </p:cSld>
@@ -5174,7 +8577,7 @@
           <p:cNvPr id="2" name="Title 1">
             <a:extLst>
               <a:ext uri="{FF2B5EF4-FFF2-40B4-BE49-F238E27FC236}">
-                <a16:creationId xmlns:a16="http://schemas.microsoft.com/office/drawing/2014/main" id="{74A9E1B4-4D1D-45BC-AFFD-F8B66E47494E}"/>
+                <a16:creationId xmlns:a16="http://schemas.microsoft.com/office/drawing/2014/main" id="{B93A8185-13B2-4A8E-86C8-4E329B3D9E20}"/>
               </a:ext>
             </a:extLst>
           </p:cNvPr>
@@ -5192,7 +8595,7 @@
           <a:p>
             <a:r>
               <a:rPr lang="en-AU" dirty="0"/>
-              <a:t>That’s it for today</a:t>
+              <a:t>Exercise: Lets open our own data</a:t>
             </a:r>
           </a:p>
         </p:txBody>
@@ -5202,7 +8605,7 @@
           <p:cNvPr id="3" name="Content Placeholder 2">
             <a:extLst>
               <a:ext uri="{FF2B5EF4-FFF2-40B4-BE49-F238E27FC236}">
-                <a16:creationId xmlns:a16="http://schemas.microsoft.com/office/drawing/2014/main" id="{B09C53CF-43CF-4AF1-A4F8-90ABC008209D}"/>
+                <a16:creationId xmlns:a16="http://schemas.microsoft.com/office/drawing/2014/main" id="{42CC81CF-F66D-4C68-84B4-8A405FE5BDA6}"/>
               </a:ext>
             </a:extLst>
           </p:cNvPr>
@@ -5215,17 +8618,76 @@
         </p:nvSpPr>
         <p:spPr/>
         <p:txBody>
-          <a:bodyPr/>
+          <a:bodyPr>
+            <a:normAutofit lnSpcReduction="10000"/>
+          </a:bodyPr>
           <a:lstStyle/>
           <a:p>
-            <a:endParaRPr lang="en-AU"/>
+            <a:r>
+              <a:rPr lang="en-AU" dirty="0"/>
+              <a:t>Use read.xlsx() function to open your own file</a:t>
+            </a:r>
+          </a:p>
+          <a:p>
+            <a:r>
+              <a:rPr lang="en-AU" dirty="0"/>
+              <a:t>Use gather() to convert to long format (if not already long)</a:t>
+            </a:r>
+          </a:p>
+          <a:p>
+            <a:r>
+              <a:rPr lang="en-AU" dirty="0"/>
+              <a:t>If data is long, use spread() to convert to wide-format</a:t>
+            </a:r>
+          </a:p>
+          <a:p>
+            <a:endParaRPr lang="en-AU" dirty="0"/>
+          </a:p>
+          <a:p>
+            <a:r>
+              <a:rPr lang="en-AU" dirty="0"/>
+              <a:t>If different sheets, single file</a:t>
+            </a:r>
+          </a:p>
+          <a:p>
+            <a:pPr lvl="1"/>
+            <a:r>
+              <a:rPr lang="en-AU" dirty="0"/>
+              <a:t>There is code</a:t>
+            </a:r>
+          </a:p>
+          <a:p>
+            <a:r>
+              <a:rPr lang="en-AU" dirty="0"/>
+              <a:t>If different excel files</a:t>
+            </a:r>
+          </a:p>
+          <a:p>
+            <a:pPr lvl="1"/>
+            <a:r>
+              <a:rPr lang="en-AU" dirty="0"/>
+              <a:t>There is code</a:t>
+            </a:r>
+          </a:p>
+          <a:p>
+            <a:r>
+              <a:rPr lang="en-AU" dirty="0"/>
+              <a:t>If something else</a:t>
+            </a:r>
+          </a:p>
+          <a:p>
+            <a:pPr lvl="1"/>
+            <a:r>
+              <a:rPr lang="en-AU" dirty="0"/>
+              <a:t>ask</a:t>
+            </a:r>
           </a:p>
         </p:txBody>
       </p:sp>
     </p:spTree>
     <p:extLst>
       <p:ext uri="{BB962C8B-B14F-4D97-AF65-F5344CB8AC3E}">
-        <p14:creationId xmlns:p14="http://schemas.microsoft.com/office/powerpoint/2010/main" val="3751797523"/>
+        <p14:creationId xmlns:p14="http://schemas.microsoft.com/office/powerpoint/2010/main" val="2576553617"/>
       </p:ext>
     </p:extLst>
   </p:cSld>
@@ -5257,7 +8719,7 @@
           <p:cNvPr id="2" name="Title 1">
             <a:extLst>
               <a:ext uri="{FF2B5EF4-FFF2-40B4-BE49-F238E27FC236}">
-                <a16:creationId xmlns:a16="http://schemas.microsoft.com/office/drawing/2014/main" id="{5F490C42-F2E9-4D44-9D1C-A1C58BAB0AB9}"/>
+                <a16:creationId xmlns:a16="http://schemas.microsoft.com/office/drawing/2014/main" id="{74A9E1B4-4D1D-45BC-AFFD-F8B66E47494E}"/>
               </a:ext>
             </a:extLst>
           </p:cNvPr>
@@ -5274,12 +8736,8 @@
           <a:lstStyle/>
           <a:p>
             <a:r>
-              <a:rPr lang="en-AU" dirty="0" err="1"/>
-              <a:t>Cheatsheet</a:t>
-            </a:r>
-            <a:r>
-              <a:rPr lang="en-AU" dirty="0"/>
-              <a:t> - Hotkeys</a:t>
+              <a:rPr lang="en-AU" dirty="0"/>
+              <a:t>That’s it for today</a:t>
             </a:r>
           </a:p>
         </p:txBody>
@@ -5289,7 +8747,7 @@
           <p:cNvPr id="3" name="Content Placeholder 2">
             <a:extLst>
               <a:ext uri="{FF2B5EF4-FFF2-40B4-BE49-F238E27FC236}">
-                <a16:creationId xmlns:a16="http://schemas.microsoft.com/office/drawing/2014/main" id="{4180C3C0-45B8-4005-99ED-5D6333009708}"/>
+                <a16:creationId xmlns:a16="http://schemas.microsoft.com/office/drawing/2014/main" id="{B09C53CF-43CF-4AF1-A4F8-90ABC008209D}"/>
               </a:ext>
             </a:extLst>
           </p:cNvPr>
@@ -5305,64 +8763,14 @@
           <a:bodyPr/>
           <a:lstStyle/>
           <a:p>
-            <a:r>
-              <a:rPr lang="en-AU" dirty="0"/>
-              <a:t>Hotkeys – useful ones</a:t>
-            </a:r>
-          </a:p>
-          <a:p>
-            <a:pPr lvl="1"/>
-            <a:r>
-              <a:rPr lang="en-AU" dirty="0" err="1"/>
-              <a:t>Ctrl+Enter</a:t>
-            </a:r>
-            <a:r>
-              <a:rPr lang="en-AU" dirty="0"/>
-              <a:t> – Runs single line of code</a:t>
-            </a:r>
-          </a:p>
-          <a:p>
-            <a:pPr lvl="1"/>
-            <a:r>
-              <a:rPr lang="en-AU" dirty="0"/>
-              <a:t>Alt + minus – arrow (&lt;-) – equivalent to ‘=‘</a:t>
-            </a:r>
-          </a:p>
-          <a:p>
-            <a:pPr lvl="1"/>
-            <a:r>
-              <a:rPr lang="en-AU" dirty="0"/>
-              <a:t># - ignores stuff</a:t>
-            </a:r>
-          </a:p>
-          <a:p>
-            <a:pPr lvl="1"/>
-            <a:r>
-              <a:rPr lang="en-AU" dirty="0" err="1"/>
-              <a:t>Ctrl+Shift+C</a:t>
-            </a:r>
-            <a:r>
-              <a:rPr lang="en-AU" dirty="0"/>
-              <a:t> – comment/uncomment out line of code</a:t>
-            </a:r>
-          </a:p>
-          <a:p>
-            <a:pPr lvl="1"/>
-            <a:r>
-              <a:rPr lang="en-AU" dirty="0" err="1"/>
-              <a:t>Ctrl+Shift+Enter</a:t>
-            </a:r>
-            <a:r>
-              <a:rPr lang="en-AU" dirty="0"/>
-              <a:t> – Runs whole script</a:t>
-            </a:r>
+            <a:endParaRPr lang="en-AU"/>
           </a:p>
         </p:txBody>
       </p:sp>
     </p:spTree>
     <p:extLst>
       <p:ext uri="{BB962C8B-B14F-4D97-AF65-F5344CB8AC3E}">
-        <p14:creationId xmlns:p14="http://schemas.microsoft.com/office/powerpoint/2010/main" val="2868945148"/>
+        <p14:creationId xmlns:p14="http://schemas.microsoft.com/office/powerpoint/2010/main" val="3751797523"/>
       </p:ext>
     </p:extLst>
   </p:cSld>
@@ -5394,7 +8802,7 @@
           <p:cNvPr id="2" name="Title 1">
             <a:extLst>
               <a:ext uri="{FF2B5EF4-FFF2-40B4-BE49-F238E27FC236}">
-                <a16:creationId xmlns:a16="http://schemas.microsoft.com/office/drawing/2014/main" id="{452A2C73-EDA1-4352-91D6-C334C2FB64D4}"/>
+                <a16:creationId xmlns:a16="http://schemas.microsoft.com/office/drawing/2014/main" id="{5F490C42-F2E9-4D44-9D1C-A1C58BAB0AB9}"/>
               </a:ext>
             </a:extLst>
           </p:cNvPr>
@@ -5411,8 +8819,12 @@
           <a:lstStyle/>
           <a:p>
             <a:r>
-              <a:rPr lang="en-AU" dirty="0"/>
-              <a:t>Cheat sheet - Useful Function</a:t>
+              <a:rPr lang="en-AU" dirty="0" err="1"/>
+              <a:t>Cheatsheet</a:t>
+            </a:r>
+            <a:r>
+              <a:rPr lang="en-AU" dirty="0"/>
+              <a:t> - Hotkeys</a:t>
             </a:r>
           </a:p>
         </p:txBody>
@@ -5422,7 +8834,7 @@
           <p:cNvPr id="3" name="Content Placeholder 2">
             <a:extLst>
               <a:ext uri="{FF2B5EF4-FFF2-40B4-BE49-F238E27FC236}">
-                <a16:creationId xmlns:a16="http://schemas.microsoft.com/office/drawing/2014/main" id="{860156D5-7D7F-4B22-B291-7366E25C15D2}"/>
+                <a16:creationId xmlns:a16="http://schemas.microsoft.com/office/drawing/2014/main" id="{4180C3C0-45B8-4005-99ED-5D6333009708}"/>
               </a:ext>
             </a:extLst>
           </p:cNvPr>
@@ -5435,102 +8847,59 @@
         </p:nvSpPr>
         <p:spPr/>
         <p:txBody>
-          <a:bodyPr>
-            <a:normAutofit fontScale="77500" lnSpcReduction="20000"/>
-          </a:bodyPr>
+          <a:bodyPr/>
           <a:lstStyle/>
           <a:p>
             <a:r>
               <a:rPr lang="en-AU" dirty="0"/>
-              <a:t>paste0() or paste(), </a:t>
-            </a:r>
+              <a:t>Hotkeys – useful ones</a:t>
+            </a:r>
+          </a:p>
+          <a:p>
+            <a:pPr lvl="1"/>
             <a:r>
               <a:rPr lang="en-AU" dirty="0" err="1"/>
-              <a:t>cbind</a:t>
-            </a:r>
-            <a:r>
-              <a:rPr lang="en-AU" dirty="0"/>
-              <a:t>() and </a:t>
-            </a:r>
+              <a:t>Ctrl+Enter</a:t>
+            </a:r>
+            <a:r>
+              <a:rPr lang="en-AU" dirty="0"/>
+              <a:t> – Runs single line of code</a:t>
+            </a:r>
+          </a:p>
+          <a:p>
+            <a:pPr lvl="1"/>
+            <a:r>
+              <a:rPr lang="en-AU" dirty="0"/>
+              <a:t>Alt + minus – arrow (&lt;-) – equivalent to ‘=‘</a:t>
+            </a:r>
+          </a:p>
+          <a:p>
+            <a:pPr lvl="1"/>
+            <a:r>
+              <a:rPr lang="en-AU" dirty="0"/>
+              <a:t># - ignores stuff</a:t>
+            </a:r>
+          </a:p>
+          <a:p>
+            <a:pPr lvl="1"/>
             <a:r>
               <a:rPr lang="en-AU" dirty="0" err="1"/>
-              <a:t>rbind</a:t>
-            </a:r>
-            <a:r>
-              <a:rPr lang="en-AU" dirty="0"/>
-              <a:t>()</a:t>
+              <a:t>Ctrl+Shift+C</a:t>
+            </a:r>
+            <a:r>
+              <a:rPr lang="en-AU" dirty="0"/>
+              <a:t> – comment/uncomment out line of code</a:t>
             </a:r>
           </a:p>
           <a:p>
             <a:pPr lvl="1"/>
             <a:r>
-              <a:rPr lang="en-AU" dirty="0"/>
-              <a:t>Lets you stick things together</a:t>
-            </a:r>
-          </a:p>
-          <a:p>
-            <a:r>
-              <a:rPr lang="en-AU" dirty="0"/>
-              <a:t>Substring()</a:t>
-            </a:r>
-          </a:p>
-          <a:p>
-            <a:pPr lvl="1"/>
-            <a:r>
-              <a:rPr lang="en-AU" dirty="0"/>
-              <a:t>Extract part of a word – good for getting subject id from filenames</a:t>
-            </a:r>
-          </a:p>
-          <a:p>
-            <a:r>
-              <a:rPr lang="en-AU" dirty="0"/>
-              <a:t>Unique()</a:t>
-            </a:r>
-          </a:p>
-          <a:p>
-            <a:pPr lvl="1"/>
-            <a:r>
-              <a:rPr lang="en-AU" dirty="0"/>
-              <a:t>Gets unique values from variable – good for checking participants or factors in large datasets</a:t>
-            </a:r>
-          </a:p>
-          <a:p>
-            <a:r>
-              <a:rPr lang="en-AU" dirty="0"/>
-              <a:t>Length() and dim()</a:t>
-            </a:r>
-          </a:p>
-          <a:p>
-            <a:pPr lvl="1"/>
-            <a:r>
-              <a:rPr lang="en-AU" dirty="0"/>
-              <a:t>Shows you size of variable – good for troubleshooting – check if right number of trials/participants or whatever are there</a:t>
-            </a:r>
-          </a:p>
-          <a:p>
-            <a:r>
-              <a:rPr lang="en-AU" dirty="0"/>
-              <a:t>Subset()</a:t>
-            </a:r>
-          </a:p>
-          <a:p>
-            <a:pPr lvl="1"/>
-            <a:r>
-              <a:rPr lang="en-AU" dirty="0"/>
-              <a:t>Extract a smaller part of bigger dataset – good for follow-up analyses (e.g. only want to analyse a certain condition of the data).</a:t>
-            </a:r>
-          </a:p>
-          <a:p>
-            <a:r>
-              <a:rPr lang="en-AU" dirty="0"/>
-              <a:t>Aggregate()</a:t>
-            </a:r>
-          </a:p>
-          <a:p>
-            <a:pPr lvl="1"/>
-            <a:r>
-              <a:rPr lang="en-AU" dirty="0"/>
-              <a:t>Can use to calculate mean values per participant and condition.</a:t>
+              <a:rPr lang="en-AU" dirty="0" err="1"/>
+              <a:t>Ctrl+Shift+Enter</a:t>
+            </a:r>
+            <a:r>
+              <a:rPr lang="en-AU" dirty="0"/>
+              <a:t> – Runs whole script</a:t>
             </a:r>
           </a:p>
         </p:txBody>
@@ -5538,7 +8907,7 @@
     </p:spTree>
     <p:extLst>
       <p:ext uri="{BB962C8B-B14F-4D97-AF65-F5344CB8AC3E}">
-        <p14:creationId xmlns:p14="http://schemas.microsoft.com/office/powerpoint/2010/main" val="3826243999"/>
+        <p14:creationId xmlns:p14="http://schemas.microsoft.com/office/powerpoint/2010/main" val="2868945148"/>
       </p:ext>
     </p:extLst>
   </p:cSld>
@@ -5643,6 +9012,595 @@
     <p:extLst>
       <p:ext uri="{BB962C8B-B14F-4D97-AF65-F5344CB8AC3E}">
         <p14:creationId xmlns:p14="http://schemas.microsoft.com/office/powerpoint/2010/main" val="1324256162"/>
+      </p:ext>
+    </p:extLst>
+  </p:cSld>
+  <p:clrMapOvr>
+    <a:masterClrMapping/>
+  </p:clrMapOvr>
+</p:sld>
+</file>
+
+<file path=ppt/slides/slide20.xml><?xml version="1.0" encoding="utf-8"?>
+<p:sld xmlns:a="http://schemas.openxmlformats.org/drawingml/2006/main" xmlns:r="http://schemas.openxmlformats.org/officeDocument/2006/relationships" xmlns:p="http://schemas.openxmlformats.org/presentationml/2006/main">
+  <p:cSld>
+    <p:bg>
+      <p:bgPr>
+        <a:solidFill>
+          <a:schemeClr val="bg1"/>
+        </a:solidFill>
+        <a:effectLst/>
+      </p:bgPr>
+    </p:bg>
+    <p:spTree>
+      <p:nvGrpSpPr>
+        <p:cNvPr id="1" name=""/>
+        <p:cNvGrpSpPr/>
+        <p:nvPr/>
+      </p:nvGrpSpPr>
+      <p:grpSpPr>
+        <a:xfrm>
+          <a:off x="0" y="0"/>
+          <a:ext cx="0" cy="0"/>
+          <a:chOff x="0" y="0"/>
+          <a:chExt cx="0" cy="0"/>
+        </a:xfrm>
+      </p:grpSpPr>
+      <p:sp>
+        <p:nvSpPr>
+          <p:cNvPr id="10" name="Freeform: Shape 9">
+            <a:extLst>
+              <a:ext uri="{FF2B5EF4-FFF2-40B4-BE49-F238E27FC236}">
+                <a16:creationId xmlns:a16="http://schemas.microsoft.com/office/drawing/2014/main" id="{46C2E80F-49A6-4372-B103-219D417A55ED}"/>
+              </a:ext>
+              <a:ext uri="{C183D7F6-B498-43B3-948B-1728B52AA6E4}">
+                <adec:decorative xmlns:adec="http://schemas.microsoft.com/office/drawing/2017/decorative" val="1"/>
+              </a:ext>
+            </a:extLst>
+          </p:cNvPr>
+          <p:cNvSpPr>
+            <a:spLocks noGrp="1" noRot="1" noChangeAspect="1" noMove="1" noResize="1" noEditPoints="1" noAdjustHandles="1" noChangeArrowheads="1" noChangeShapeType="1" noTextEdit="1"/>
+          </p:cNvSpPr>
+          <p:nvPr>
+            <p:extLst>
+              <p:ext uri="{386F3935-93C4-4BCD-93E2-E3B085C9AB24}">
+                <p16:designElem xmlns:p16="http://schemas.microsoft.com/office/powerpoint/2015/main" val="1"/>
+              </p:ext>
+            </p:extLst>
+          </p:nvPr>
+        </p:nvSpPr>
+        <p:spPr>
+          <a:xfrm>
+            <a:off x="484096" y="470925"/>
+            <a:ext cx="4381009" cy="5892104"/>
+          </a:xfrm>
+          <a:custGeom>
+            <a:avLst/>
+            <a:gdLst>
+              <a:gd name="connsiteX0" fmla="*/ 0 w 4381009"/>
+              <a:gd name="connsiteY0" fmla="*/ 0 h 5892104"/>
+              <a:gd name="connsiteX1" fmla="*/ 4157628 w 4381009"/>
+              <a:gd name="connsiteY1" fmla="*/ 0 h 5892104"/>
+              <a:gd name="connsiteX2" fmla="*/ 4169302 w 4381009"/>
+              <a:gd name="connsiteY2" fmla="*/ 68659 h 5892104"/>
+              <a:gd name="connsiteX3" fmla="*/ 4191571 w 4381009"/>
+              <a:gd name="connsiteY3" fmla="*/ 205472 h 5892104"/>
+              <a:gd name="connsiteX4" fmla="*/ 4213368 w 4381009"/>
+              <a:gd name="connsiteY4" fmla="*/ 342890 h 5892104"/>
+              <a:gd name="connsiteX5" fmla="*/ 4232030 w 4381009"/>
+              <a:gd name="connsiteY5" fmla="*/ 480913 h 5892104"/>
+              <a:gd name="connsiteX6" fmla="*/ 4250848 w 4381009"/>
+              <a:gd name="connsiteY6" fmla="*/ 618332 h 5892104"/>
+              <a:gd name="connsiteX7" fmla="*/ 4268412 w 4381009"/>
+              <a:gd name="connsiteY7" fmla="*/ 756355 h 5892104"/>
+              <a:gd name="connsiteX8" fmla="*/ 4283467 w 4381009"/>
+              <a:gd name="connsiteY8" fmla="*/ 892563 h 5892104"/>
+              <a:gd name="connsiteX9" fmla="*/ 4297737 w 4381009"/>
+              <a:gd name="connsiteY9" fmla="*/ 1030587 h 5892104"/>
+              <a:gd name="connsiteX10" fmla="*/ 4310754 w 4381009"/>
+              <a:gd name="connsiteY10" fmla="*/ 1168005 h 5892104"/>
+              <a:gd name="connsiteX11" fmla="*/ 4322045 w 4381009"/>
+              <a:gd name="connsiteY11" fmla="*/ 1303002 h 5892104"/>
+              <a:gd name="connsiteX12" fmla="*/ 4333336 w 4381009"/>
+              <a:gd name="connsiteY12" fmla="*/ 1439815 h 5892104"/>
+              <a:gd name="connsiteX13" fmla="*/ 4342745 w 4381009"/>
+              <a:gd name="connsiteY13" fmla="*/ 1574812 h 5892104"/>
+              <a:gd name="connsiteX14" fmla="*/ 4350115 w 4381009"/>
+              <a:gd name="connsiteY14" fmla="*/ 1709808 h 5892104"/>
+              <a:gd name="connsiteX15" fmla="*/ 4357799 w 4381009"/>
+              <a:gd name="connsiteY15" fmla="*/ 1844200 h 5892104"/>
+              <a:gd name="connsiteX16" fmla="*/ 4364229 w 4381009"/>
+              <a:gd name="connsiteY16" fmla="*/ 1977381 h 5892104"/>
+              <a:gd name="connsiteX17" fmla="*/ 4368777 w 4381009"/>
+              <a:gd name="connsiteY17" fmla="*/ 2109351 h 5892104"/>
+              <a:gd name="connsiteX18" fmla="*/ 4372697 w 4381009"/>
+              <a:gd name="connsiteY18" fmla="*/ 2241321 h 5892104"/>
+              <a:gd name="connsiteX19" fmla="*/ 4376461 w 4381009"/>
+              <a:gd name="connsiteY19" fmla="*/ 2372080 h 5892104"/>
+              <a:gd name="connsiteX20" fmla="*/ 4378186 w 4381009"/>
+              <a:gd name="connsiteY20" fmla="*/ 2501023 h 5892104"/>
+              <a:gd name="connsiteX21" fmla="*/ 4380068 w 4381009"/>
+              <a:gd name="connsiteY21" fmla="*/ 2629966 h 5892104"/>
+              <a:gd name="connsiteX22" fmla="*/ 4381009 w 4381009"/>
+              <a:gd name="connsiteY22" fmla="*/ 2757093 h 5892104"/>
+              <a:gd name="connsiteX23" fmla="*/ 4380068 w 4381009"/>
+              <a:gd name="connsiteY23" fmla="*/ 2883010 h 5892104"/>
+              <a:gd name="connsiteX24" fmla="*/ 4380068 w 4381009"/>
+              <a:gd name="connsiteY24" fmla="*/ 3007715 h 5892104"/>
+              <a:gd name="connsiteX25" fmla="*/ 4378186 w 4381009"/>
+              <a:gd name="connsiteY25" fmla="*/ 3131210 h 5892104"/>
+              <a:gd name="connsiteX26" fmla="*/ 4375363 w 4381009"/>
+              <a:gd name="connsiteY26" fmla="*/ 3252283 h 5892104"/>
+              <a:gd name="connsiteX27" fmla="*/ 4372697 w 4381009"/>
+              <a:gd name="connsiteY27" fmla="*/ 3372146 h 5892104"/>
+              <a:gd name="connsiteX28" fmla="*/ 4369718 w 4381009"/>
+              <a:gd name="connsiteY28" fmla="*/ 3489587 h 5892104"/>
+              <a:gd name="connsiteX29" fmla="*/ 4365170 w 4381009"/>
+              <a:gd name="connsiteY29" fmla="*/ 3606423 h 5892104"/>
+              <a:gd name="connsiteX30" fmla="*/ 4360309 w 4381009"/>
+              <a:gd name="connsiteY30" fmla="*/ 3721443 h 5892104"/>
+              <a:gd name="connsiteX31" fmla="*/ 4355918 w 4381009"/>
+              <a:gd name="connsiteY31" fmla="*/ 3834041 h 5892104"/>
+              <a:gd name="connsiteX32" fmla="*/ 4343529 w 4381009"/>
+              <a:gd name="connsiteY32" fmla="*/ 4053789 h 5892104"/>
+              <a:gd name="connsiteX33" fmla="*/ 4330356 w 4381009"/>
+              <a:gd name="connsiteY33" fmla="*/ 4264457 h 5892104"/>
+              <a:gd name="connsiteX34" fmla="*/ 4316556 w 4381009"/>
+              <a:gd name="connsiteY34" fmla="*/ 4466650 h 5892104"/>
+              <a:gd name="connsiteX35" fmla="*/ 4301344 w 4381009"/>
+              <a:gd name="connsiteY35" fmla="*/ 4657946 h 5892104"/>
+              <a:gd name="connsiteX36" fmla="*/ 4285506 w 4381009"/>
+              <a:gd name="connsiteY36" fmla="*/ 4840767 h 5892104"/>
+              <a:gd name="connsiteX37" fmla="*/ 4268412 w 4381009"/>
+              <a:gd name="connsiteY37" fmla="*/ 5010269 h 5892104"/>
+              <a:gd name="connsiteX38" fmla="*/ 4251633 w 4381009"/>
+              <a:gd name="connsiteY38" fmla="*/ 5169481 h 5892104"/>
+              <a:gd name="connsiteX39" fmla="*/ 4234853 w 4381009"/>
+              <a:gd name="connsiteY39" fmla="*/ 5315980 h 5892104"/>
+              <a:gd name="connsiteX40" fmla="*/ 4219014 w 4381009"/>
+              <a:gd name="connsiteY40" fmla="*/ 5450371 h 5892104"/>
+              <a:gd name="connsiteX41" fmla="*/ 4203959 w 4381009"/>
+              <a:gd name="connsiteY41" fmla="*/ 5569628 h 5892104"/>
+              <a:gd name="connsiteX42" fmla="*/ 4189689 w 4381009"/>
+              <a:gd name="connsiteY42" fmla="*/ 5677384 h 5892104"/>
+              <a:gd name="connsiteX43" fmla="*/ 4177770 w 4381009"/>
+              <a:gd name="connsiteY43" fmla="*/ 5768189 h 5892104"/>
+              <a:gd name="connsiteX44" fmla="*/ 4166479 w 4381009"/>
+              <a:gd name="connsiteY44" fmla="*/ 5844465 h 5892104"/>
+              <a:gd name="connsiteX45" fmla="*/ 4159132 w 4381009"/>
+              <a:gd name="connsiteY45" fmla="*/ 5892104 h 5892104"/>
+              <a:gd name="connsiteX46" fmla="*/ 0 w 4381009"/>
+              <a:gd name="connsiteY46" fmla="*/ 5892104 h 5892104"/>
+            </a:gdLst>
+            <a:ahLst/>
+            <a:cxnLst>
+              <a:cxn ang="0">
+                <a:pos x="connsiteX0" y="connsiteY0"/>
+              </a:cxn>
+              <a:cxn ang="0">
+                <a:pos x="connsiteX1" y="connsiteY1"/>
+              </a:cxn>
+              <a:cxn ang="0">
+                <a:pos x="connsiteX2" y="connsiteY2"/>
+              </a:cxn>
+              <a:cxn ang="0">
+                <a:pos x="connsiteX3" y="connsiteY3"/>
+              </a:cxn>
+              <a:cxn ang="0">
+                <a:pos x="connsiteX4" y="connsiteY4"/>
+              </a:cxn>
+              <a:cxn ang="0">
+                <a:pos x="connsiteX5" y="connsiteY5"/>
+              </a:cxn>
+              <a:cxn ang="0">
+                <a:pos x="connsiteX6" y="connsiteY6"/>
+              </a:cxn>
+              <a:cxn ang="0">
+                <a:pos x="connsiteX7" y="connsiteY7"/>
+              </a:cxn>
+              <a:cxn ang="0">
+                <a:pos x="connsiteX8" y="connsiteY8"/>
+              </a:cxn>
+              <a:cxn ang="0">
+                <a:pos x="connsiteX9" y="connsiteY9"/>
+              </a:cxn>
+              <a:cxn ang="0">
+                <a:pos x="connsiteX10" y="connsiteY10"/>
+              </a:cxn>
+              <a:cxn ang="0">
+                <a:pos x="connsiteX11" y="connsiteY11"/>
+              </a:cxn>
+              <a:cxn ang="0">
+                <a:pos x="connsiteX12" y="connsiteY12"/>
+              </a:cxn>
+              <a:cxn ang="0">
+                <a:pos x="connsiteX13" y="connsiteY13"/>
+              </a:cxn>
+              <a:cxn ang="0">
+                <a:pos x="connsiteX14" y="connsiteY14"/>
+              </a:cxn>
+              <a:cxn ang="0">
+                <a:pos x="connsiteX15" y="connsiteY15"/>
+              </a:cxn>
+              <a:cxn ang="0">
+                <a:pos x="connsiteX16" y="connsiteY16"/>
+              </a:cxn>
+              <a:cxn ang="0">
+                <a:pos x="connsiteX17" y="connsiteY17"/>
+              </a:cxn>
+              <a:cxn ang="0">
+                <a:pos x="connsiteX18" y="connsiteY18"/>
+              </a:cxn>
+              <a:cxn ang="0">
+                <a:pos x="connsiteX19" y="connsiteY19"/>
+              </a:cxn>
+              <a:cxn ang="0">
+                <a:pos x="connsiteX20" y="connsiteY20"/>
+              </a:cxn>
+              <a:cxn ang="0">
+                <a:pos x="connsiteX21" y="connsiteY21"/>
+              </a:cxn>
+              <a:cxn ang="0">
+                <a:pos x="connsiteX22" y="connsiteY22"/>
+              </a:cxn>
+              <a:cxn ang="0">
+                <a:pos x="connsiteX23" y="connsiteY23"/>
+              </a:cxn>
+              <a:cxn ang="0">
+                <a:pos x="connsiteX24" y="connsiteY24"/>
+              </a:cxn>
+              <a:cxn ang="0">
+                <a:pos x="connsiteX25" y="connsiteY25"/>
+              </a:cxn>
+              <a:cxn ang="0">
+                <a:pos x="connsiteX26" y="connsiteY26"/>
+              </a:cxn>
+              <a:cxn ang="0">
+                <a:pos x="connsiteX27" y="connsiteY27"/>
+              </a:cxn>
+              <a:cxn ang="0">
+                <a:pos x="connsiteX28" y="connsiteY28"/>
+              </a:cxn>
+              <a:cxn ang="0">
+                <a:pos x="connsiteX29" y="connsiteY29"/>
+              </a:cxn>
+              <a:cxn ang="0">
+                <a:pos x="connsiteX30" y="connsiteY30"/>
+              </a:cxn>
+              <a:cxn ang="0">
+                <a:pos x="connsiteX31" y="connsiteY31"/>
+              </a:cxn>
+              <a:cxn ang="0">
+                <a:pos x="connsiteX32" y="connsiteY32"/>
+              </a:cxn>
+              <a:cxn ang="0">
+                <a:pos x="connsiteX33" y="connsiteY33"/>
+              </a:cxn>
+              <a:cxn ang="0">
+                <a:pos x="connsiteX34" y="connsiteY34"/>
+              </a:cxn>
+              <a:cxn ang="0">
+                <a:pos x="connsiteX35" y="connsiteY35"/>
+              </a:cxn>
+              <a:cxn ang="0">
+                <a:pos x="connsiteX36" y="connsiteY36"/>
+              </a:cxn>
+              <a:cxn ang="0">
+                <a:pos x="connsiteX37" y="connsiteY37"/>
+              </a:cxn>
+              <a:cxn ang="0">
+                <a:pos x="connsiteX38" y="connsiteY38"/>
+              </a:cxn>
+              <a:cxn ang="0">
+                <a:pos x="connsiteX39" y="connsiteY39"/>
+              </a:cxn>
+              <a:cxn ang="0">
+                <a:pos x="connsiteX40" y="connsiteY40"/>
+              </a:cxn>
+              <a:cxn ang="0">
+                <a:pos x="connsiteX41" y="connsiteY41"/>
+              </a:cxn>
+              <a:cxn ang="0">
+                <a:pos x="connsiteX42" y="connsiteY42"/>
+              </a:cxn>
+              <a:cxn ang="0">
+                <a:pos x="connsiteX43" y="connsiteY43"/>
+              </a:cxn>
+              <a:cxn ang="0">
+                <a:pos x="connsiteX44" y="connsiteY44"/>
+              </a:cxn>
+              <a:cxn ang="0">
+                <a:pos x="connsiteX45" y="connsiteY45"/>
+              </a:cxn>
+              <a:cxn ang="0">
+                <a:pos x="connsiteX46" y="connsiteY46"/>
+              </a:cxn>
+            </a:cxnLst>
+            <a:rect l="l" t="t" r="r" b="b"/>
+            <a:pathLst>
+              <a:path w="4381009" h="5892104">
+                <a:moveTo>
+                  <a:pt x="0" y="0"/>
+                </a:moveTo>
+                <a:lnTo>
+                  <a:pt x="4157628" y="0"/>
+                </a:lnTo>
+                <a:lnTo>
+                  <a:pt x="4169302" y="68659"/>
+                </a:lnTo>
+                <a:lnTo>
+                  <a:pt x="4191571" y="205472"/>
+                </a:lnTo>
+                <a:lnTo>
+                  <a:pt x="4213368" y="342890"/>
+                </a:lnTo>
+                <a:lnTo>
+                  <a:pt x="4232030" y="480913"/>
+                </a:lnTo>
+                <a:lnTo>
+                  <a:pt x="4250848" y="618332"/>
+                </a:lnTo>
+                <a:lnTo>
+                  <a:pt x="4268412" y="756355"/>
+                </a:lnTo>
+                <a:lnTo>
+                  <a:pt x="4283467" y="892563"/>
+                </a:lnTo>
+                <a:lnTo>
+                  <a:pt x="4297737" y="1030587"/>
+                </a:lnTo>
+                <a:lnTo>
+                  <a:pt x="4310754" y="1168005"/>
+                </a:lnTo>
+                <a:lnTo>
+                  <a:pt x="4322045" y="1303002"/>
+                </a:lnTo>
+                <a:lnTo>
+                  <a:pt x="4333336" y="1439815"/>
+                </a:lnTo>
+                <a:lnTo>
+                  <a:pt x="4342745" y="1574812"/>
+                </a:lnTo>
+                <a:lnTo>
+                  <a:pt x="4350115" y="1709808"/>
+                </a:lnTo>
+                <a:lnTo>
+                  <a:pt x="4357799" y="1844200"/>
+                </a:lnTo>
+                <a:lnTo>
+                  <a:pt x="4364229" y="1977381"/>
+                </a:lnTo>
+                <a:lnTo>
+                  <a:pt x="4368777" y="2109351"/>
+                </a:lnTo>
+                <a:lnTo>
+                  <a:pt x="4372697" y="2241321"/>
+                </a:lnTo>
+                <a:lnTo>
+                  <a:pt x="4376461" y="2372080"/>
+                </a:lnTo>
+                <a:lnTo>
+                  <a:pt x="4378186" y="2501023"/>
+                </a:lnTo>
+                <a:lnTo>
+                  <a:pt x="4380068" y="2629966"/>
+                </a:lnTo>
+                <a:lnTo>
+                  <a:pt x="4381009" y="2757093"/>
+                </a:lnTo>
+                <a:lnTo>
+                  <a:pt x="4380068" y="2883010"/>
+                </a:lnTo>
+                <a:lnTo>
+                  <a:pt x="4380068" y="3007715"/>
+                </a:lnTo>
+                <a:lnTo>
+                  <a:pt x="4378186" y="3131210"/>
+                </a:lnTo>
+                <a:lnTo>
+                  <a:pt x="4375363" y="3252283"/>
+                </a:lnTo>
+                <a:lnTo>
+                  <a:pt x="4372697" y="3372146"/>
+                </a:lnTo>
+                <a:lnTo>
+                  <a:pt x="4369718" y="3489587"/>
+                </a:lnTo>
+                <a:lnTo>
+                  <a:pt x="4365170" y="3606423"/>
+                </a:lnTo>
+                <a:lnTo>
+                  <a:pt x="4360309" y="3721443"/>
+                </a:lnTo>
+                <a:lnTo>
+                  <a:pt x="4355918" y="3834041"/>
+                </a:lnTo>
+                <a:lnTo>
+                  <a:pt x="4343529" y="4053789"/>
+                </a:lnTo>
+                <a:lnTo>
+                  <a:pt x="4330356" y="4264457"/>
+                </a:lnTo>
+                <a:lnTo>
+                  <a:pt x="4316556" y="4466650"/>
+                </a:lnTo>
+                <a:lnTo>
+                  <a:pt x="4301344" y="4657946"/>
+                </a:lnTo>
+                <a:lnTo>
+                  <a:pt x="4285506" y="4840767"/>
+                </a:lnTo>
+                <a:lnTo>
+                  <a:pt x="4268412" y="5010269"/>
+                </a:lnTo>
+                <a:lnTo>
+                  <a:pt x="4251633" y="5169481"/>
+                </a:lnTo>
+                <a:lnTo>
+                  <a:pt x="4234853" y="5315980"/>
+                </a:lnTo>
+                <a:lnTo>
+                  <a:pt x="4219014" y="5450371"/>
+                </a:lnTo>
+                <a:lnTo>
+                  <a:pt x="4203959" y="5569628"/>
+                </a:lnTo>
+                <a:lnTo>
+                  <a:pt x="4189689" y="5677384"/>
+                </a:lnTo>
+                <a:lnTo>
+                  <a:pt x="4177770" y="5768189"/>
+                </a:lnTo>
+                <a:lnTo>
+                  <a:pt x="4166479" y="5844465"/>
+                </a:lnTo>
+                <a:lnTo>
+                  <a:pt x="4159132" y="5892104"/>
+                </a:lnTo>
+                <a:lnTo>
+                  <a:pt x="0" y="5892104"/>
+                </a:lnTo>
+                <a:close/>
+              </a:path>
+            </a:pathLst>
+          </a:custGeom>
+          <a:solidFill>
+            <a:srgbClr val="404040"/>
+          </a:solidFill>
+          <a:ln>
+            <a:noFill/>
+          </a:ln>
+        </p:spPr>
+        <p:style>
+          <a:lnRef idx="2">
+            <a:schemeClr val="accent1">
+              <a:shade val="50000"/>
+            </a:schemeClr>
+          </a:lnRef>
+          <a:fillRef idx="1">
+            <a:schemeClr val="accent1"/>
+          </a:fillRef>
+          <a:effectRef idx="0">
+            <a:schemeClr val="accent1"/>
+          </a:effectRef>
+          <a:fontRef idx="minor">
+            <a:schemeClr val="lt1"/>
+          </a:fontRef>
+        </p:style>
+        <p:txBody>
+          <a:bodyPr wrap="square" rtlCol="0" anchor="ctr">
+            <a:noAutofit/>
+          </a:bodyPr>
+          <a:lstStyle/>
+          <a:p>
+            <a:pPr marL="0" marR="0" lvl="0" indent="0" algn="ctr" defTabSz="457200" rtl="0" eaLnBrk="1" fontAlgn="auto" latinLnBrk="0" hangingPunct="1">
+              <a:lnSpc>
+                <a:spcPct val="100000"/>
+              </a:lnSpc>
+              <a:spcBef>
+                <a:spcPts val="0"/>
+              </a:spcBef>
+              <a:spcAft>
+                <a:spcPts val="0"/>
+              </a:spcAft>
+              <a:buClrTx/>
+              <a:buSzTx/>
+              <a:buFontTx/>
+              <a:buNone/>
+              <a:tabLst/>
+              <a:defRPr/>
+            </a:pPr>
+            <a:endParaRPr kumimoji="0" lang="en-US" sz="1800" b="0" i="0" u="none" strike="noStrike" kern="1200" cap="none" spc="0" normalizeH="0" baseline="0" noProof="0">
+              <a:ln>
+                <a:noFill/>
+              </a:ln>
+              <a:solidFill>
+                <a:prstClr val="white"/>
+              </a:solidFill>
+              <a:effectLst/>
+              <a:uLnTx/>
+              <a:uFillTx/>
+              <a:latin typeface="Calibri" panose="020F0502020204030204"/>
+              <a:ea typeface="+mn-ea"/>
+              <a:cs typeface="+mn-cs"/>
+            </a:endParaRPr>
+          </a:p>
+        </p:txBody>
+      </p:sp>
+      <p:sp>
+        <p:nvSpPr>
+          <p:cNvPr id="2" name="Title 1">
+            <a:extLst>
+              <a:ext uri="{FF2B5EF4-FFF2-40B4-BE49-F238E27FC236}">
+                <a16:creationId xmlns:a16="http://schemas.microsoft.com/office/drawing/2014/main" id="{452A2C73-EDA1-4352-91D6-C334C2FB64D4}"/>
+              </a:ext>
+            </a:extLst>
+          </p:cNvPr>
+          <p:cNvSpPr>
+            <a:spLocks noGrp="1"/>
+          </p:cNvSpPr>
+          <p:nvPr>
+            <p:ph type="title"/>
+          </p:nvPr>
+        </p:nvSpPr>
+        <p:spPr>
+          <a:xfrm>
+            <a:off x="863029" y="1012004"/>
+            <a:ext cx="3416158" cy="4795408"/>
+          </a:xfrm>
+        </p:spPr>
+        <p:txBody>
+          <a:bodyPr>
+            <a:normAutofit/>
+          </a:bodyPr>
+          <a:lstStyle/>
+          <a:p>
+            <a:r>
+              <a:rPr lang="en-AU">
+                <a:solidFill>
+                  <a:srgbClr val="FFFFFF"/>
+                </a:solidFill>
+              </a:rPr>
+              <a:t>Cheat sheet - Useful Function</a:t>
+            </a:r>
+          </a:p>
+        </p:txBody>
+      </p:sp>
+      <p:graphicFrame>
+        <p:nvGraphicFramePr>
+          <p:cNvPr id="5" name="Content Placeholder 2">
+            <a:extLst>
+              <a:ext uri="{FF2B5EF4-FFF2-40B4-BE49-F238E27FC236}">
+                <a16:creationId xmlns:a16="http://schemas.microsoft.com/office/drawing/2014/main" id="{33FB29AB-DF82-4695-B680-7FFA1BF5F6E0}"/>
+              </a:ext>
+            </a:extLst>
+          </p:cNvPr>
+          <p:cNvGraphicFramePr>
+            <a:graphicFrameLocks noGrp="1"/>
+          </p:cNvGraphicFramePr>
+          <p:nvPr>
+            <p:ph idx="1"/>
+            <p:extLst>
+              <p:ext uri="{D42A27DB-BD31-4B8C-83A1-F6EECF244321}">
+                <p14:modId xmlns:p14="http://schemas.microsoft.com/office/powerpoint/2010/main" val="1977967846"/>
+              </p:ext>
+            </p:extLst>
+          </p:nvPr>
+        </p:nvGraphicFramePr>
+        <p:xfrm>
+          <a:off x="5194300" y="470924"/>
+          <a:ext cx="6513604" cy="5885426"/>
+        </p:xfrm>
+        <a:graphic>
+          <a:graphicData uri="http://schemas.openxmlformats.org/drawingml/2006/diagram">
+            <dgm:relIds xmlns:dgm="http://schemas.openxmlformats.org/drawingml/2006/diagram" xmlns:r="http://schemas.openxmlformats.org/officeDocument/2006/relationships" r:dm="rId2" r:lo="rId3" r:qs="rId4" r:cs="rId5"/>
+          </a:graphicData>
+        </a:graphic>
+      </p:graphicFrame>
+    </p:spTree>
+    <p:extLst>
+      <p:ext uri="{BB962C8B-B14F-4D97-AF65-F5344CB8AC3E}">
+        <p14:creationId xmlns:p14="http://schemas.microsoft.com/office/powerpoint/2010/main" val="3826243999"/>
       </p:ext>
     </p:extLst>
   </p:cSld>

--- a/R_tutorial_1.pptx
+++ b/R_tutorial_1.pptx
@@ -1409,6 +1409,13 @@
         </dgm:presLayoutVars>
       </dgm:prSet>
       <dgm:spPr/>
+      <dgm:t>
+        <a:bodyPr/>
+        <a:lstStyle/>
+        <a:p>
+          <a:endParaRPr lang="en-US"/>
+        </a:p>
+      </dgm:t>
     </dgm:pt>
     <dgm:pt modelId="{CC77E21D-64CE-CB41-9B71-C8F2407ADF55}" type="pres">
       <dgm:prSet presAssocID="{DA166C2E-485E-4BFC-BE99-4E35646D962C}" presName="parentText" presStyleLbl="node1" presStyleIdx="0" presStyleCnt="6">
@@ -1418,6 +1425,13 @@
         </dgm:presLayoutVars>
       </dgm:prSet>
       <dgm:spPr/>
+      <dgm:t>
+        <a:bodyPr/>
+        <a:lstStyle/>
+        <a:p>
+          <a:endParaRPr lang="en-US"/>
+        </a:p>
+      </dgm:t>
     </dgm:pt>
     <dgm:pt modelId="{0782BF3C-FCEE-7F4A-AA85-599D127E8774}" type="pres">
       <dgm:prSet presAssocID="{DA166C2E-485E-4BFC-BE99-4E35646D962C}" presName="childText" presStyleLbl="revTx" presStyleIdx="0" presStyleCnt="6">
@@ -1426,6 +1440,13 @@
         </dgm:presLayoutVars>
       </dgm:prSet>
       <dgm:spPr/>
+      <dgm:t>
+        <a:bodyPr/>
+        <a:lstStyle/>
+        <a:p>
+          <a:endParaRPr lang="en-US"/>
+        </a:p>
+      </dgm:t>
     </dgm:pt>
     <dgm:pt modelId="{3D1AD9DC-241B-7649-BFCB-B56BDB3C403B}" type="pres">
       <dgm:prSet presAssocID="{E3649029-8A33-4F9B-92CC-6C607BDC7FB0}" presName="parentText" presStyleLbl="node1" presStyleIdx="1" presStyleCnt="6">
@@ -1435,6 +1456,13 @@
         </dgm:presLayoutVars>
       </dgm:prSet>
       <dgm:spPr/>
+      <dgm:t>
+        <a:bodyPr/>
+        <a:lstStyle/>
+        <a:p>
+          <a:endParaRPr lang="en-US"/>
+        </a:p>
+      </dgm:t>
     </dgm:pt>
     <dgm:pt modelId="{C56477D4-0E2D-6047-A570-D679E3BCABC6}" type="pres">
       <dgm:prSet presAssocID="{E3649029-8A33-4F9B-92CC-6C607BDC7FB0}" presName="childText" presStyleLbl="revTx" presStyleIdx="1" presStyleCnt="6">
@@ -1443,6 +1471,13 @@
         </dgm:presLayoutVars>
       </dgm:prSet>
       <dgm:spPr/>
+      <dgm:t>
+        <a:bodyPr/>
+        <a:lstStyle/>
+        <a:p>
+          <a:endParaRPr lang="en-US"/>
+        </a:p>
+      </dgm:t>
     </dgm:pt>
     <dgm:pt modelId="{25949752-7EA1-3C43-B20E-E2BEFCF2AE38}" type="pres">
       <dgm:prSet presAssocID="{151A7918-771A-425E-8E4F-F1C821C1D18F}" presName="parentText" presStyleLbl="node1" presStyleIdx="2" presStyleCnt="6">
@@ -1452,6 +1487,13 @@
         </dgm:presLayoutVars>
       </dgm:prSet>
       <dgm:spPr/>
+      <dgm:t>
+        <a:bodyPr/>
+        <a:lstStyle/>
+        <a:p>
+          <a:endParaRPr lang="en-US"/>
+        </a:p>
+      </dgm:t>
     </dgm:pt>
     <dgm:pt modelId="{73CC6E22-C909-2340-B1C3-FEB2A9825EA7}" type="pres">
       <dgm:prSet presAssocID="{151A7918-771A-425E-8E4F-F1C821C1D18F}" presName="childText" presStyleLbl="revTx" presStyleIdx="2" presStyleCnt="6">
@@ -1460,6 +1502,13 @@
         </dgm:presLayoutVars>
       </dgm:prSet>
       <dgm:spPr/>
+      <dgm:t>
+        <a:bodyPr/>
+        <a:lstStyle/>
+        <a:p>
+          <a:endParaRPr lang="en-US"/>
+        </a:p>
+      </dgm:t>
     </dgm:pt>
     <dgm:pt modelId="{F914D0E9-564D-1246-89D0-3FE8BCA8279B}" type="pres">
       <dgm:prSet presAssocID="{E90941AE-E3AC-4C49-A679-DCA88DC54446}" presName="parentText" presStyleLbl="node1" presStyleIdx="3" presStyleCnt="6">
@@ -1469,6 +1518,13 @@
         </dgm:presLayoutVars>
       </dgm:prSet>
       <dgm:spPr/>
+      <dgm:t>
+        <a:bodyPr/>
+        <a:lstStyle/>
+        <a:p>
+          <a:endParaRPr lang="en-US"/>
+        </a:p>
+      </dgm:t>
     </dgm:pt>
     <dgm:pt modelId="{BA1F524B-575A-F74C-8BCC-44D3D244B97E}" type="pres">
       <dgm:prSet presAssocID="{E90941AE-E3AC-4C49-A679-DCA88DC54446}" presName="childText" presStyleLbl="revTx" presStyleIdx="3" presStyleCnt="6">
@@ -1477,6 +1533,13 @@
         </dgm:presLayoutVars>
       </dgm:prSet>
       <dgm:spPr/>
+      <dgm:t>
+        <a:bodyPr/>
+        <a:lstStyle/>
+        <a:p>
+          <a:endParaRPr lang="en-US"/>
+        </a:p>
+      </dgm:t>
     </dgm:pt>
     <dgm:pt modelId="{A295B0AA-8471-D244-81FE-1A63E3FD227A}" type="pres">
       <dgm:prSet presAssocID="{B1671A0C-7778-4D88-967E-23E1A4B599AF}" presName="parentText" presStyleLbl="node1" presStyleIdx="4" presStyleCnt="6">
@@ -1486,6 +1549,13 @@
         </dgm:presLayoutVars>
       </dgm:prSet>
       <dgm:spPr/>
+      <dgm:t>
+        <a:bodyPr/>
+        <a:lstStyle/>
+        <a:p>
+          <a:endParaRPr lang="en-US"/>
+        </a:p>
+      </dgm:t>
     </dgm:pt>
     <dgm:pt modelId="{DF700B83-9D7A-2146-BB98-1879C0B10EDA}" type="pres">
       <dgm:prSet presAssocID="{B1671A0C-7778-4D88-967E-23E1A4B599AF}" presName="childText" presStyleLbl="revTx" presStyleIdx="4" presStyleCnt="6">
@@ -1494,6 +1564,13 @@
         </dgm:presLayoutVars>
       </dgm:prSet>
       <dgm:spPr/>
+      <dgm:t>
+        <a:bodyPr/>
+        <a:lstStyle/>
+        <a:p>
+          <a:endParaRPr lang="en-US"/>
+        </a:p>
+      </dgm:t>
     </dgm:pt>
     <dgm:pt modelId="{F4E6F849-D78A-7347-9792-C274A40BF37B}" type="pres">
       <dgm:prSet presAssocID="{E61A6672-2563-4D04-97DF-E7EABBC0594D}" presName="parentText" presStyleLbl="node1" presStyleIdx="5" presStyleCnt="6">
@@ -1503,6 +1580,13 @@
         </dgm:presLayoutVars>
       </dgm:prSet>
       <dgm:spPr/>
+      <dgm:t>
+        <a:bodyPr/>
+        <a:lstStyle/>
+        <a:p>
+          <a:endParaRPr lang="en-US"/>
+        </a:p>
+      </dgm:t>
     </dgm:pt>
     <dgm:pt modelId="{1EE5DA03-7F24-BE48-8853-19F83B52FE61}" type="pres">
       <dgm:prSet presAssocID="{E61A6672-2563-4D04-97DF-E7EABBC0594D}" presName="childText" presStyleLbl="revTx" presStyleIdx="5" presStyleCnt="6">
@@ -1511,34 +1595,41 @@
         </dgm:presLayoutVars>
       </dgm:prSet>
       <dgm:spPr/>
+      <dgm:t>
+        <a:bodyPr/>
+        <a:lstStyle/>
+        <a:p>
+          <a:endParaRPr lang="en-US"/>
+        </a:p>
+      </dgm:t>
     </dgm:pt>
   </dgm:ptLst>
   <dgm:cxnLst>
+    <dgm:cxn modelId="{BA5E9A57-34E5-C348-BBA8-F604F4ED2DD6}" type="presOf" srcId="{B1671A0C-7778-4D88-967E-23E1A4B599AF}" destId="{A295B0AA-8471-D244-81FE-1A63E3FD227A}" srcOrd="0" destOrd="0" presId="urn:microsoft.com/office/officeart/2005/8/layout/vList2"/>
+    <dgm:cxn modelId="{FE3BA33E-7725-4929-A4E7-2CEAC303510C}" srcId="{B2C86FE4-E287-4F30-80E6-FDBDE5B49AAE}" destId="{B1671A0C-7778-4D88-967E-23E1A4B599AF}" srcOrd="4" destOrd="0" parTransId="{F8E69A11-1CF8-4CC4-BD62-EBF3811962D2}" sibTransId="{A80F26DB-9B1F-44E5-8AEB-F147318DC3A2}"/>
+    <dgm:cxn modelId="{A8433CA9-D826-594E-A2A7-137DEF3C23B2}" type="presOf" srcId="{151A7918-771A-425E-8E4F-F1C821C1D18F}" destId="{25949752-7EA1-3C43-B20E-E2BEFCF2AE38}" srcOrd="0" destOrd="0" presId="urn:microsoft.com/office/officeart/2005/8/layout/vList2"/>
+    <dgm:cxn modelId="{926CB927-904B-419B-AC53-C8226A149F27}" srcId="{B2C86FE4-E287-4F30-80E6-FDBDE5B49AAE}" destId="{E61A6672-2563-4D04-97DF-E7EABBC0594D}" srcOrd="5" destOrd="0" parTransId="{C799568B-D12A-4E6E-BB27-06D38522C594}" sibTransId="{97417764-DD5D-4E89-B743-6816F40FE661}"/>
+    <dgm:cxn modelId="{0BDF8823-24C9-485C-B8C6-A4953B948016}" srcId="{E3649029-8A33-4F9B-92CC-6C607BDC7FB0}" destId="{21CA7E42-44AE-4FE6-852B-7316172B65B1}" srcOrd="0" destOrd="0" parTransId="{7C141332-E2FF-4863-81ED-354DB6B95A4B}" sibTransId="{B42FD8CC-EC8B-4B0C-8F3B-DDFC64EED359}"/>
+    <dgm:cxn modelId="{100DCC6A-565C-1440-AE57-1CECE9E01690}" type="presOf" srcId="{E90941AE-E3AC-4C49-A679-DCA88DC54446}" destId="{F914D0E9-564D-1246-89D0-3FE8BCA8279B}" srcOrd="0" destOrd="0" presId="urn:microsoft.com/office/officeart/2005/8/layout/vList2"/>
+    <dgm:cxn modelId="{56FFD43D-05F5-1147-9BF3-3452B01C3B05}" type="presOf" srcId="{B2C86FE4-E287-4F30-80E6-FDBDE5B49AAE}" destId="{1342A802-4CE8-7D45-AA49-359CA8C752E7}" srcOrd="0" destOrd="0" presId="urn:microsoft.com/office/officeart/2005/8/layout/vList2"/>
+    <dgm:cxn modelId="{4E050646-9AEE-4760-AC23-64132FD5A614}" srcId="{E61A6672-2563-4D04-97DF-E7EABBC0594D}" destId="{C398112A-B578-4F0E-B4AE-0C01B95A36F4}" srcOrd="0" destOrd="0" parTransId="{3E69AF34-1B1B-4102-A55E-6873FAF808AD}" sibTransId="{60FD950B-FA0A-4A9F-99BF-6942F04FB31E}"/>
+    <dgm:cxn modelId="{C039B284-65E9-B54F-8FEF-EF1B62DD4578}" type="presOf" srcId="{E608FBFB-2A7E-41E5-B744-5F1864D87092}" destId="{BA1F524B-575A-F74C-8BCC-44D3D244B97E}" srcOrd="0" destOrd="0" presId="urn:microsoft.com/office/officeart/2005/8/layout/vList2"/>
+    <dgm:cxn modelId="{B1E03859-CDAD-4FB9-AF0B-D03D73E9879D}" srcId="{151A7918-771A-425E-8E4F-F1C821C1D18F}" destId="{7146C627-F220-49A6-9A50-8B635062AD9F}" srcOrd="0" destOrd="0" parTransId="{96BBE02A-F389-452B-ACC8-56AE1ADC5A82}" sibTransId="{E12DC2B9-93C0-46C8-88C7-3A26161FD545}"/>
+    <dgm:cxn modelId="{1159F1C1-2A19-8441-806B-47298CAE5E45}" type="presOf" srcId="{181CE268-CCD1-4647-9B7D-946661F6BB69}" destId="{DF700B83-9D7A-2146-BB98-1879C0B10EDA}" srcOrd="0" destOrd="0" presId="urn:microsoft.com/office/officeart/2005/8/layout/vList2"/>
+    <dgm:cxn modelId="{BFA65036-F0F8-7344-829F-93681A9C3AA7}" type="presOf" srcId="{7146C627-F220-49A6-9A50-8B635062AD9F}" destId="{73CC6E22-C909-2340-B1C3-FEB2A9825EA7}" srcOrd="0" destOrd="0" presId="urn:microsoft.com/office/officeart/2005/8/layout/vList2"/>
+    <dgm:cxn modelId="{2069CF63-F99F-4CE8-BD09-C5140A560BF4}" srcId="{B2C86FE4-E287-4F30-80E6-FDBDE5B49AAE}" destId="{E3649029-8A33-4F9B-92CC-6C607BDC7FB0}" srcOrd="1" destOrd="0" parTransId="{FC996210-8FE0-4AB2-9528-DAD407B777AA}" sibTransId="{669DAA70-6F32-4421-94EA-2E7F0A343E22}"/>
+    <dgm:cxn modelId="{51B783C7-B245-934F-9D89-60EE94353584}" type="presOf" srcId="{21CA7E42-44AE-4FE6-852B-7316172B65B1}" destId="{C56477D4-0E2D-6047-A570-D679E3BCABC6}" srcOrd="0" destOrd="0" presId="urn:microsoft.com/office/officeart/2005/8/layout/vList2"/>
+    <dgm:cxn modelId="{BB0C5C6B-1B9E-4DC1-8F15-6233C7309557}" srcId="{E90941AE-E3AC-4C49-A679-DCA88DC54446}" destId="{E608FBFB-2A7E-41E5-B744-5F1864D87092}" srcOrd="0" destOrd="0" parTransId="{FBA4F619-0A54-4AB9-A21E-542A056AB5BA}" sibTransId="{869CA04A-6E4F-48A8-BBA1-E51A040A9585}"/>
+    <dgm:cxn modelId="{C67F829B-A3C8-B049-8C07-4E8CD11ECB4D}" type="presOf" srcId="{E3649029-8A33-4F9B-92CC-6C607BDC7FB0}" destId="{3D1AD9DC-241B-7649-BFCB-B56BDB3C403B}" srcOrd="0" destOrd="0" presId="urn:microsoft.com/office/officeart/2005/8/layout/vList2"/>
+    <dgm:cxn modelId="{C361974E-783B-4D89-AFC2-CED7677BB867}" srcId="{B2C86FE4-E287-4F30-80E6-FDBDE5B49AAE}" destId="{E90941AE-E3AC-4C49-A679-DCA88DC54446}" srcOrd="3" destOrd="0" parTransId="{C64682DD-78F7-4E9B-856D-2AF594431033}" sibTransId="{57FD8193-CF31-4391-A8C9-E13CF1B9B62D}"/>
+    <dgm:cxn modelId="{203A85B9-2C21-4EAD-ACF1-474790DBADA1}" srcId="{B1671A0C-7778-4D88-967E-23E1A4B599AF}" destId="{181CE268-CCD1-4647-9B7D-946661F6BB69}" srcOrd="0" destOrd="0" parTransId="{460B25C5-A748-449E-AD0E-D4652974F9EC}" sibTransId="{A823B296-A5B3-40C1-AC5F-4617DC2AF2E8}"/>
     <dgm:cxn modelId="{6F216423-7C38-5741-97BA-89C41DD0F8CD}" type="presOf" srcId="{DA166C2E-485E-4BFC-BE99-4E35646D962C}" destId="{CC77E21D-64CE-CB41-9B71-C8F2407ADF55}" srcOrd="0" destOrd="0" presId="urn:microsoft.com/office/officeart/2005/8/layout/vList2"/>
-    <dgm:cxn modelId="{0BDF8823-24C9-485C-B8C6-A4953B948016}" srcId="{E3649029-8A33-4F9B-92CC-6C607BDC7FB0}" destId="{21CA7E42-44AE-4FE6-852B-7316172B65B1}" srcOrd="0" destOrd="0" parTransId="{7C141332-E2FF-4863-81ED-354DB6B95A4B}" sibTransId="{B42FD8CC-EC8B-4B0C-8F3B-DDFC64EED359}"/>
-    <dgm:cxn modelId="{926CB927-904B-419B-AC53-C8226A149F27}" srcId="{B2C86FE4-E287-4F30-80E6-FDBDE5B49AAE}" destId="{E61A6672-2563-4D04-97DF-E7EABBC0594D}" srcOrd="5" destOrd="0" parTransId="{C799568B-D12A-4E6E-BB27-06D38522C594}" sibTransId="{97417764-DD5D-4E89-B743-6816F40FE661}"/>
-    <dgm:cxn modelId="{BFA65036-F0F8-7344-829F-93681A9C3AA7}" type="presOf" srcId="{7146C627-F220-49A6-9A50-8B635062AD9F}" destId="{73CC6E22-C909-2340-B1C3-FEB2A9825EA7}" srcOrd="0" destOrd="0" presId="urn:microsoft.com/office/officeart/2005/8/layout/vList2"/>
-    <dgm:cxn modelId="{56FFD43D-05F5-1147-9BF3-3452B01C3B05}" type="presOf" srcId="{B2C86FE4-E287-4F30-80E6-FDBDE5B49AAE}" destId="{1342A802-4CE8-7D45-AA49-359CA8C752E7}" srcOrd="0" destOrd="0" presId="urn:microsoft.com/office/officeart/2005/8/layout/vList2"/>
-    <dgm:cxn modelId="{FE3BA33E-7725-4929-A4E7-2CEAC303510C}" srcId="{B2C86FE4-E287-4F30-80E6-FDBDE5B49AAE}" destId="{B1671A0C-7778-4D88-967E-23E1A4B599AF}" srcOrd="4" destOrd="0" parTransId="{F8E69A11-1CF8-4CC4-BD62-EBF3811962D2}" sibTransId="{A80F26DB-9B1F-44E5-8AEB-F147318DC3A2}"/>
-    <dgm:cxn modelId="{2069CF63-F99F-4CE8-BD09-C5140A560BF4}" srcId="{B2C86FE4-E287-4F30-80E6-FDBDE5B49AAE}" destId="{E3649029-8A33-4F9B-92CC-6C607BDC7FB0}" srcOrd="1" destOrd="0" parTransId="{FC996210-8FE0-4AB2-9528-DAD407B777AA}" sibTransId="{669DAA70-6F32-4421-94EA-2E7F0A343E22}"/>
-    <dgm:cxn modelId="{4E050646-9AEE-4760-AC23-64132FD5A614}" srcId="{E61A6672-2563-4D04-97DF-E7EABBC0594D}" destId="{C398112A-B578-4F0E-B4AE-0C01B95A36F4}" srcOrd="0" destOrd="0" parTransId="{3E69AF34-1B1B-4102-A55E-6873FAF808AD}" sibTransId="{60FD950B-FA0A-4A9F-99BF-6942F04FB31E}"/>
+    <dgm:cxn modelId="{F8CC847F-0745-4C6C-9DBD-5CD5F26C89E9}" srcId="{B2C86FE4-E287-4F30-80E6-FDBDE5B49AAE}" destId="{DA166C2E-485E-4BFC-BE99-4E35646D962C}" srcOrd="0" destOrd="0" parTransId="{1F7FD855-433E-4D02-9E33-89CAFE4254AC}" sibTransId="{D873AD5A-F75D-45DB-8FA4-64803493B092}"/>
+    <dgm:cxn modelId="{1FA89C59-5115-476C-B046-2D0B45E59C16}" srcId="{B2C86FE4-E287-4F30-80E6-FDBDE5B49AAE}" destId="{151A7918-771A-425E-8E4F-F1C821C1D18F}" srcOrd="2" destOrd="0" parTransId="{F52935CA-ECEE-408E-B471-9612B361C3B2}" sibTransId="{5C18F4C9-4E8A-408F-8613-3B8CA5C9A3F2}"/>
     <dgm:cxn modelId="{631F2E66-8158-DF49-88F9-08256D50F425}" type="presOf" srcId="{E61A6672-2563-4D04-97DF-E7EABBC0594D}" destId="{F4E6F849-D78A-7347-9792-C274A40BF37B}" srcOrd="0" destOrd="0" presId="urn:microsoft.com/office/officeart/2005/8/layout/vList2"/>
-    <dgm:cxn modelId="{100DCC6A-565C-1440-AE57-1CECE9E01690}" type="presOf" srcId="{E90941AE-E3AC-4C49-A679-DCA88DC54446}" destId="{F914D0E9-564D-1246-89D0-3FE8BCA8279B}" srcOrd="0" destOrd="0" presId="urn:microsoft.com/office/officeart/2005/8/layout/vList2"/>
-    <dgm:cxn modelId="{BB0C5C6B-1B9E-4DC1-8F15-6233C7309557}" srcId="{E90941AE-E3AC-4C49-A679-DCA88DC54446}" destId="{E608FBFB-2A7E-41E5-B744-5F1864D87092}" srcOrd="0" destOrd="0" parTransId="{FBA4F619-0A54-4AB9-A21E-542A056AB5BA}" sibTransId="{869CA04A-6E4F-48A8-BBA1-E51A040A9585}"/>
-    <dgm:cxn modelId="{C361974E-783B-4D89-AFC2-CED7677BB867}" srcId="{B2C86FE4-E287-4F30-80E6-FDBDE5B49AAE}" destId="{E90941AE-E3AC-4C49-A679-DCA88DC54446}" srcOrd="3" destOrd="0" parTransId="{C64682DD-78F7-4E9B-856D-2AF594431033}" sibTransId="{57FD8193-CF31-4391-A8C9-E13CF1B9B62D}"/>
+    <dgm:cxn modelId="{3C457858-473D-6444-B600-8D2F7F0EC3F2}" type="presOf" srcId="{C398112A-B578-4F0E-B4AE-0C01B95A36F4}" destId="{1EE5DA03-7F24-BE48-8853-19F83B52FE61}" srcOrd="0" destOrd="0" presId="urn:microsoft.com/office/officeart/2005/8/layout/vList2"/>
     <dgm:cxn modelId="{D4A7D475-2AE9-4367-AD86-0B556516552B}" srcId="{DA166C2E-485E-4BFC-BE99-4E35646D962C}" destId="{CF09A259-7434-4C1C-90C3-2D50C790D5FD}" srcOrd="0" destOrd="0" parTransId="{45EB2C45-E68B-478F-9EAF-8774CC2D4FE3}" sibTransId="{047EAD47-2318-4013-817F-D87F52EA8BB8}"/>
     <dgm:cxn modelId="{A1513377-CAB1-E74E-AC84-0239FC3144D8}" type="presOf" srcId="{CF09A259-7434-4C1C-90C3-2D50C790D5FD}" destId="{0782BF3C-FCEE-7F4A-AA85-599D127E8774}" srcOrd="0" destOrd="0" presId="urn:microsoft.com/office/officeart/2005/8/layout/vList2"/>
-    <dgm:cxn modelId="{BA5E9A57-34E5-C348-BBA8-F604F4ED2DD6}" type="presOf" srcId="{B1671A0C-7778-4D88-967E-23E1A4B599AF}" destId="{A295B0AA-8471-D244-81FE-1A63E3FD227A}" srcOrd="0" destOrd="0" presId="urn:microsoft.com/office/officeart/2005/8/layout/vList2"/>
-    <dgm:cxn modelId="{3C457858-473D-6444-B600-8D2F7F0EC3F2}" type="presOf" srcId="{C398112A-B578-4F0E-B4AE-0C01B95A36F4}" destId="{1EE5DA03-7F24-BE48-8853-19F83B52FE61}" srcOrd="0" destOrd="0" presId="urn:microsoft.com/office/officeart/2005/8/layout/vList2"/>
-    <dgm:cxn modelId="{B1E03859-CDAD-4FB9-AF0B-D03D73E9879D}" srcId="{151A7918-771A-425E-8E4F-F1C821C1D18F}" destId="{7146C627-F220-49A6-9A50-8B635062AD9F}" srcOrd="0" destOrd="0" parTransId="{96BBE02A-F389-452B-ACC8-56AE1ADC5A82}" sibTransId="{E12DC2B9-93C0-46C8-88C7-3A26161FD545}"/>
-    <dgm:cxn modelId="{1FA89C59-5115-476C-B046-2D0B45E59C16}" srcId="{B2C86FE4-E287-4F30-80E6-FDBDE5B49AAE}" destId="{151A7918-771A-425E-8E4F-F1C821C1D18F}" srcOrd="2" destOrd="0" parTransId="{F52935CA-ECEE-408E-B471-9612B361C3B2}" sibTransId="{5C18F4C9-4E8A-408F-8613-3B8CA5C9A3F2}"/>
-    <dgm:cxn modelId="{F8CC847F-0745-4C6C-9DBD-5CD5F26C89E9}" srcId="{B2C86FE4-E287-4F30-80E6-FDBDE5B49AAE}" destId="{DA166C2E-485E-4BFC-BE99-4E35646D962C}" srcOrd="0" destOrd="0" parTransId="{1F7FD855-433E-4D02-9E33-89CAFE4254AC}" sibTransId="{D873AD5A-F75D-45DB-8FA4-64803493B092}"/>
-    <dgm:cxn modelId="{C039B284-65E9-B54F-8FEF-EF1B62DD4578}" type="presOf" srcId="{E608FBFB-2A7E-41E5-B744-5F1864D87092}" destId="{BA1F524B-575A-F74C-8BCC-44D3D244B97E}" srcOrd="0" destOrd="0" presId="urn:microsoft.com/office/officeart/2005/8/layout/vList2"/>
-    <dgm:cxn modelId="{C67F829B-A3C8-B049-8C07-4E8CD11ECB4D}" type="presOf" srcId="{E3649029-8A33-4F9B-92CC-6C607BDC7FB0}" destId="{3D1AD9DC-241B-7649-BFCB-B56BDB3C403B}" srcOrd="0" destOrd="0" presId="urn:microsoft.com/office/officeart/2005/8/layout/vList2"/>
-    <dgm:cxn modelId="{A8433CA9-D826-594E-A2A7-137DEF3C23B2}" type="presOf" srcId="{151A7918-771A-425E-8E4F-F1C821C1D18F}" destId="{25949752-7EA1-3C43-B20E-E2BEFCF2AE38}" srcOrd="0" destOrd="0" presId="urn:microsoft.com/office/officeart/2005/8/layout/vList2"/>
-    <dgm:cxn modelId="{203A85B9-2C21-4EAD-ACF1-474790DBADA1}" srcId="{B1671A0C-7778-4D88-967E-23E1A4B599AF}" destId="{181CE268-CCD1-4647-9B7D-946661F6BB69}" srcOrd="0" destOrd="0" parTransId="{460B25C5-A748-449E-AD0E-D4652974F9EC}" sibTransId="{A823B296-A5B3-40C1-AC5F-4617DC2AF2E8}"/>
-    <dgm:cxn modelId="{1159F1C1-2A19-8441-806B-47298CAE5E45}" type="presOf" srcId="{181CE268-CCD1-4647-9B7D-946661F6BB69}" destId="{DF700B83-9D7A-2146-BB98-1879C0B10EDA}" srcOrd="0" destOrd="0" presId="urn:microsoft.com/office/officeart/2005/8/layout/vList2"/>
-    <dgm:cxn modelId="{51B783C7-B245-934F-9D89-60EE94353584}" type="presOf" srcId="{21CA7E42-44AE-4FE6-852B-7316172B65B1}" destId="{C56477D4-0E2D-6047-A570-D679E3BCABC6}" srcOrd="0" destOrd="0" presId="urn:microsoft.com/office/officeart/2005/8/layout/vList2"/>
     <dgm:cxn modelId="{DFF7632A-83CD-5547-9525-72A6E19F800B}" type="presParOf" srcId="{1342A802-4CE8-7D45-AA49-359CA8C752E7}" destId="{CC77E21D-64CE-CB41-9B71-C8F2407ADF55}" srcOrd="0" destOrd="0" presId="urn:microsoft.com/office/officeart/2005/8/layout/vList2"/>
     <dgm:cxn modelId="{7B78649D-F447-EB42-B905-00559374EDC7}" type="presParOf" srcId="{1342A802-4CE8-7D45-AA49-359CA8C752E7}" destId="{0782BF3C-FCEE-7F4A-AA85-599D127E8774}" srcOrd="1" destOrd="0" presId="urn:microsoft.com/office/officeart/2005/8/layout/vList2"/>
     <dgm:cxn modelId="{9F371641-10C3-4C49-B584-B83B20BCB33D}" type="presParOf" srcId="{1342A802-4CE8-7D45-AA49-359CA8C752E7}" destId="{3D1AD9DC-241B-7649-BFCB-B56BDB3C403B}" srcOrd="2" destOrd="0" presId="urn:microsoft.com/office/officeart/2005/8/layout/vList2"/>
@@ -1625,7 +1716,7 @@
         </a:bodyPr>
         <a:lstStyle/>
         <a:p>
-          <a:pPr marL="0" lvl="0" indent="0" algn="l" defTabSz="977900">
+          <a:pPr lvl="0" algn="l" defTabSz="977900">
             <a:lnSpc>
               <a:spcPct val="90000"/>
             </a:lnSpc>
@@ -1635,7 +1726,6 @@
             <a:spcAft>
               <a:spcPct val="35000"/>
             </a:spcAft>
-            <a:buNone/>
           </a:pPr>
           <a:r>
             <a:rPr lang="en-AU" sz="2200" kern="1200"/>
@@ -1696,7 +1786,7 @@
             <a:spcAft>
               <a:spcPct val="20000"/>
             </a:spcAft>
-            <a:buChar char="•"/>
+            <a:buChar char="••"/>
           </a:pPr>
           <a:r>
             <a:rPr lang="en-AU" sz="1700" kern="1200"/>
@@ -1765,7 +1855,7 @@
         </a:bodyPr>
         <a:lstStyle/>
         <a:p>
-          <a:pPr marL="0" lvl="0" indent="0" algn="l" defTabSz="977900">
+          <a:pPr lvl="0" algn="l" defTabSz="977900">
             <a:lnSpc>
               <a:spcPct val="90000"/>
             </a:lnSpc>
@@ -1775,7 +1865,6 @@
             <a:spcAft>
               <a:spcPct val="35000"/>
             </a:spcAft>
-            <a:buNone/>
           </a:pPr>
           <a:r>
             <a:rPr lang="en-AU" sz="2200" kern="1200"/>
@@ -1836,7 +1925,7 @@
             <a:spcAft>
               <a:spcPct val="20000"/>
             </a:spcAft>
-            <a:buChar char="•"/>
+            <a:buChar char="••"/>
           </a:pPr>
           <a:r>
             <a:rPr lang="en-AU" sz="1700" kern="1200"/>
@@ -1905,7 +1994,7 @@
         </a:bodyPr>
         <a:lstStyle/>
         <a:p>
-          <a:pPr marL="0" lvl="0" indent="0" algn="l" defTabSz="977900">
+          <a:pPr lvl="0" algn="l" defTabSz="977900">
             <a:lnSpc>
               <a:spcPct val="90000"/>
             </a:lnSpc>
@@ -1915,7 +2004,6 @@
             <a:spcAft>
               <a:spcPct val="35000"/>
             </a:spcAft>
-            <a:buNone/>
           </a:pPr>
           <a:r>
             <a:rPr lang="en-AU" sz="2200" kern="1200"/>
@@ -1976,7 +2064,7 @@
             <a:spcAft>
               <a:spcPct val="20000"/>
             </a:spcAft>
-            <a:buChar char="•"/>
+            <a:buChar char="••"/>
           </a:pPr>
           <a:r>
             <a:rPr lang="en-AU" sz="1700" kern="1200"/>
@@ -2045,7 +2133,7 @@
         </a:bodyPr>
         <a:lstStyle/>
         <a:p>
-          <a:pPr marL="0" lvl="0" indent="0" algn="l" defTabSz="977900">
+          <a:pPr lvl="0" algn="l" defTabSz="977900">
             <a:lnSpc>
               <a:spcPct val="90000"/>
             </a:lnSpc>
@@ -2055,7 +2143,6 @@
             <a:spcAft>
               <a:spcPct val="35000"/>
             </a:spcAft>
-            <a:buNone/>
           </a:pPr>
           <a:r>
             <a:rPr lang="en-AU" sz="2200" kern="1200"/>
@@ -2116,7 +2203,7 @@
             <a:spcAft>
               <a:spcPct val="20000"/>
             </a:spcAft>
-            <a:buChar char="•"/>
+            <a:buChar char="••"/>
           </a:pPr>
           <a:r>
             <a:rPr lang="en-AU" sz="1700" kern="1200"/>
@@ -2185,7 +2272,7 @@
         </a:bodyPr>
         <a:lstStyle/>
         <a:p>
-          <a:pPr marL="0" lvl="0" indent="0" algn="l" defTabSz="977900">
+          <a:pPr lvl="0" algn="l" defTabSz="977900">
             <a:lnSpc>
               <a:spcPct val="90000"/>
             </a:lnSpc>
@@ -2195,7 +2282,6 @@
             <a:spcAft>
               <a:spcPct val="35000"/>
             </a:spcAft>
-            <a:buNone/>
           </a:pPr>
           <a:r>
             <a:rPr lang="en-AU" sz="2200" kern="1200"/>
@@ -2256,7 +2342,7 @@
             <a:spcAft>
               <a:spcPct val="20000"/>
             </a:spcAft>
-            <a:buChar char="•"/>
+            <a:buChar char="••"/>
           </a:pPr>
           <a:r>
             <a:rPr lang="en-AU" sz="1700" kern="1200"/>
@@ -2325,7 +2411,7 @@
         </a:bodyPr>
         <a:lstStyle/>
         <a:p>
-          <a:pPr marL="0" lvl="0" indent="0" algn="l" defTabSz="977900">
+          <a:pPr lvl="0" algn="l" defTabSz="977900">
             <a:lnSpc>
               <a:spcPct val="90000"/>
             </a:lnSpc>
@@ -2335,7 +2421,6 @@
             <a:spcAft>
               <a:spcPct val="35000"/>
             </a:spcAft>
-            <a:buNone/>
           </a:pPr>
           <a:r>
             <a:rPr lang="en-AU" sz="2200" kern="1200"/>
@@ -2396,7 +2481,7 @@
             <a:spcAft>
               <a:spcPct val="20000"/>
             </a:spcAft>
-            <a:buChar char="•"/>
+            <a:buChar char="••"/>
           </a:pPr>
           <a:r>
             <a:rPr lang="en-AU" sz="1700" kern="1200"/>
@@ -7319,7 +7404,7 @@
           <p:nvPr/>
         </p:nvPicPr>
         <p:blipFill>
-          <a:blip r:embed="rId3">
+          <a:blip r:embed="rId3" cstate="hqprint">
             <a:extLst>
               <a:ext uri="{28A0092B-C50C-407E-A947-70E740481C1C}">
                 <a14:useLocalDpi xmlns:a14="http://schemas.microsoft.com/office/drawing/2010/main" val="0"/>
@@ -10628,7 +10713,7 @@
           <p:nvPr/>
         </p:nvPicPr>
         <p:blipFill>
-          <a:blip r:embed="rId2">
+          <a:blip r:embed="rId2" cstate="hqprint">
             <a:extLst>
               <a:ext uri="{28A0092B-C50C-407E-A947-70E740481C1C}">
                 <a14:useLocalDpi xmlns:a14="http://schemas.microsoft.com/office/drawing/2010/main" val="0"/>
@@ -16466,7 +16551,7 @@
           <p:nvPr/>
         </p:nvPicPr>
         <p:blipFill>
-          <a:blip r:embed="rId2">
+          <a:blip r:embed="rId2" cstate="hqprint">
             <a:extLst>
               <a:ext uri="{28A0092B-C50C-407E-A947-70E740481C1C}">
                 <a14:useLocalDpi xmlns:a14="http://schemas.microsoft.com/office/drawing/2010/main" val="0"/>
@@ -17153,7 +17238,7 @@
                 <a16:creationId xmlns:a16="http://schemas.microsoft.com/office/drawing/2014/main" id="{46C2E80F-49A6-4372-B103-219D417A55ED}"/>
               </a:ext>
               <a:ext uri="{C183D7F6-B498-43B3-948B-1728B52AA6E4}">
-                <adec:decorative xmlns:adec="http://schemas.microsoft.com/office/drawing/2017/decorative" val="1"/>
+                <adec:decorative xmlns:adec="http://schemas.microsoft.com/office/drawing/2017/decorative" xmlns="" val="1"/>
               </a:ext>
             </a:extLst>
           </p:cNvPr>
@@ -18637,6 +18722,36 @@
           </a:p>
         </p:txBody>
       </p:sp>
+      <p:pic>
+        <p:nvPicPr>
+          <p:cNvPr id="4" name="Picture 3"/>
+          <p:cNvPicPr>
+            <a:picLocks noChangeAspect="1"/>
+          </p:cNvPicPr>
+          <p:nvPr/>
+        </p:nvPicPr>
+        <p:blipFill>
+          <a:blip r:embed="rId2" cstate="hqprint">
+            <a:extLst>
+              <a:ext uri="{28A0092B-C50C-407E-A947-70E740481C1C}">
+                <a14:useLocalDpi xmlns:a14="http://schemas.microsoft.com/office/drawing/2010/main" val="0"/>
+              </a:ext>
+            </a:extLst>
+          </a:blip>
+          <a:stretch>
+            <a:fillRect/>
+          </a:stretch>
+        </p:blipFill>
+        <p:spPr>
+          <a:xfrm>
+            <a:off x="5270268" y="2476317"/>
+            <a:ext cx="6144559" cy="4024235"/>
+          </a:xfrm>
+          <a:prstGeom prst="rect">
+            <a:avLst/>
+          </a:prstGeom>
+        </p:spPr>
+      </p:pic>
     </p:spTree>
     <p:extLst>
       <p:ext uri="{BB962C8B-B14F-4D97-AF65-F5344CB8AC3E}">
